--- a/Dokumentation/presentation/BAT-EIT-FS24-Präs-Nicora-1507146.pptx
+++ b/Dokumentation/presentation/BAT-EIT-FS24-Präs-Nicora-1507146.pptx
@@ -9,16 +9,18 @@
     <p:sldId id="262" r:id="rId3"/>
     <p:sldId id="258" r:id="rId4"/>
     <p:sldId id="261" r:id="rId5"/>
-    <p:sldId id="260" r:id="rId6"/>
-    <p:sldId id="263" r:id="rId7"/>
-    <p:sldId id="266" r:id="rId8"/>
+    <p:sldId id="266" r:id="rId6"/>
+    <p:sldId id="260" r:id="rId7"/>
+    <p:sldId id="263" r:id="rId8"/>
     <p:sldId id="264" r:id="rId9"/>
     <p:sldId id="268" r:id="rId10"/>
     <p:sldId id="267" r:id="rId11"/>
     <p:sldId id="270" r:id="rId12"/>
-    <p:sldId id="265" r:id="rId13"/>
-    <p:sldId id="269" r:id="rId14"/>
-    <p:sldId id="259" r:id="rId15"/>
+    <p:sldId id="272" r:id="rId13"/>
+    <p:sldId id="273" r:id="rId14"/>
+    <p:sldId id="271" r:id="rId15"/>
+    <p:sldId id="269" r:id="rId16"/>
+    <p:sldId id="259" r:id="rId17"/>
   </p:sldIdLst>
   <p:sldSz cx="12192000" cy="6858000"/>
   <p:notesSz cx="6858000" cy="9144000"/>
@@ -3537,7 +3539,7 @@
           <a:p>
             <a:fld id="{999A8DD2-C443-44AD-85B3-4CE72B962C5F}" type="datetimeFigureOut">
               <a:rPr lang="en-US" smtClean="0"/>
-              <a:t>4/23/2024</a:t>
+              <a:t>6/1/2024</a:t>
             </a:fld>
             <a:endParaRPr lang="en-US"/>
           </a:p>
@@ -3745,7 +3747,7 @@
           <a:p>
             <a:fld id="{999A8DD2-C443-44AD-85B3-4CE72B962C5F}" type="datetimeFigureOut">
               <a:rPr lang="en-US" smtClean="0"/>
-              <a:t>4/23/2024</a:t>
+              <a:t>6/1/2024</a:t>
             </a:fld>
             <a:endParaRPr lang="en-US"/>
           </a:p>
@@ -3953,7 +3955,7 @@
           <a:p>
             <a:fld id="{999A8DD2-C443-44AD-85B3-4CE72B962C5F}" type="datetimeFigureOut">
               <a:rPr lang="en-US" smtClean="0"/>
-              <a:t>4/23/2024</a:t>
+              <a:t>6/1/2024</a:t>
             </a:fld>
             <a:endParaRPr lang="en-US"/>
           </a:p>
@@ -4151,7 +4153,7 @@
           <a:p>
             <a:fld id="{999A8DD2-C443-44AD-85B3-4CE72B962C5F}" type="datetimeFigureOut">
               <a:rPr lang="en-US" smtClean="0"/>
-              <a:t>4/23/2024</a:t>
+              <a:t>6/1/2024</a:t>
             </a:fld>
             <a:endParaRPr lang="en-US"/>
           </a:p>
@@ -4429,7 +4431,7 @@
           <a:p>
             <a:fld id="{999A8DD2-C443-44AD-85B3-4CE72B962C5F}" type="datetimeFigureOut">
               <a:rPr lang="en-US" smtClean="0"/>
-              <a:t>4/23/2024</a:t>
+              <a:t>6/1/2024</a:t>
             </a:fld>
             <a:endParaRPr lang="en-US"/>
           </a:p>
@@ -4701,7 +4703,7 @@
           <a:p>
             <a:fld id="{999A8DD2-C443-44AD-85B3-4CE72B962C5F}" type="datetimeFigureOut">
               <a:rPr lang="en-US" smtClean="0"/>
-              <a:t>4/23/2024</a:t>
+              <a:t>6/1/2024</a:t>
             </a:fld>
             <a:endParaRPr lang="en-US"/>
           </a:p>
@@ -5125,7 +5127,7 @@
           <a:p>
             <a:fld id="{999A8DD2-C443-44AD-85B3-4CE72B962C5F}" type="datetimeFigureOut">
               <a:rPr lang="en-US" smtClean="0"/>
-              <a:t>4/23/2024</a:t>
+              <a:t>6/1/2024</a:t>
             </a:fld>
             <a:endParaRPr lang="en-US"/>
           </a:p>
@@ -5266,7 +5268,7 @@
           <a:p>
             <a:fld id="{999A8DD2-C443-44AD-85B3-4CE72B962C5F}" type="datetimeFigureOut">
               <a:rPr lang="en-US" smtClean="0"/>
-              <a:t>4/23/2024</a:t>
+              <a:t>6/1/2024</a:t>
             </a:fld>
             <a:endParaRPr lang="en-US"/>
           </a:p>
@@ -5379,7 +5381,7 @@
           <a:p>
             <a:fld id="{999A8DD2-C443-44AD-85B3-4CE72B962C5F}" type="datetimeFigureOut">
               <a:rPr lang="en-US" smtClean="0"/>
-              <a:t>4/23/2024</a:t>
+              <a:t>6/1/2024</a:t>
             </a:fld>
             <a:endParaRPr lang="en-US"/>
           </a:p>
@@ -5698,7 +5700,7 @@
           <a:p>
             <a:fld id="{999A8DD2-C443-44AD-85B3-4CE72B962C5F}" type="datetimeFigureOut">
               <a:rPr lang="en-US" smtClean="0"/>
-              <a:t>4/23/2024</a:t>
+              <a:t>6/1/2024</a:t>
             </a:fld>
             <a:endParaRPr lang="en-US"/>
           </a:p>
@@ -5992,7 +5994,7 @@
           <a:p>
             <a:fld id="{999A8DD2-C443-44AD-85B3-4CE72B962C5F}" type="datetimeFigureOut">
               <a:rPr lang="en-US" smtClean="0"/>
-              <a:t>4/23/2024</a:t>
+              <a:t>6/1/2024</a:t>
             </a:fld>
             <a:endParaRPr lang="en-US"/>
           </a:p>
@@ -6232,7 +6234,7 @@
           <a:p>
             <a:fld id="{999A8DD2-C443-44AD-85B3-4CE72B962C5F}" type="datetimeFigureOut">
               <a:rPr lang="en-US" smtClean="0"/>
-              <a:t>4/23/2024</a:t>
+              <a:t>6/1/2024</a:t>
             </a:fld>
             <a:endParaRPr lang="en-US"/>
           </a:p>
@@ -6864,7 +6866,7 @@
                 </a:solidFill>
                 <a:latin typeface="Agency FB" panose="020B0503020202020204" pitchFamily="34" charset="0"/>
               </a:rPr>
-              <a:t>BAT FS23</a:t>
+              <a:t>BAT FS24</a:t>
             </a:r>
             <a:endParaRPr lang="de-CH" sz="3600" b="0" dirty="0">
               <a:solidFill>
@@ -6910,18 +6912,7 @@
                 </a:solidFill>
                 <a:latin typeface="Agency FB" panose="020B0503020202020204" pitchFamily="34" charset="0"/>
               </a:rPr>
-              <a:t>Entwicklung einer PCB zur</a:t>
-            </a:r>
-          </a:p>
-          <a:p>
-            <a:r>
-              <a:rPr lang="de-DE" sz="6000" b="1" dirty="0">
-                <a:solidFill>
-                  <a:srgbClr val="FFFFFF"/>
-                </a:solidFill>
-                <a:latin typeface="Agency FB" panose="020B0503020202020204" pitchFamily="34" charset="0"/>
-              </a:rPr>
-              <a:t>Analyse von Umgebungslärm*</a:t>
+              <a:t>Gerät zur Überwachung von Umgebungslärm</a:t>
             </a:r>
           </a:p>
         </p:txBody>
@@ -6980,7 +6971,7 @@
                 </a:solidFill>
                 <a:latin typeface="Agency FB" panose="020B0503020202020204" pitchFamily="34" charset="0"/>
               </a:rPr>
-              <a:t>Zwischenpräsentation – 26.04.2024</a:t>
+              <a:t>Schlusspräsentation – 19.06.2024</a:t>
             </a:r>
             <a:endParaRPr lang="de-CH" sz="3600" b="0" dirty="0">
               <a:solidFill>
@@ -8137,89 +8128,9 @@
           <a:p>
             <a:r>
               <a:rPr lang="de-DE" dirty="0"/>
-              <a:t>Ausblick</a:t>
+              <a:t>Resultate</a:t>
             </a:r>
             <a:endParaRPr lang="de-CH" dirty="0"/>
-          </a:p>
-        </p:txBody>
-      </p:sp>
-      <p:sp>
-        <p:nvSpPr>
-          <p:cNvPr id="3" name="Inhaltsplatzhalter 2">
-            <a:extLst>
-              <a:ext uri="{FF2B5EF4-FFF2-40B4-BE49-F238E27FC236}">
-                <a16:creationId xmlns:a16="http://schemas.microsoft.com/office/drawing/2014/main" id="{CA9D631A-4491-E756-63E6-4F1D9B6A8C37}"/>
-              </a:ext>
-            </a:extLst>
-          </p:cNvPr>
-          <p:cNvSpPr>
-            <a:spLocks noGrp="1"/>
-          </p:cNvSpPr>
-          <p:nvPr>
-            <p:ph idx="1"/>
-          </p:nvPr>
-        </p:nvSpPr>
-        <p:spPr/>
-        <p:txBody>
-          <a:bodyPr/>
-          <a:lstStyle/>
-          <a:p>
-            <a:r>
-              <a:rPr lang="de-DE" dirty="0"/>
-              <a:t>Fertigstellung Treiber</a:t>
-            </a:r>
-          </a:p>
-          <a:p>
-            <a:r>
-              <a:rPr lang="de-DE" dirty="0"/>
-              <a:t>Implementation Gewichtungsfilter</a:t>
-            </a:r>
-          </a:p>
-          <a:p>
-            <a:r>
-              <a:rPr lang="de-CH" dirty="0"/>
-              <a:t>Testen PCB-Rev. 1-2</a:t>
-            </a:r>
-          </a:p>
-          <a:p>
-            <a:r>
-              <a:rPr lang="de-CH" dirty="0"/>
-              <a:t>Messungen</a:t>
-            </a:r>
-          </a:p>
-          <a:p>
-            <a:pPr lvl="1"/>
-            <a:r>
-              <a:rPr lang="de-CH" dirty="0"/>
-              <a:t>Leistungsaufnahme Gesamtsystem</a:t>
-            </a:r>
-          </a:p>
-          <a:p>
-            <a:pPr lvl="1"/>
-            <a:r>
-              <a:rPr lang="de-CH" dirty="0"/>
-              <a:t>Mikrofon</a:t>
-            </a:r>
-          </a:p>
-          <a:p>
-            <a:pPr lvl="1"/>
-            <a:r>
-              <a:rPr lang="de-CH" dirty="0"/>
-              <a:t>Vergleich</a:t>
-            </a:r>
-          </a:p>
-          <a:p>
-            <a:r>
-              <a:rPr lang="de-CH" dirty="0"/>
-              <a:t>Optional:</a:t>
-            </a:r>
-          </a:p>
-          <a:p>
-            <a:pPr lvl="1"/>
-            <a:r>
-              <a:rPr lang="de-CH" dirty="0"/>
-              <a:t>Implementation BLE</a:t>
-            </a:r>
           </a:p>
         </p:txBody>
       </p:sp>
@@ -8291,6 +8202,432 @@
       </p:sp>
       <p:pic>
         <p:nvPicPr>
+          <p:cNvPr id="10" name="Inhaltsplatzhalter 9">
+            <a:extLst>
+              <a:ext uri="{FF2B5EF4-FFF2-40B4-BE49-F238E27FC236}">
+                <a16:creationId xmlns:a16="http://schemas.microsoft.com/office/drawing/2014/main" id="{65AD601D-22A8-F2F6-0A21-440044650D85}"/>
+              </a:ext>
+            </a:extLst>
+          </p:cNvPr>
+          <p:cNvPicPr>
+            <a:picLocks noGrp="1" noChangeAspect="1"/>
+          </p:cNvPicPr>
+          <p:nvPr>
+            <p:ph idx="1"/>
+          </p:nvPr>
+        </p:nvPicPr>
+        <p:blipFill>
+          <a:blip r:embed="rId4"/>
+          <a:stretch>
+            <a:fillRect/>
+          </a:stretch>
+        </p:blipFill>
+        <p:spPr>
+          <a:xfrm>
+            <a:off x="6244678" y="1624228"/>
+            <a:ext cx="5701115" cy="4889775"/>
+          </a:xfrm>
+        </p:spPr>
+      </p:pic>
+      <p:pic>
+        <p:nvPicPr>
+          <p:cNvPr id="8" name="Grafik 7">
+            <a:extLst>
+              <a:ext uri="{FF2B5EF4-FFF2-40B4-BE49-F238E27FC236}">
+                <a16:creationId xmlns:a16="http://schemas.microsoft.com/office/drawing/2014/main" id="{59251A3C-11FF-6C47-6618-37775457D8ED}"/>
+              </a:ext>
+            </a:extLst>
+          </p:cNvPr>
+          <p:cNvPicPr>
+            <a:picLocks noChangeAspect="1"/>
+          </p:cNvPicPr>
+          <p:nvPr/>
+        </p:nvPicPr>
+        <p:blipFill>
+          <a:blip r:embed="rId5"/>
+          <a:stretch>
+            <a:fillRect/>
+          </a:stretch>
+        </p:blipFill>
+        <p:spPr>
+          <a:xfrm>
+            <a:off x="612647" y="1567558"/>
+            <a:ext cx="5632031" cy="4889775"/>
+          </a:xfrm>
+          <a:prstGeom prst="rect">
+            <a:avLst/>
+          </a:prstGeom>
+        </p:spPr>
+      </p:pic>
+    </p:spTree>
+    <p:extLst>
+      <p:ext uri="{BB962C8B-B14F-4D97-AF65-F5344CB8AC3E}">
+        <p14:creationId xmlns:p14="http://schemas.microsoft.com/office/powerpoint/2010/main" val="3465270031"/>
+      </p:ext>
+    </p:extLst>
+  </p:cSld>
+  <p:clrMapOvr>
+    <a:masterClrMapping/>
+  </p:clrMapOvr>
+</p:sld>
+</file>
+
+<file path=ppt/slides/slide13.xml><?xml version="1.0" encoding="utf-8"?>
+<p:sld xmlns:a="http://schemas.openxmlformats.org/drawingml/2006/main" xmlns:r="http://schemas.openxmlformats.org/officeDocument/2006/relationships" xmlns:p="http://schemas.openxmlformats.org/presentationml/2006/main">
+  <p:cSld>
+    <p:spTree>
+      <p:nvGrpSpPr>
+        <p:cNvPr id="1" name=""/>
+        <p:cNvGrpSpPr/>
+        <p:nvPr/>
+      </p:nvGrpSpPr>
+      <p:grpSpPr>
+        <a:xfrm>
+          <a:off x="0" y="0"/>
+          <a:ext cx="0" cy="0"/>
+          <a:chOff x="0" y="0"/>
+          <a:chExt cx="0" cy="0"/>
+        </a:xfrm>
+      </p:grpSpPr>
+      <p:sp>
+        <p:nvSpPr>
+          <p:cNvPr id="2" name="Titel 1">
+            <a:extLst>
+              <a:ext uri="{FF2B5EF4-FFF2-40B4-BE49-F238E27FC236}">
+                <a16:creationId xmlns:a16="http://schemas.microsoft.com/office/drawing/2014/main" id="{EC1FE7EE-7E78-7201-9C9F-49AC28E9D93F}"/>
+              </a:ext>
+            </a:extLst>
+          </p:cNvPr>
+          <p:cNvSpPr>
+            <a:spLocks noGrp="1"/>
+          </p:cNvSpPr>
+          <p:nvPr>
+            <p:ph type="title"/>
+          </p:nvPr>
+        </p:nvSpPr>
+        <p:spPr/>
+        <p:txBody>
+          <a:bodyPr/>
+          <a:lstStyle/>
+          <a:p>
+            <a:r>
+              <a:rPr lang="de-DE" dirty="0"/>
+              <a:t>Resultate</a:t>
+            </a:r>
+            <a:endParaRPr lang="de-CH" dirty="0"/>
+          </a:p>
+        </p:txBody>
+      </p:sp>
+      <p:sp>
+        <p:nvSpPr>
+          <p:cNvPr id="4" name="Rechteck 3" descr="Auge">
+            <a:extLst>
+              <a:ext uri="{FF2B5EF4-FFF2-40B4-BE49-F238E27FC236}">
+                <a16:creationId xmlns:a16="http://schemas.microsoft.com/office/drawing/2014/main" id="{FD4CC67E-18E8-86F0-AD12-AFE24B382F8B}"/>
+              </a:ext>
+            </a:extLst>
+          </p:cNvPr>
+          <p:cNvSpPr/>
+          <p:nvPr/>
+        </p:nvSpPr>
+        <p:spPr>
+          <a:xfrm>
+            <a:off x="11382000" y="0"/>
+            <a:ext cx="810000" cy="810000"/>
+          </a:xfrm>
+          <a:prstGeom prst="rect">
+            <a:avLst/>
+          </a:prstGeom>
+          <a:blipFill>
+            <a:blip r:embed="rId2">
+              <a:extLst>
+                <a:ext uri="{28A0092B-C50C-407E-A947-70E740481C1C}">
+                  <a14:useLocalDpi xmlns:a14="http://schemas.microsoft.com/office/drawing/2010/main" val="0"/>
+                </a:ext>
+                <a:ext uri="{96DAC541-7B7A-43D3-8B79-37D633B846F1}">
+                  <asvg:svgBlip xmlns:asvg="http://schemas.microsoft.com/office/drawing/2016/SVG/main" r:embed="rId3"/>
+                </a:ext>
+              </a:extLst>
+            </a:blip>
+            <a:stretch>
+              <a:fillRect/>
+            </a:stretch>
+          </a:blipFill>
+          <a:ln>
+            <a:noFill/>
+          </a:ln>
+        </p:spPr>
+        <p:style>
+          <a:lnRef idx="2">
+            <a:scrgbClr r="0" g="0" b="0"/>
+          </a:lnRef>
+          <a:fillRef idx="1">
+            <a:scrgbClr r="0" g="0" b="0"/>
+          </a:fillRef>
+          <a:effectRef idx="0">
+            <a:schemeClr val="accent6">
+              <a:hueOff val="0"/>
+              <a:satOff val="0"/>
+              <a:lumOff val="0"/>
+              <a:alphaOff val="0"/>
+            </a:schemeClr>
+          </a:effectRef>
+          <a:fontRef idx="minor">
+            <a:schemeClr val="lt1"/>
+          </a:fontRef>
+        </p:style>
+        <p:txBody>
+          <a:bodyPr/>
+          <a:lstStyle/>
+          <a:p>
+            <a:endParaRPr lang="de-CH"/>
+          </a:p>
+        </p:txBody>
+      </p:sp>
+      <p:pic>
+        <p:nvPicPr>
+          <p:cNvPr id="9" name="Inhaltsplatzhalter 8">
+            <a:extLst>
+              <a:ext uri="{FF2B5EF4-FFF2-40B4-BE49-F238E27FC236}">
+                <a16:creationId xmlns:a16="http://schemas.microsoft.com/office/drawing/2014/main" id="{F83ACCCC-3FAF-3FE4-1E02-13F2605FA94E}"/>
+              </a:ext>
+            </a:extLst>
+          </p:cNvPr>
+          <p:cNvPicPr>
+            <a:picLocks noGrp="1" noChangeAspect="1"/>
+          </p:cNvPicPr>
+          <p:nvPr>
+            <p:ph idx="1"/>
+          </p:nvPr>
+        </p:nvPicPr>
+        <p:blipFill>
+          <a:blip r:embed="rId4"/>
+          <a:stretch>
+            <a:fillRect/>
+          </a:stretch>
+        </p:blipFill>
+        <p:spPr>
+          <a:xfrm>
+            <a:off x="6123607" y="1278193"/>
+            <a:ext cx="5510960" cy="4864135"/>
+          </a:xfrm>
+        </p:spPr>
+      </p:pic>
+      <p:pic>
+        <p:nvPicPr>
+          <p:cNvPr id="6" name="Grafik 5">
+            <a:extLst>
+              <a:ext uri="{FF2B5EF4-FFF2-40B4-BE49-F238E27FC236}">
+                <a16:creationId xmlns:a16="http://schemas.microsoft.com/office/drawing/2014/main" id="{7951C066-AA77-269D-25AD-706193E84E5C}"/>
+              </a:ext>
+            </a:extLst>
+          </p:cNvPr>
+          <p:cNvPicPr>
+            <a:picLocks noChangeAspect="1"/>
+          </p:cNvPicPr>
+          <p:nvPr/>
+        </p:nvPicPr>
+        <p:blipFill>
+          <a:blip r:embed="rId5"/>
+          <a:stretch>
+            <a:fillRect/>
+          </a:stretch>
+        </p:blipFill>
+        <p:spPr>
+          <a:xfrm>
+            <a:off x="612647" y="1278194"/>
+            <a:ext cx="5510960" cy="4847303"/>
+          </a:xfrm>
+          <a:prstGeom prst="rect">
+            <a:avLst/>
+          </a:prstGeom>
+        </p:spPr>
+      </p:pic>
+    </p:spTree>
+    <p:extLst>
+      <p:ext uri="{BB962C8B-B14F-4D97-AF65-F5344CB8AC3E}">
+        <p14:creationId xmlns:p14="http://schemas.microsoft.com/office/powerpoint/2010/main" val="4109224915"/>
+      </p:ext>
+    </p:extLst>
+  </p:cSld>
+  <p:clrMapOvr>
+    <a:masterClrMapping/>
+  </p:clrMapOvr>
+</p:sld>
+</file>
+
+<file path=ppt/slides/slide14.xml><?xml version="1.0" encoding="utf-8"?>
+<p:sld xmlns:a="http://schemas.openxmlformats.org/drawingml/2006/main" xmlns:r="http://schemas.openxmlformats.org/officeDocument/2006/relationships" xmlns:p="http://schemas.openxmlformats.org/presentationml/2006/main">
+  <p:cSld>
+    <p:spTree>
+      <p:nvGrpSpPr>
+        <p:cNvPr id="1" name=""/>
+        <p:cNvGrpSpPr/>
+        <p:nvPr/>
+      </p:nvGrpSpPr>
+      <p:grpSpPr>
+        <a:xfrm>
+          <a:off x="0" y="0"/>
+          <a:ext cx="0" cy="0"/>
+          <a:chOff x="0" y="0"/>
+          <a:chExt cx="0" cy="0"/>
+        </a:xfrm>
+      </p:grpSpPr>
+      <p:sp>
+        <p:nvSpPr>
+          <p:cNvPr id="2" name="Titel 1">
+            <a:extLst>
+              <a:ext uri="{FF2B5EF4-FFF2-40B4-BE49-F238E27FC236}">
+                <a16:creationId xmlns:a16="http://schemas.microsoft.com/office/drawing/2014/main" id="{EC1FE7EE-7E78-7201-9C9F-49AC28E9D93F}"/>
+              </a:ext>
+            </a:extLst>
+          </p:cNvPr>
+          <p:cNvSpPr>
+            <a:spLocks noGrp="1"/>
+          </p:cNvSpPr>
+          <p:nvPr>
+            <p:ph type="title"/>
+          </p:nvPr>
+        </p:nvSpPr>
+        <p:spPr/>
+        <p:txBody>
+          <a:bodyPr/>
+          <a:lstStyle/>
+          <a:p>
+            <a:r>
+              <a:rPr lang="de-DE" dirty="0"/>
+              <a:t>Ausblick</a:t>
+            </a:r>
+            <a:endParaRPr lang="de-CH" dirty="0"/>
+          </a:p>
+        </p:txBody>
+      </p:sp>
+      <p:sp>
+        <p:nvSpPr>
+          <p:cNvPr id="3" name="Inhaltsplatzhalter 2">
+            <a:extLst>
+              <a:ext uri="{FF2B5EF4-FFF2-40B4-BE49-F238E27FC236}">
+                <a16:creationId xmlns:a16="http://schemas.microsoft.com/office/drawing/2014/main" id="{CA9D631A-4491-E756-63E6-4F1D9B6A8C37}"/>
+              </a:ext>
+            </a:extLst>
+          </p:cNvPr>
+          <p:cNvSpPr>
+            <a:spLocks noGrp="1"/>
+          </p:cNvSpPr>
+          <p:nvPr>
+            <p:ph idx="1"/>
+          </p:nvPr>
+        </p:nvSpPr>
+        <p:spPr/>
+        <p:txBody>
+          <a:bodyPr/>
+          <a:lstStyle/>
+          <a:p>
+            <a:r>
+              <a:rPr lang="de-DE" dirty="0"/>
+              <a:t>Implementation BLE-Funktionalität</a:t>
+            </a:r>
+          </a:p>
+          <a:p>
+            <a:r>
+              <a:rPr lang="de-DE" dirty="0"/>
+              <a:t>Bluetooth-Zertifizierung</a:t>
+            </a:r>
+          </a:p>
+          <a:p>
+            <a:r>
+              <a:rPr lang="de-CH" dirty="0"/>
+              <a:t>Zeitgewichtung</a:t>
+            </a:r>
+          </a:p>
+          <a:p>
+            <a:r>
+              <a:rPr lang="de-CH" dirty="0"/>
+              <a:t>Rauschboden-Optimierung</a:t>
+            </a:r>
+          </a:p>
+          <a:p>
+            <a:r>
+              <a:rPr lang="de-CH" dirty="0"/>
+              <a:t>Sensitivitätsfilter</a:t>
+            </a:r>
+          </a:p>
+          <a:p>
+            <a:r>
+              <a:rPr lang="de-CH" dirty="0"/>
+              <a:t>RTC</a:t>
+            </a:r>
+          </a:p>
+        </p:txBody>
+      </p:sp>
+      <p:sp>
+        <p:nvSpPr>
+          <p:cNvPr id="4" name="Rechteck 3" descr="Auge">
+            <a:extLst>
+              <a:ext uri="{FF2B5EF4-FFF2-40B4-BE49-F238E27FC236}">
+                <a16:creationId xmlns:a16="http://schemas.microsoft.com/office/drawing/2014/main" id="{FD4CC67E-18E8-86F0-AD12-AFE24B382F8B}"/>
+              </a:ext>
+            </a:extLst>
+          </p:cNvPr>
+          <p:cNvSpPr/>
+          <p:nvPr/>
+        </p:nvSpPr>
+        <p:spPr>
+          <a:xfrm>
+            <a:off x="11382000" y="0"/>
+            <a:ext cx="810000" cy="810000"/>
+          </a:xfrm>
+          <a:prstGeom prst="rect">
+            <a:avLst/>
+          </a:prstGeom>
+          <a:blipFill>
+            <a:blip r:embed="rId2">
+              <a:extLst>
+                <a:ext uri="{28A0092B-C50C-407E-A947-70E740481C1C}">
+                  <a14:useLocalDpi xmlns:a14="http://schemas.microsoft.com/office/drawing/2010/main" val="0"/>
+                </a:ext>
+                <a:ext uri="{96DAC541-7B7A-43D3-8B79-37D633B846F1}">
+                  <asvg:svgBlip xmlns:asvg="http://schemas.microsoft.com/office/drawing/2016/SVG/main" r:embed="rId3"/>
+                </a:ext>
+              </a:extLst>
+            </a:blip>
+            <a:stretch>
+              <a:fillRect/>
+            </a:stretch>
+          </a:blipFill>
+          <a:ln>
+            <a:noFill/>
+          </a:ln>
+        </p:spPr>
+        <p:style>
+          <a:lnRef idx="2">
+            <a:scrgbClr r="0" g="0" b="0"/>
+          </a:lnRef>
+          <a:fillRef idx="1">
+            <a:scrgbClr r="0" g="0" b="0"/>
+          </a:fillRef>
+          <a:effectRef idx="0">
+            <a:schemeClr val="accent6">
+              <a:hueOff val="0"/>
+              <a:satOff val="0"/>
+              <a:lumOff val="0"/>
+              <a:alphaOff val="0"/>
+            </a:schemeClr>
+          </a:effectRef>
+          <a:fontRef idx="minor">
+            <a:schemeClr val="lt1"/>
+          </a:fontRef>
+        </p:style>
+        <p:txBody>
+          <a:bodyPr/>
+          <a:lstStyle/>
+          <a:p>
+            <a:endParaRPr lang="de-CH"/>
+          </a:p>
+        </p:txBody>
+      </p:sp>
+      <p:pic>
+        <p:nvPicPr>
           <p:cNvPr id="6" name="Grafik 5" descr="Ein Bild, das Reihe, Text, Diagramm, parallel enthält.&#10;&#10;Automatisch generierte Beschreibung">
             <a:extLst>
               <a:ext uri="{FF2B5EF4-FFF2-40B4-BE49-F238E27FC236}">
@@ -8328,7 +8665,7 @@
     </p:spTree>
     <p:extLst>
       <p:ext uri="{BB962C8B-B14F-4D97-AF65-F5344CB8AC3E}">
-        <p14:creationId xmlns:p14="http://schemas.microsoft.com/office/powerpoint/2010/main" val="2554440671"/>
+        <p14:creationId xmlns:p14="http://schemas.microsoft.com/office/powerpoint/2010/main" val="3616562728"/>
       </p:ext>
     </p:extLst>
   </p:cSld>
@@ -8338,7 +8675,7 @@
 </p:sld>
 </file>
 
-<file path=ppt/slides/slide13.xml><?xml version="1.0" encoding="utf-8"?>
+<file path=ppt/slides/slide15.xml><?xml version="1.0" encoding="utf-8"?>
 <p:sld xmlns:a="http://schemas.openxmlformats.org/drawingml/2006/main" xmlns:r="http://schemas.openxmlformats.org/officeDocument/2006/relationships" xmlns:p="http://schemas.openxmlformats.org/presentationml/2006/main">
   <p:cSld>
     <p:bg>
@@ -8605,7 +8942,7 @@
 </p:sld>
 </file>
 
-<file path=ppt/slides/slide14.xml><?xml version="1.0" encoding="utf-8"?>
+<file path=ppt/slides/slide16.xml><?xml version="1.0" encoding="utf-8"?>
 <p:sld xmlns:a="http://schemas.openxmlformats.org/drawingml/2006/main" xmlns:r="http://schemas.openxmlformats.org/officeDocument/2006/relationships" xmlns:p="http://schemas.openxmlformats.org/presentationml/2006/main">
   <p:cSld>
     <p:spTree>
@@ -9640,318 +9977,9 @@
           <a:p>
             <a:r>
               <a:rPr lang="de-DE" dirty="0"/>
-              <a:t>Vorgehen</a:t>
+              <a:t>Software</a:t>
             </a:r>
             <a:endParaRPr lang="de-CH" dirty="0"/>
-          </a:p>
-        </p:txBody>
-      </p:sp>
-      <p:sp>
-        <p:nvSpPr>
-          <p:cNvPr id="3" name="Inhaltsplatzhalter 2">
-            <a:extLst>
-              <a:ext uri="{FF2B5EF4-FFF2-40B4-BE49-F238E27FC236}">
-                <a16:creationId xmlns:a16="http://schemas.microsoft.com/office/drawing/2014/main" id="{E527425F-634A-742F-70C4-31C821FC9F78}"/>
-              </a:ext>
-            </a:extLst>
-          </p:cNvPr>
-          <p:cNvSpPr>
-            <a:spLocks noGrp="1"/>
-          </p:cNvSpPr>
-          <p:nvPr>
-            <p:ph idx="1"/>
-          </p:nvPr>
-        </p:nvSpPr>
-        <p:spPr/>
-        <p:txBody>
-          <a:bodyPr/>
-          <a:lstStyle/>
-          <a:p>
-            <a:r>
-              <a:rPr lang="de-DE" dirty="0"/>
-              <a:t>Abklärung der Bedürfnisse mit </a:t>
-            </a:r>
-            <a:r>
-              <a:rPr lang="de-DE" dirty="0" err="1"/>
-              <a:t>hEar</a:t>
-            </a:r>
-            <a:endParaRPr lang="de-DE" dirty="0"/>
-          </a:p>
-          <a:p>
-            <a:r>
-              <a:rPr lang="de-DE" dirty="0"/>
-              <a:t>Anforderungskatalog ausgearbeitet</a:t>
-            </a:r>
-          </a:p>
-          <a:p>
-            <a:r>
-              <a:rPr lang="de-DE" dirty="0"/>
-              <a:t>Risikoanalyse durchgeführt</a:t>
-            </a:r>
-          </a:p>
-          <a:p>
-            <a:r>
-              <a:rPr lang="de-DE" dirty="0"/>
-              <a:t>Zeitplanung aufgestellt</a:t>
-            </a:r>
-          </a:p>
-          <a:p>
-            <a:r>
-              <a:rPr lang="de-DE" dirty="0"/>
-              <a:t>Entwicklung Hard- und Software</a:t>
-            </a:r>
-          </a:p>
-          <a:p>
-            <a:pPr lvl="1"/>
-            <a:r>
-              <a:rPr lang="de-DE" dirty="0"/>
-              <a:t>Iterativ / Agile</a:t>
-            </a:r>
-            <a:endParaRPr lang="de-CH" dirty="0"/>
-          </a:p>
-        </p:txBody>
-      </p:sp>
-      <p:sp>
-        <p:nvSpPr>
-          <p:cNvPr id="4" name="Rechteck 3" descr="Magnifying glass">
-            <a:extLst>
-              <a:ext uri="{FF2B5EF4-FFF2-40B4-BE49-F238E27FC236}">
-                <a16:creationId xmlns:a16="http://schemas.microsoft.com/office/drawing/2014/main" id="{B9ADA368-D7DA-4CAE-D4A2-478156BD3E1F}"/>
-              </a:ext>
-            </a:extLst>
-          </p:cNvPr>
-          <p:cNvSpPr/>
-          <p:nvPr/>
-        </p:nvSpPr>
-        <p:spPr>
-          <a:xfrm>
-            <a:off x="11382000" y="0"/>
-            <a:ext cx="810000" cy="810000"/>
-          </a:xfrm>
-          <a:prstGeom prst="rect">
-            <a:avLst/>
-          </a:prstGeom>
-          <a:blipFill>
-            <a:blip r:embed="rId2">
-              <a:extLst>
-                <a:ext uri="{28A0092B-C50C-407E-A947-70E740481C1C}">
-                  <a14:useLocalDpi xmlns:a14="http://schemas.microsoft.com/office/drawing/2010/main" val="0"/>
-                </a:ext>
-                <a:ext uri="{96DAC541-7B7A-43D3-8B79-37D633B846F1}">
-                  <asvg:svgBlip xmlns:asvg="http://schemas.microsoft.com/office/drawing/2016/SVG/main" r:embed="rId3"/>
-                </a:ext>
-              </a:extLst>
-            </a:blip>
-            <a:stretch>
-              <a:fillRect/>
-            </a:stretch>
-          </a:blipFill>
-          <a:ln>
-            <a:noFill/>
-          </a:ln>
-        </p:spPr>
-        <p:style>
-          <a:lnRef idx="2">
-            <a:scrgbClr r="0" g="0" b="0"/>
-          </a:lnRef>
-          <a:fillRef idx="1">
-            <a:scrgbClr r="0" g="0" b="0"/>
-          </a:fillRef>
-          <a:effectRef idx="0">
-            <a:schemeClr val="accent4">
-              <a:hueOff val="0"/>
-              <a:satOff val="0"/>
-              <a:lumOff val="0"/>
-              <a:alphaOff val="0"/>
-            </a:schemeClr>
-          </a:effectRef>
-          <a:fontRef idx="minor">
-            <a:schemeClr val="lt1"/>
-          </a:fontRef>
-        </p:style>
-        <p:txBody>
-          <a:bodyPr/>
-          <a:lstStyle/>
-          <a:p>
-            <a:endParaRPr lang="de-CH"/>
-          </a:p>
-        </p:txBody>
-      </p:sp>
-      <p:pic>
-        <p:nvPicPr>
-          <p:cNvPr id="6" name="Grafik 5">
-            <a:extLst>
-              <a:ext uri="{FF2B5EF4-FFF2-40B4-BE49-F238E27FC236}">
-                <a16:creationId xmlns:a16="http://schemas.microsoft.com/office/drawing/2014/main" id="{C07D3D33-24EC-759E-4FFF-60E680368C35}"/>
-              </a:ext>
-            </a:extLst>
-          </p:cNvPr>
-          <p:cNvPicPr>
-            <a:picLocks noChangeAspect="1"/>
-          </p:cNvPicPr>
-          <p:nvPr/>
-        </p:nvPicPr>
-        <p:blipFill>
-          <a:blip r:embed="rId4"/>
-          <a:stretch>
-            <a:fillRect/>
-          </a:stretch>
-        </p:blipFill>
-        <p:spPr>
-          <a:xfrm>
-            <a:off x="5447360" y="1715532"/>
-            <a:ext cx="6339640" cy="4358879"/>
-          </a:xfrm>
-          <a:prstGeom prst="rect">
-            <a:avLst/>
-          </a:prstGeom>
-        </p:spPr>
-      </p:pic>
-    </p:spTree>
-    <p:extLst>
-      <p:ext uri="{BB962C8B-B14F-4D97-AF65-F5344CB8AC3E}">
-        <p14:creationId xmlns:p14="http://schemas.microsoft.com/office/powerpoint/2010/main" val="316512845"/>
-      </p:ext>
-    </p:extLst>
-  </p:cSld>
-  <p:clrMapOvr>
-    <a:masterClrMapping/>
-  </p:clrMapOvr>
-</p:sld>
-</file>
-
-<file path=ppt/slides/slide6.xml><?xml version="1.0" encoding="utf-8"?>
-<p:sld xmlns:a="http://schemas.openxmlformats.org/drawingml/2006/main" xmlns:r="http://schemas.openxmlformats.org/officeDocument/2006/relationships" xmlns:p="http://schemas.openxmlformats.org/presentationml/2006/main">
-  <p:cSld>
-    <p:spTree>
-      <p:nvGrpSpPr>
-        <p:cNvPr id="1" name=""/>
-        <p:cNvGrpSpPr/>
-        <p:nvPr/>
-      </p:nvGrpSpPr>
-      <p:grpSpPr>
-        <a:xfrm>
-          <a:off x="0" y="0"/>
-          <a:ext cx="0" cy="0"/>
-          <a:chOff x="0" y="0"/>
-          <a:chExt cx="0" cy="0"/>
-        </a:xfrm>
-      </p:grpSpPr>
-      <p:sp>
-        <p:nvSpPr>
-          <p:cNvPr id="2" name="Titel 1">
-            <a:extLst>
-              <a:ext uri="{FF2B5EF4-FFF2-40B4-BE49-F238E27FC236}">
-                <a16:creationId xmlns:a16="http://schemas.microsoft.com/office/drawing/2014/main" id="{26778864-8D5C-5BAA-CCDC-344760A4F4EA}"/>
-              </a:ext>
-            </a:extLst>
-          </p:cNvPr>
-          <p:cNvSpPr>
-            <a:spLocks noGrp="1"/>
-          </p:cNvSpPr>
-          <p:nvPr>
-            <p:ph type="title"/>
-          </p:nvPr>
-        </p:nvSpPr>
-        <p:spPr/>
-        <p:txBody>
-          <a:bodyPr/>
-          <a:lstStyle/>
-          <a:p>
-            <a:r>
-              <a:rPr lang="de-DE" dirty="0"/>
-              <a:t>Stand - Software</a:t>
-            </a:r>
-            <a:endParaRPr lang="de-CH" dirty="0"/>
-          </a:p>
-        </p:txBody>
-      </p:sp>
-      <p:sp>
-        <p:nvSpPr>
-          <p:cNvPr id="3" name="Inhaltsplatzhalter 2">
-            <a:extLst>
-              <a:ext uri="{FF2B5EF4-FFF2-40B4-BE49-F238E27FC236}">
-                <a16:creationId xmlns:a16="http://schemas.microsoft.com/office/drawing/2014/main" id="{E527425F-634A-742F-70C4-31C821FC9F78}"/>
-              </a:ext>
-            </a:extLst>
-          </p:cNvPr>
-          <p:cNvSpPr>
-            <a:spLocks noGrp="1"/>
-          </p:cNvSpPr>
-          <p:nvPr>
-            <p:ph idx="1"/>
-          </p:nvPr>
-        </p:nvSpPr>
-        <p:spPr/>
-        <p:txBody>
-          <a:bodyPr>
-            <a:normAutofit/>
-          </a:bodyPr>
-          <a:lstStyle/>
-          <a:p>
-            <a:r>
-              <a:rPr lang="de-DE" dirty="0"/>
-              <a:t>I2C-Treiber</a:t>
-            </a:r>
-          </a:p>
-          <a:p>
-            <a:r>
-              <a:rPr lang="de-DE" dirty="0"/>
-              <a:t>SPI-Treiber (SDK)</a:t>
-            </a:r>
-          </a:p>
-          <a:p>
-            <a:r>
-              <a:rPr lang="de-DE" dirty="0" err="1"/>
-              <a:t>Timer</a:t>
-            </a:r>
-            <a:r>
-              <a:rPr lang="de-DE" dirty="0"/>
-              <a:t> </a:t>
-            </a:r>
-          </a:p>
-          <a:p>
-            <a:r>
-              <a:rPr lang="de-DE" u="sng" dirty="0"/>
-              <a:t>PDM-Treiber </a:t>
-            </a:r>
-          </a:p>
-          <a:p>
-            <a:r>
-              <a:rPr lang="de-DE" u="sng" dirty="0"/>
-              <a:t>PDM-Treiber </a:t>
-            </a:r>
-          </a:p>
-          <a:p>
-            <a:r>
-              <a:rPr lang="de-DE" dirty="0"/>
-              <a:t>Filterung</a:t>
-            </a:r>
-          </a:p>
-          <a:p>
-            <a:r>
-              <a:rPr lang="de-DE" dirty="0">
-                <a:solidFill>
-                  <a:schemeClr val="bg1">
-                    <a:lumMod val="50000"/>
-                  </a:schemeClr>
-                </a:solidFill>
-              </a:rPr>
-              <a:t>RTC</a:t>
-            </a:r>
-          </a:p>
-          <a:p>
-            <a:r>
-              <a:rPr lang="de-DE" dirty="0"/>
-              <a:t>Optional:</a:t>
-            </a:r>
-          </a:p>
-          <a:p>
-            <a:pPr lvl="1"/>
-            <a:r>
-              <a:rPr lang="de-DE" dirty="0"/>
-              <a:t>BLE</a:t>
-            </a:r>
           </a:p>
         </p:txBody>
       </p:sp>
@@ -10028,26 +10056,25 @@
       </p:sp>
       <p:pic>
         <p:nvPicPr>
-          <p:cNvPr id="11" name="Grafik 10" descr="Daumen runter Silhouette">
-            <a:extLst>
-              <a:ext uri="{FF2B5EF4-FFF2-40B4-BE49-F238E27FC236}">
-                <a16:creationId xmlns:a16="http://schemas.microsoft.com/office/drawing/2014/main" id="{F359D650-C8E1-3649-A9F6-C3FFE08F2A40}"/>
+          <p:cNvPr id="8" name="Inhaltsplatzhalter 7" descr="Ein Bild, das Text, Screenshot, Schrift, Design enthält.&#10;&#10;Automatisch generierte Beschreibung">
+            <a:extLst>
+              <a:ext uri="{FF2B5EF4-FFF2-40B4-BE49-F238E27FC236}">
+                <a16:creationId xmlns:a16="http://schemas.microsoft.com/office/drawing/2014/main" id="{EC4EB47F-ABF2-7ECB-3D0D-4D382931B800}"/>
               </a:ext>
             </a:extLst>
           </p:cNvPr>
           <p:cNvPicPr>
-            <a:picLocks noChangeAspect="1"/>
+            <a:picLocks noGrp="1" noChangeAspect="1"/>
           </p:cNvPicPr>
-          <p:nvPr/>
+          <p:nvPr>
+            <p:ph idx="1"/>
+          </p:nvPr>
         </p:nvPicPr>
         <p:blipFill>
           <a:blip r:embed="rId3">
             <a:extLst>
               <a:ext uri="{28A0092B-C50C-407E-A947-70E740481C1C}">
                 <a14:useLocalDpi xmlns:a14="http://schemas.microsoft.com/office/drawing/2010/main" val="0"/>
-              </a:ext>
-              <a:ext uri="{96DAC541-7B7A-43D3-8B79-37D633B846F1}">
-                <asvg:svgBlip xmlns:asvg="http://schemas.microsoft.com/office/drawing/2016/SVG/main" r:embed="rId4"/>
               </a:ext>
             </a:extLst>
           </a:blip>
@@ -10057,36 +10084,91 @@
         </p:blipFill>
         <p:spPr>
           <a:xfrm>
-            <a:off x="3388524" y="3680251"/>
-            <a:ext cx="2160000" cy="2160000"/>
+            <a:off x="1510251" y="1338505"/>
+            <a:ext cx="9171498" cy="5194591"/>
           </a:xfrm>
-          <a:prstGeom prst="rect">
-            <a:avLst/>
-          </a:prstGeom>
         </p:spPr>
       </p:pic>
+    </p:spTree>
+    <p:extLst>
+      <p:ext uri="{BB962C8B-B14F-4D97-AF65-F5344CB8AC3E}">
+        <p14:creationId xmlns:p14="http://schemas.microsoft.com/office/powerpoint/2010/main" val="982570376"/>
+      </p:ext>
+    </p:extLst>
+  </p:cSld>
+  <p:clrMapOvr>
+    <a:masterClrMapping/>
+  </p:clrMapOvr>
+</p:sld>
+</file>
+
+<file path=ppt/slides/slide6.xml><?xml version="1.0" encoding="utf-8"?>
+<p:sld xmlns:a="http://schemas.openxmlformats.org/drawingml/2006/main" xmlns:r="http://schemas.openxmlformats.org/officeDocument/2006/relationships" xmlns:p="http://schemas.openxmlformats.org/presentationml/2006/main">
+  <p:cSld>
+    <p:spTree>
+      <p:nvGrpSpPr>
+        <p:cNvPr id="1" name=""/>
+        <p:cNvGrpSpPr/>
+        <p:nvPr/>
+      </p:nvGrpSpPr>
+      <p:grpSpPr>
+        <a:xfrm>
+          <a:off x="0" y="0"/>
+          <a:ext cx="0" cy="0"/>
+          <a:chOff x="0" y="0"/>
+          <a:chExt cx="0" cy="0"/>
+        </a:xfrm>
+      </p:grpSpPr>
+      <p:sp>
+        <p:nvSpPr>
+          <p:cNvPr id="2" name="Titel 1">
+            <a:extLst>
+              <a:ext uri="{FF2B5EF4-FFF2-40B4-BE49-F238E27FC236}">
+                <a16:creationId xmlns:a16="http://schemas.microsoft.com/office/drawing/2014/main" id="{26778864-8D5C-5BAA-CCDC-344760A4F4EA}"/>
+              </a:ext>
+            </a:extLst>
+          </p:cNvPr>
+          <p:cNvSpPr>
+            <a:spLocks noGrp="1"/>
+          </p:cNvSpPr>
+          <p:nvPr>
+            <p:ph type="title"/>
+          </p:nvPr>
+        </p:nvSpPr>
+        <p:spPr/>
+        <p:txBody>
+          <a:bodyPr/>
+          <a:lstStyle/>
+          <a:p>
+            <a:r>
+              <a:rPr lang="de-DE" dirty="0"/>
+              <a:t>Signalverarbeitung</a:t>
+            </a:r>
+            <a:endParaRPr lang="de-CH" dirty="0"/>
+          </a:p>
+        </p:txBody>
+      </p:sp>
       <p:pic>
         <p:nvPicPr>
-          <p:cNvPr id="12" name="Grafik 11" descr="Daumen hoch-Zeichen Silhouette">
-            <a:extLst>
-              <a:ext uri="{FF2B5EF4-FFF2-40B4-BE49-F238E27FC236}">
-                <a16:creationId xmlns:a16="http://schemas.microsoft.com/office/drawing/2014/main" id="{6FF2B58D-EBD6-C1D7-0CE9-D13D333DC236}"/>
+          <p:cNvPr id="7" name="Inhaltsplatzhalter 6" descr="Ein Bild, das Diagramm, Screenshot, Plan, Text enthält.&#10;&#10;Automatisch generierte Beschreibung">
+            <a:extLst>
+              <a:ext uri="{FF2B5EF4-FFF2-40B4-BE49-F238E27FC236}">
+                <a16:creationId xmlns:a16="http://schemas.microsoft.com/office/drawing/2014/main" id="{38BB0EC5-D15D-E68A-9912-5983E6542AB8}"/>
               </a:ext>
             </a:extLst>
           </p:cNvPr>
           <p:cNvPicPr>
-            <a:picLocks noChangeAspect="1"/>
+            <a:picLocks noGrp="1" noChangeAspect="1"/>
           </p:cNvPicPr>
-          <p:nvPr/>
+          <p:nvPr>
+            <p:ph idx="1"/>
+          </p:nvPr>
         </p:nvPicPr>
         <p:blipFill>
-          <a:blip r:embed="rId5">
+          <a:blip r:embed="rId2">
             <a:extLst>
               <a:ext uri="{28A0092B-C50C-407E-A947-70E740481C1C}">
                 <a14:useLocalDpi xmlns:a14="http://schemas.microsoft.com/office/drawing/2010/main" val="0"/>
-              </a:ext>
-              <a:ext uri="{96DAC541-7B7A-43D3-8B79-37D633B846F1}">
-                <asvg:svgBlip xmlns:asvg="http://schemas.microsoft.com/office/drawing/2016/SVG/main" r:embed="rId6"/>
               </a:ext>
             </a:extLst>
           </a:blip>
@@ -10096,92 +10178,81 @@
         </p:blipFill>
         <p:spPr>
           <a:xfrm>
-            <a:off x="3388524" y="1269000"/>
-            <a:ext cx="2160000" cy="2160000"/>
+            <a:off x="1372087" y="1680898"/>
+            <a:ext cx="9447825" cy="4280168"/>
+          </a:xfrm>
+        </p:spPr>
+      </p:pic>
+      <p:sp>
+        <p:nvSpPr>
+          <p:cNvPr id="4" name="Rechteck 3" descr="Magnifying glass">
+            <a:extLst>
+              <a:ext uri="{FF2B5EF4-FFF2-40B4-BE49-F238E27FC236}">
+                <a16:creationId xmlns:a16="http://schemas.microsoft.com/office/drawing/2014/main" id="{B9ADA368-D7DA-4CAE-D4A2-478156BD3E1F}"/>
+              </a:ext>
+            </a:extLst>
+          </p:cNvPr>
+          <p:cNvSpPr/>
+          <p:nvPr/>
+        </p:nvSpPr>
+        <p:spPr>
+          <a:xfrm>
+            <a:off x="11382000" y="0"/>
+            <a:ext cx="810000" cy="810000"/>
           </a:xfrm>
           <a:prstGeom prst="rect">
             <a:avLst/>
           </a:prstGeom>
-        </p:spPr>
-      </p:pic>
-      <p:cxnSp>
-        <p:nvCxnSpPr>
-          <p:cNvPr id="14" name="Gerader Verbinder 13">
-            <a:extLst>
-              <a:ext uri="{FF2B5EF4-FFF2-40B4-BE49-F238E27FC236}">
-                <a16:creationId xmlns:a16="http://schemas.microsoft.com/office/drawing/2014/main" id="{5049E9AD-145F-0AFF-1D6A-CDC18F284C29}"/>
-              </a:ext>
-            </a:extLst>
-          </p:cNvPr>
-          <p:cNvCxnSpPr>
-            <a:cxnSpLocks/>
-          </p:cNvCxnSpPr>
-          <p:nvPr/>
-        </p:nvCxnSpPr>
-        <p:spPr>
-          <a:xfrm>
-            <a:off x="612647" y="3668676"/>
-            <a:ext cx="4688558" cy="0"/>
-          </a:xfrm>
-          <a:prstGeom prst="line">
-            <a:avLst/>
-          </a:prstGeom>
+          <a:blipFill>
+            <a:blip r:embed="rId3">
+              <a:extLst>
+                <a:ext uri="{28A0092B-C50C-407E-A947-70E740481C1C}">
+                  <a14:useLocalDpi xmlns:a14="http://schemas.microsoft.com/office/drawing/2010/main" val="0"/>
+                </a:ext>
+                <a:ext uri="{96DAC541-7B7A-43D3-8B79-37D633B846F1}">
+                  <asvg:svgBlip xmlns:asvg="http://schemas.microsoft.com/office/drawing/2016/SVG/main" r:embed="rId4"/>
+                </a:ext>
+              </a:extLst>
+            </a:blip>
+            <a:stretch>
+              <a:fillRect/>
+            </a:stretch>
+          </a:blipFill>
+          <a:ln>
+            <a:noFill/>
+          </a:ln>
         </p:spPr>
         <p:style>
-          <a:lnRef idx="1">
-            <a:schemeClr val="accent1"/>
+          <a:lnRef idx="2">
+            <a:scrgbClr r="0" g="0" b="0"/>
           </a:lnRef>
-          <a:fillRef idx="0">
-            <a:schemeClr val="accent1"/>
+          <a:fillRef idx="1">
+            <a:scrgbClr r="0" g="0" b="0"/>
           </a:fillRef>
           <a:effectRef idx="0">
-            <a:schemeClr val="accent1"/>
+            <a:schemeClr val="accent4">
+              <a:hueOff val="0"/>
+              <a:satOff val="0"/>
+              <a:lumOff val="0"/>
+              <a:alphaOff val="0"/>
+            </a:schemeClr>
           </a:effectRef>
           <a:fontRef idx="minor">
-            <a:schemeClr val="tx1"/>
+            <a:schemeClr val="lt1"/>
           </a:fontRef>
         </p:style>
-      </p:cxnSp>
-      <p:pic>
-        <p:nvPicPr>
-          <p:cNvPr id="19" name="Grafik 18" descr="Ein Bild, das Grafiken, Design enthält.&#10;&#10;Automatisch generierte Beschreibung">
-            <a:extLst>
-              <a:ext uri="{FF2B5EF4-FFF2-40B4-BE49-F238E27FC236}">
-                <a16:creationId xmlns:a16="http://schemas.microsoft.com/office/drawing/2014/main" id="{F3E9F2D1-7092-CAEB-01EF-91DE86EF5DC0}"/>
-              </a:ext>
-            </a:extLst>
-          </p:cNvPr>
-          <p:cNvPicPr>
-            <a:picLocks noChangeAspect="1"/>
-          </p:cNvPicPr>
-          <p:nvPr/>
-        </p:nvPicPr>
-        <p:blipFill>
-          <a:blip r:embed="rId7">
-            <a:extLst>
-              <a:ext uri="{28A0092B-C50C-407E-A947-70E740481C1C}">
-                <a14:useLocalDpi xmlns:a14="http://schemas.microsoft.com/office/drawing/2010/main" val="0"/>
-              </a:ext>
-            </a:extLst>
-          </a:blip>
-          <a:stretch>
-            <a:fillRect/>
-          </a:stretch>
-        </p:blipFill>
-        <p:spPr>
-          <a:xfrm>
-            <a:off x="7365012" y="2422812"/>
-            <a:ext cx="3901214" cy="2012376"/>
-          </a:xfrm>
-          <a:prstGeom prst="rect">
-            <a:avLst/>
-          </a:prstGeom>
-        </p:spPr>
-      </p:pic>
+        <p:txBody>
+          <a:bodyPr/>
+          <a:lstStyle/>
+          <a:p>
+            <a:endParaRPr lang="de-CH"/>
+          </a:p>
+        </p:txBody>
+      </p:sp>
     </p:spTree>
     <p:extLst>
       <p:ext uri="{BB962C8B-B14F-4D97-AF65-F5344CB8AC3E}">
-        <p14:creationId xmlns:p14="http://schemas.microsoft.com/office/powerpoint/2010/main" val="3575849031"/>
+        <p14:creationId xmlns:p14="http://schemas.microsoft.com/office/powerpoint/2010/main" val="316512845"/>
       </p:ext>
     </p:extLst>
   </p:cSld>
@@ -10234,6 +10305,95 @@
               <a:t>Stand - Software</a:t>
             </a:r>
             <a:endParaRPr lang="de-CH" dirty="0"/>
+          </a:p>
+        </p:txBody>
+      </p:sp>
+      <p:sp>
+        <p:nvSpPr>
+          <p:cNvPr id="3" name="Inhaltsplatzhalter 2">
+            <a:extLst>
+              <a:ext uri="{FF2B5EF4-FFF2-40B4-BE49-F238E27FC236}">
+                <a16:creationId xmlns:a16="http://schemas.microsoft.com/office/drawing/2014/main" id="{E527425F-634A-742F-70C4-31C821FC9F78}"/>
+              </a:ext>
+            </a:extLst>
+          </p:cNvPr>
+          <p:cNvSpPr>
+            <a:spLocks noGrp="1"/>
+          </p:cNvSpPr>
+          <p:nvPr>
+            <p:ph idx="1"/>
+          </p:nvPr>
+        </p:nvSpPr>
+        <p:spPr/>
+        <p:txBody>
+          <a:bodyPr>
+            <a:normAutofit/>
+          </a:bodyPr>
+          <a:lstStyle/>
+          <a:p>
+            <a:r>
+              <a:rPr lang="de-DE" dirty="0"/>
+              <a:t>I2C-Treiber</a:t>
+            </a:r>
+          </a:p>
+          <a:p>
+            <a:r>
+              <a:rPr lang="de-DE" dirty="0"/>
+              <a:t>SPI-Treiber (SDK)</a:t>
+            </a:r>
+          </a:p>
+          <a:p>
+            <a:r>
+              <a:rPr lang="de-DE" dirty="0" err="1"/>
+              <a:t>Timer</a:t>
+            </a:r>
+            <a:r>
+              <a:rPr lang="de-DE" dirty="0"/>
+              <a:t> </a:t>
+            </a:r>
+          </a:p>
+          <a:p>
+            <a:r>
+              <a:rPr lang="de-DE" u="sng" dirty="0"/>
+              <a:t>PDM-Treiber </a:t>
+            </a:r>
+          </a:p>
+          <a:p>
+            <a:r>
+              <a:rPr lang="de-DE" u="sng" dirty="0"/>
+              <a:t>PDM-Treiber </a:t>
+            </a:r>
+          </a:p>
+          <a:p>
+            <a:r>
+              <a:rPr lang="de-DE" dirty="0"/>
+              <a:t>Filterung</a:t>
+            </a:r>
+          </a:p>
+          <a:p>
+            <a:r>
+              <a:rPr lang="de-DE" dirty="0">
+                <a:solidFill>
+                  <a:schemeClr val="bg1">
+                    <a:lumMod val="50000"/>
+                  </a:schemeClr>
+                </a:solidFill>
+              </a:rPr>
+              <a:t>RTC</a:t>
+            </a:r>
+          </a:p>
+          <a:p>
+            <a:r>
+              <a:rPr lang="de-DE" dirty="0"/>
+              <a:t>Optional:</a:t>
+            </a:r>
+          </a:p>
+          <a:p>
+            <a:pPr lvl="1"/>
+            <a:r>
+              <a:rPr lang="de-DE" dirty="0"/>
+              <a:t>BLE</a:t>
+            </a:r>
           </a:p>
         </p:txBody>
       </p:sp>
@@ -10310,25 +10470,26 @@
       </p:sp>
       <p:pic>
         <p:nvPicPr>
-          <p:cNvPr id="8" name="Inhaltsplatzhalter 7" descr="Ein Bild, das Text, Screenshot, Schrift, Design enthält.&#10;&#10;Automatisch generierte Beschreibung">
-            <a:extLst>
-              <a:ext uri="{FF2B5EF4-FFF2-40B4-BE49-F238E27FC236}">
-                <a16:creationId xmlns:a16="http://schemas.microsoft.com/office/drawing/2014/main" id="{EC4EB47F-ABF2-7ECB-3D0D-4D382931B800}"/>
+          <p:cNvPr id="11" name="Grafik 10" descr="Daumen runter Silhouette">
+            <a:extLst>
+              <a:ext uri="{FF2B5EF4-FFF2-40B4-BE49-F238E27FC236}">
+                <a16:creationId xmlns:a16="http://schemas.microsoft.com/office/drawing/2014/main" id="{F359D650-C8E1-3649-A9F6-C3FFE08F2A40}"/>
               </a:ext>
             </a:extLst>
           </p:cNvPr>
           <p:cNvPicPr>
-            <a:picLocks noGrp="1" noChangeAspect="1"/>
+            <a:picLocks noChangeAspect="1"/>
           </p:cNvPicPr>
-          <p:nvPr>
-            <p:ph idx="1"/>
-          </p:nvPr>
+          <p:nvPr/>
         </p:nvPicPr>
         <p:blipFill>
           <a:blip r:embed="rId3">
             <a:extLst>
               <a:ext uri="{28A0092B-C50C-407E-A947-70E740481C1C}">
                 <a14:useLocalDpi xmlns:a14="http://schemas.microsoft.com/office/drawing/2010/main" val="0"/>
+              </a:ext>
+              <a:ext uri="{96DAC541-7B7A-43D3-8B79-37D633B846F1}">
+                <asvg:svgBlip xmlns:asvg="http://schemas.microsoft.com/office/drawing/2016/SVG/main" r:embed="rId4"/>
               </a:ext>
             </a:extLst>
           </a:blip>
@@ -10338,15 +10499,131 @@
         </p:blipFill>
         <p:spPr>
           <a:xfrm>
-            <a:off x="1510251" y="1338505"/>
-            <a:ext cx="9171498" cy="5194591"/>
+            <a:off x="3388524" y="3680251"/>
+            <a:ext cx="2160000" cy="2160000"/>
           </a:xfrm>
+          <a:prstGeom prst="rect">
+            <a:avLst/>
+          </a:prstGeom>
+        </p:spPr>
+      </p:pic>
+      <p:pic>
+        <p:nvPicPr>
+          <p:cNvPr id="12" name="Grafik 11" descr="Daumen hoch-Zeichen Silhouette">
+            <a:extLst>
+              <a:ext uri="{FF2B5EF4-FFF2-40B4-BE49-F238E27FC236}">
+                <a16:creationId xmlns:a16="http://schemas.microsoft.com/office/drawing/2014/main" id="{6FF2B58D-EBD6-C1D7-0CE9-D13D333DC236}"/>
+              </a:ext>
+            </a:extLst>
+          </p:cNvPr>
+          <p:cNvPicPr>
+            <a:picLocks noChangeAspect="1"/>
+          </p:cNvPicPr>
+          <p:nvPr/>
+        </p:nvPicPr>
+        <p:blipFill>
+          <a:blip r:embed="rId5">
+            <a:extLst>
+              <a:ext uri="{28A0092B-C50C-407E-A947-70E740481C1C}">
+                <a14:useLocalDpi xmlns:a14="http://schemas.microsoft.com/office/drawing/2010/main" val="0"/>
+              </a:ext>
+              <a:ext uri="{96DAC541-7B7A-43D3-8B79-37D633B846F1}">
+                <asvg:svgBlip xmlns:asvg="http://schemas.microsoft.com/office/drawing/2016/SVG/main" r:embed="rId6"/>
+              </a:ext>
+            </a:extLst>
+          </a:blip>
+          <a:stretch>
+            <a:fillRect/>
+          </a:stretch>
+        </p:blipFill>
+        <p:spPr>
+          <a:xfrm>
+            <a:off x="3388524" y="1269000"/>
+            <a:ext cx="2160000" cy="2160000"/>
+          </a:xfrm>
+          <a:prstGeom prst="rect">
+            <a:avLst/>
+          </a:prstGeom>
+        </p:spPr>
+      </p:pic>
+      <p:cxnSp>
+        <p:nvCxnSpPr>
+          <p:cNvPr id="14" name="Gerader Verbinder 13">
+            <a:extLst>
+              <a:ext uri="{FF2B5EF4-FFF2-40B4-BE49-F238E27FC236}">
+                <a16:creationId xmlns:a16="http://schemas.microsoft.com/office/drawing/2014/main" id="{5049E9AD-145F-0AFF-1D6A-CDC18F284C29}"/>
+              </a:ext>
+            </a:extLst>
+          </p:cNvPr>
+          <p:cNvCxnSpPr>
+            <a:cxnSpLocks/>
+          </p:cNvCxnSpPr>
+          <p:nvPr/>
+        </p:nvCxnSpPr>
+        <p:spPr>
+          <a:xfrm>
+            <a:off x="612647" y="3668676"/>
+            <a:ext cx="4688558" cy="0"/>
+          </a:xfrm>
+          <a:prstGeom prst="line">
+            <a:avLst/>
+          </a:prstGeom>
+        </p:spPr>
+        <p:style>
+          <a:lnRef idx="1">
+            <a:schemeClr val="accent1"/>
+          </a:lnRef>
+          <a:fillRef idx="0">
+            <a:schemeClr val="accent1"/>
+          </a:fillRef>
+          <a:effectRef idx="0">
+            <a:schemeClr val="accent1"/>
+          </a:effectRef>
+          <a:fontRef idx="minor">
+            <a:schemeClr val="tx1"/>
+          </a:fontRef>
+        </p:style>
+      </p:cxnSp>
+      <p:pic>
+        <p:nvPicPr>
+          <p:cNvPr id="19" name="Grafik 18" descr="Ein Bild, das Grafiken, Design enthält.&#10;&#10;Automatisch generierte Beschreibung">
+            <a:extLst>
+              <a:ext uri="{FF2B5EF4-FFF2-40B4-BE49-F238E27FC236}">
+                <a16:creationId xmlns:a16="http://schemas.microsoft.com/office/drawing/2014/main" id="{F3E9F2D1-7092-CAEB-01EF-91DE86EF5DC0}"/>
+              </a:ext>
+            </a:extLst>
+          </p:cNvPr>
+          <p:cNvPicPr>
+            <a:picLocks noChangeAspect="1"/>
+          </p:cNvPicPr>
+          <p:nvPr/>
+        </p:nvPicPr>
+        <p:blipFill>
+          <a:blip r:embed="rId7">
+            <a:extLst>
+              <a:ext uri="{28A0092B-C50C-407E-A947-70E740481C1C}">
+                <a14:useLocalDpi xmlns:a14="http://schemas.microsoft.com/office/drawing/2010/main" val="0"/>
+              </a:ext>
+            </a:extLst>
+          </a:blip>
+          <a:stretch>
+            <a:fillRect/>
+          </a:stretch>
+        </p:blipFill>
+        <p:spPr>
+          <a:xfrm>
+            <a:off x="7365012" y="2422812"/>
+            <a:ext cx="3901214" cy="2012376"/>
+          </a:xfrm>
+          <a:prstGeom prst="rect">
+            <a:avLst/>
+          </a:prstGeom>
         </p:spPr>
       </p:pic>
     </p:spTree>
     <p:extLst>
       <p:ext uri="{BB962C8B-B14F-4D97-AF65-F5344CB8AC3E}">
-        <p14:creationId xmlns:p14="http://schemas.microsoft.com/office/powerpoint/2010/main" val="982570376"/>
+        <p14:creationId xmlns:p14="http://schemas.microsoft.com/office/powerpoint/2010/main" val="3575849031"/>
       </p:ext>
     </p:extLst>
   </p:cSld>

--- a/Dokumentation/presentation/BAT-EIT-FS24-Präs-Nicora-1507146.pptx
+++ b/Dokumentation/presentation/BAT-EIT-FS24-Präs-Nicora-1507146.pptx
@@ -1,9 +1,12 @@
 
 <file path=ppt/presentation.xml><?xml version="1.0" encoding="utf-8"?>
-<p:presentation xmlns:a="http://schemas.openxmlformats.org/drawingml/2006/main" xmlns:r="http://schemas.openxmlformats.org/officeDocument/2006/relationships" xmlns:p="http://schemas.openxmlformats.org/presentationml/2006/main" saveSubsetFonts="1">
+<p:presentation xmlns:a="http://schemas.openxmlformats.org/drawingml/2006/main" xmlns:r="http://schemas.openxmlformats.org/officeDocument/2006/relationships" xmlns:p="http://schemas.openxmlformats.org/presentationml/2006/main" showSpecialPlsOnTitleSld="0" saveSubsetFonts="1">
   <p:sldMasterIdLst>
     <p:sldMasterId id="2147483686" r:id="rId1"/>
   </p:sldMasterIdLst>
+  <p:notesMasterIdLst>
+    <p:notesMasterId r:id="rId23"/>
+  </p:notesMasterIdLst>
   <p:sldIdLst>
     <p:sldId id="256" r:id="rId2"/>
     <p:sldId id="262" r:id="rId3"/>
@@ -14,15 +17,18 @@
     <p:sldId id="274" r:id="rId8"/>
     <p:sldId id="276" r:id="rId9"/>
     <p:sldId id="277" r:id="rId10"/>
-    <p:sldId id="264" r:id="rId11"/>
-    <p:sldId id="279" r:id="rId12"/>
-    <p:sldId id="272" r:id="rId13"/>
-    <p:sldId id="273" r:id="rId14"/>
-    <p:sldId id="275" r:id="rId15"/>
-    <p:sldId id="278" r:id="rId16"/>
-    <p:sldId id="271" r:id="rId17"/>
-    <p:sldId id="269" r:id="rId18"/>
-    <p:sldId id="259" r:id="rId19"/>
+    <p:sldId id="281" r:id="rId11"/>
+    <p:sldId id="264" r:id="rId12"/>
+    <p:sldId id="279" r:id="rId13"/>
+    <p:sldId id="272" r:id="rId14"/>
+    <p:sldId id="283" r:id="rId15"/>
+    <p:sldId id="282" r:id="rId16"/>
+    <p:sldId id="273" r:id="rId17"/>
+    <p:sldId id="275" r:id="rId18"/>
+    <p:sldId id="278" r:id="rId19"/>
+    <p:sldId id="271" r:id="rId20"/>
+    <p:sldId id="269" r:id="rId21"/>
+    <p:sldId id="259" r:id="rId22"/>
   </p:sldIdLst>
   <p:sldSz cx="12192000" cy="6858000"/>
   <p:notesSz cx="6858000" cy="9144000"/>
@@ -13716,7 +13722,7 @@
           </a:pPr>
           <a:r>
             <a:rPr lang="de-DE" dirty="0"/>
-            <a:t>Vorgehen</a:t>
+            <a:t>Implementation</a:t>
           </a:r>
           <a:endParaRPr lang="en-US" dirty="0"/>
         </a:p>
@@ -13810,7 +13816,7 @@
           </a:pPr>
           <a:r>
             <a:rPr lang="de-DE" dirty="0"/>
-            <a:t>Probleme</a:t>
+            <a:t>Fallstricke</a:t>
           </a:r>
           <a:endParaRPr lang="en-US" dirty="0"/>
         </a:p>
@@ -14326,7 +14332,7 @@
         </a:bodyPr>
         <a:lstStyle/>
         <a:p>
-          <a:pPr marL="0" lvl="0" indent="0" algn="ctr" defTabSz="844550">
+          <a:pPr marL="0" lvl="0" indent="0" algn="ctr" defTabSz="755650">
             <a:lnSpc>
               <a:spcPct val="100000"/>
             </a:lnSpc>
@@ -14339,10 +14345,10 @@
             <a:buNone/>
           </a:pPr>
           <a:r>
-            <a:rPr lang="de-DE" sz="1900" kern="1200" dirty="0"/>
+            <a:rPr lang="de-DE" sz="1700" kern="1200" dirty="0"/>
             <a:t>Ausgangslage</a:t>
           </a:r>
-          <a:endParaRPr lang="en-US" sz="1900" kern="1200" dirty="0"/>
+          <a:endParaRPr lang="en-US" sz="1700" kern="1200" dirty="0"/>
         </a:p>
       </dsp:txBody>
       <dsp:txXfrm>
@@ -14437,7 +14443,7 @@
         </a:bodyPr>
         <a:lstStyle/>
         <a:p>
-          <a:pPr marL="0" lvl="0" indent="0" algn="ctr" defTabSz="844550">
+          <a:pPr marL="0" lvl="0" indent="0" algn="ctr" defTabSz="755650">
             <a:lnSpc>
               <a:spcPct val="100000"/>
             </a:lnSpc>
@@ -14450,10 +14456,10 @@
             <a:buNone/>
           </a:pPr>
           <a:r>
-            <a:rPr lang="de-DE" sz="1900" kern="1200" dirty="0"/>
+            <a:rPr lang="de-DE" sz="1700" kern="1200" dirty="0"/>
             <a:t>Ziel</a:t>
           </a:r>
-          <a:endParaRPr lang="en-US" sz="1900" kern="1200" dirty="0"/>
+          <a:endParaRPr lang="en-US" sz="1700" kern="1200" dirty="0"/>
         </a:p>
       </dsp:txBody>
       <dsp:txXfrm>
@@ -14548,7 +14554,7 @@
         </a:bodyPr>
         <a:lstStyle/>
         <a:p>
-          <a:pPr marL="0" lvl="0" indent="0" algn="ctr" defTabSz="844550">
+          <a:pPr marL="0" lvl="0" indent="0" algn="ctr" defTabSz="755650">
             <a:lnSpc>
               <a:spcPct val="100000"/>
             </a:lnSpc>
@@ -14561,10 +14567,10 @@
             <a:buNone/>
           </a:pPr>
           <a:r>
-            <a:rPr lang="de-DE" sz="1900" kern="1200" dirty="0"/>
-            <a:t>Vorgehen</a:t>
+            <a:rPr lang="de-DE" sz="1700" kern="1200" dirty="0"/>
+            <a:t>Implementation</a:t>
           </a:r>
-          <a:endParaRPr lang="en-US" sz="1900" kern="1200" dirty="0"/>
+          <a:endParaRPr lang="en-US" sz="1700" kern="1200" dirty="0"/>
         </a:p>
       </dsp:txBody>
       <dsp:txXfrm>
@@ -14664,7 +14670,7 @@
         </a:bodyPr>
         <a:lstStyle/>
         <a:p>
-          <a:pPr marL="0" lvl="0" indent="0" algn="ctr" defTabSz="844550">
+          <a:pPr marL="0" lvl="0" indent="0" algn="ctr" defTabSz="755650">
             <a:lnSpc>
               <a:spcPct val="100000"/>
             </a:lnSpc>
@@ -14677,10 +14683,10 @@
             <a:buNone/>
           </a:pPr>
           <a:r>
-            <a:rPr lang="de-DE" sz="1900" kern="1200" dirty="0"/>
+            <a:rPr lang="de-DE" sz="1700" kern="1200" dirty="0"/>
             <a:t>Resultate</a:t>
           </a:r>
-          <a:endParaRPr lang="en-US" sz="1900" kern="1200" dirty="0"/>
+          <a:endParaRPr lang="en-US" sz="1700" kern="1200" dirty="0"/>
         </a:p>
       </dsp:txBody>
       <dsp:txXfrm>
@@ -14780,7 +14786,7 @@
         </a:bodyPr>
         <a:lstStyle/>
         <a:p>
-          <a:pPr marL="0" lvl="0" indent="0" algn="ctr" defTabSz="844550">
+          <a:pPr marL="0" lvl="0" indent="0" algn="ctr" defTabSz="755650">
             <a:lnSpc>
               <a:spcPct val="100000"/>
             </a:lnSpc>
@@ -14793,10 +14799,10 @@
             <a:buNone/>
           </a:pPr>
           <a:r>
-            <a:rPr lang="de-DE" sz="1900" kern="1200" dirty="0"/>
-            <a:t>Probleme</a:t>
+            <a:rPr lang="de-DE" sz="1700" kern="1200" dirty="0"/>
+            <a:t>Fallstricke</a:t>
           </a:r>
-          <a:endParaRPr lang="en-US" sz="1900" kern="1200" dirty="0"/>
+          <a:endParaRPr lang="en-US" sz="1700" kern="1200" dirty="0"/>
         </a:p>
       </dsp:txBody>
       <dsp:txXfrm>
@@ -14899,7 +14905,7 @@
         </a:bodyPr>
         <a:lstStyle/>
         <a:p>
-          <a:pPr marL="0" lvl="0" indent="0" algn="ctr" defTabSz="844550">
+          <a:pPr marL="0" lvl="0" indent="0" algn="ctr" defTabSz="755650">
             <a:lnSpc>
               <a:spcPct val="100000"/>
             </a:lnSpc>
@@ -14912,10 +14918,10 @@
             <a:buNone/>
           </a:pPr>
           <a:r>
-            <a:rPr lang="de-DE" sz="1900" kern="1200" dirty="0"/>
+            <a:rPr lang="de-DE" sz="1700" kern="1200" dirty="0"/>
             <a:t>Fazit &amp; Ausblick</a:t>
           </a:r>
-          <a:endParaRPr lang="en-US" sz="1900" kern="1200" dirty="0"/>
+          <a:endParaRPr lang="en-US" sz="1700" kern="1200" dirty="0"/>
         </a:p>
       </dsp:txBody>
       <dsp:txXfrm>
@@ -16151,6 +16157,356 @@
 </dgm:styleDef>
 </file>
 
+<file path=ppt/notesMasters/notesMaster1.xml><?xml version="1.0" encoding="utf-8"?>
+<p:notesMaster xmlns:a="http://schemas.openxmlformats.org/drawingml/2006/main" xmlns:r="http://schemas.openxmlformats.org/officeDocument/2006/relationships" xmlns:p="http://schemas.openxmlformats.org/presentationml/2006/main">
+  <p:cSld>
+    <p:bg>
+      <p:bgRef idx="1001">
+        <a:schemeClr val="bg1"/>
+      </p:bgRef>
+    </p:bg>
+    <p:spTree>
+      <p:nvGrpSpPr>
+        <p:cNvPr id="1" name=""/>
+        <p:cNvGrpSpPr/>
+        <p:nvPr/>
+      </p:nvGrpSpPr>
+      <p:grpSpPr>
+        <a:xfrm>
+          <a:off x="0" y="0"/>
+          <a:ext cx="0" cy="0"/>
+          <a:chOff x="0" y="0"/>
+          <a:chExt cx="0" cy="0"/>
+        </a:xfrm>
+      </p:grpSpPr>
+      <p:sp>
+        <p:nvSpPr>
+          <p:cNvPr id="2" name="Kopfzeilenplatzhalter 1"/>
+          <p:cNvSpPr>
+            <a:spLocks noGrp="1"/>
+          </p:cNvSpPr>
+          <p:nvPr>
+            <p:ph type="hdr" sz="quarter"/>
+          </p:nvPr>
+        </p:nvSpPr>
+        <p:spPr>
+          <a:xfrm>
+            <a:off x="0" y="0"/>
+            <a:ext cx="2971800" cy="458788"/>
+          </a:xfrm>
+          <a:prstGeom prst="rect">
+            <a:avLst/>
+          </a:prstGeom>
+        </p:spPr>
+        <p:txBody>
+          <a:bodyPr vert="horz" lIns="91440" tIns="45720" rIns="91440" bIns="45720" rtlCol="0"/>
+          <a:lstStyle>
+            <a:lvl1pPr algn="l">
+              <a:defRPr sz="1200"/>
+            </a:lvl1pPr>
+          </a:lstStyle>
+          <a:p>
+            <a:endParaRPr lang="de-CH"/>
+          </a:p>
+        </p:txBody>
+      </p:sp>
+      <p:sp>
+        <p:nvSpPr>
+          <p:cNvPr id="3" name="Datumsplatzhalter 2"/>
+          <p:cNvSpPr>
+            <a:spLocks noGrp="1"/>
+          </p:cNvSpPr>
+          <p:nvPr>
+            <p:ph type="dt" idx="1"/>
+          </p:nvPr>
+        </p:nvSpPr>
+        <p:spPr>
+          <a:xfrm>
+            <a:off x="3884613" y="0"/>
+            <a:ext cx="2971800" cy="458788"/>
+          </a:xfrm>
+          <a:prstGeom prst="rect">
+            <a:avLst/>
+          </a:prstGeom>
+        </p:spPr>
+        <p:txBody>
+          <a:bodyPr vert="horz" lIns="91440" tIns="45720" rIns="91440" bIns="45720" rtlCol="0"/>
+          <a:lstStyle>
+            <a:lvl1pPr algn="r">
+              <a:defRPr sz="1200"/>
+            </a:lvl1pPr>
+          </a:lstStyle>
+          <a:p>
+            <a:fld id="{0B057291-6A98-4620-889F-D0A5C794DD50}" type="datetimeFigureOut">
+              <a:rPr lang="de-CH" smtClean="0"/>
+              <a:t>17.06.2024</a:t>
+            </a:fld>
+            <a:endParaRPr lang="de-CH"/>
+          </a:p>
+        </p:txBody>
+      </p:sp>
+      <p:sp>
+        <p:nvSpPr>
+          <p:cNvPr id="4" name="Folienbildplatzhalter 3"/>
+          <p:cNvSpPr>
+            <a:spLocks noGrp="1" noRot="1" noChangeAspect="1"/>
+          </p:cNvSpPr>
+          <p:nvPr>
+            <p:ph type="sldImg" idx="2"/>
+          </p:nvPr>
+        </p:nvSpPr>
+        <p:spPr>
+          <a:xfrm>
+            <a:off x="685800" y="1143000"/>
+            <a:ext cx="5486400" cy="3086100"/>
+          </a:xfrm>
+          <a:prstGeom prst="rect">
+            <a:avLst/>
+          </a:prstGeom>
+          <a:noFill/>
+          <a:ln w="12700">
+            <a:solidFill>
+              <a:prstClr val="black"/>
+            </a:solidFill>
+          </a:ln>
+        </p:spPr>
+        <p:txBody>
+          <a:bodyPr vert="horz" lIns="91440" tIns="45720" rIns="91440" bIns="45720" rtlCol="0" anchor="ctr"/>
+          <a:lstStyle/>
+          <a:p>
+            <a:endParaRPr lang="de-CH"/>
+          </a:p>
+        </p:txBody>
+      </p:sp>
+      <p:sp>
+        <p:nvSpPr>
+          <p:cNvPr id="5" name="Notizenplatzhalter 4"/>
+          <p:cNvSpPr>
+            <a:spLocks noGrp="1"/>
+          </p:cNvSpPr>
+          <p:nvPr>
+            <p:ph type="body" sz="quarter" idx="3"/>
+          </p:nvPr>
+        </p:nvSpPr>
+        <p:spPr>
+          <a:xfrm>
+            <a:off x="685800" y="4400550"/>
+            <a:ext cx="5486400" cy="3600450"/>
+          </a:xfrm>
+          <a:prstGeom prst="rect">
+            <a:avLst/>
+          </a:prstGeom>
+        </p:spPr>
+        <p:txBody>
+          <a:bodyPr vert="horz" lIns="91440" tIns="45720" rIns="91440" bIns="45720" rtlCol="0"/>
+          <a:lstStyle/>
+          <a:p>
+            <a:pPr lvl="0"/>
+            <a:r>
+              <a:rPr lang="de-DE"/>
+              <a:t>Mastertextformat bearbeiten</a:t>
+            </a:r>
+          </a:p>
+          <a:p>
+            <a:pPr lvl="1"/>
+            <a:r>
+              <a:rPr lang="de-DE"/>
+              <a:t>Zweite Ebene</a:t>
+            </a:r>
+          </a:p>
+          <a:p>
+            <a:pPr lvl="2"/>
+            <a:r>
+              <a:rPr lang="de-DE"/>
+              <a:t>Dritte Ebene</a:t>
+            </a:r>
+          </a:p>
+          <a:p>
+            <a:pPr lvl="3"/>
+            <a:r>
+              <a:rPr lang="de-DE"/>
+              <a:t>Vierte Ebene</a:t>
+            </a:r>
+          </a:p>
+          <a:p>
+            <a:pPr lvl="4"/>
+            <a:r>
+              <a:rPr lang="de-DE"/>
+              <a:t>Fünfte Ebene</a:t>
+            </a:r>
+            <a:endParaRPr lang="de-CH"/>
+          </a:p>
+        </p:txBody>
+      </p:sp>
+      <p:sp>
+        <p:nvSpPr>
+          <p:cNvPr id="6" name="Fußzeilenplatzhalter 5"/>
+          <p:cNvSpPr>
+            <a:spLocks noGrp="1"/>
+          </p:cNvSpPr>
+          <p:nvPr>
+            <p:ph type="ftr" sz="quarter" idx="4"/>
+          </p:nvPr>
+        </p:nvSpPr>
+        <p:spPr>
+          <a:xfrm>
+            <a:off x="0" y="8685213"/>
+            <a:ext cx="2971800" cy="458787"/>
+          </a:xfrm>
+          <a:prstGeom prst="rect">
+            <a:avLst/>
+          </a:prstGeom>
+        </p:spPr>
+        <p:txBody>
+          <a:bodyPr vert="horz" lIns="91440" tIns="45720" rIns="91440" bIns="45720" rtlCol="0" anchor="b"/>
+          <a:lstStyle>
+            <a:lvl1pPr algn="l">
+              <a:defRPr sz="1200"/>
+            </a:lvl1pPr>
+          </a:lstStyle>
+          <a:p>
+            <a:endParaRPr lang="de-CH"/>
+          </a:p>
+        </p:txBody>
+      </p:sp>
+      <p:sp>
+        <p:nvSpPr>
+          <p:cNvPr id="7" name="Foliennummernplatzhalter 6"/>
+          <p:cNvSpPr>
+            <a:spLocks noGrp="1"/>
+          </p:cNvSpPr>
+          <p:nvPr>
+            <p:ph type="sldNum" sz="quarter" idx="5"/>
+          </p:nvPr>
+        </p:nvSpPr>
+        <p:spPr>
+          <a:xfrm>
+            <a:off x="3884613" y="8685213"/>
+            <a:ext cx="2971800" cy="458787"/>
+          </a:xfrm>
+          <a:prstGeom prst="rect">
+            <a:avLst/>
+          </a:prstGeom>
+        </p:spPr>
+        <p:txBody>
+          <a:bodyPr vert="horz" lIns="91440" tIns="45720" rIns="91440" bIns="45720" rtlCol="0" anchor="b"/>
+          <a:lstStyle>
+            <a:lvl1pPr algn="r">
+              <a:defRPr sz="1200"/>
+            </a:lvl1pPr>
+          </a:lstStyle>
+          <a:p>
+            <a:fld id="{B3FA534F-64BA-4621-B602-DECA83E89066}" type="slidenum">
+              <a:rPr lang="de-CH" smtClean="0"/>
+              <a:t>‹Nr.›</a:t>
+            </a:fld>
+            <a:endParaRPr lang="de-CH"/>
+          </a:p>
+        </p:txBody>
+      </p:sp>
+    </p:spTree>
+    <p:extLst>
+      <p:ext uri="{BB962C8B-B14F-4D97-AF65-F5344CB8AC3E}">
+        <p14:creationId xmlns:p14="http://schemas.microsoft.com/office/powerpoint/2010/main" val="1360333098"/>
+      </p:ext>
+    </p:extLst>
+  </p:cSld>
+  <p:clrMap bg1="lt1" tx1="dk1" bg2="lt2" tx2="dk2" accent1="accent1" accent2="accent2" accent3="accent3" accent4="accent4" accent5="accent5" accent6="accent6" hlink="hlink" folHlink="folHlink"/>
+  <p:notesStyle>
+    <a:lvl1pPr marL="0" algn="l" defTabSz="914400" rtl="0" eaLnBrk="1" latinLnBrk="0" hangingPunct="1">
+      <a:defRPr sz="1200" kern="1200">
+        <a:solidFill>
+          <a:schemeClr val="tx1"/>
+        </a:solidFill>
+        <a:latin typeface="+mn-lt"/>
+        <a:ea typeface="+mn-ea"/>
+        <a:cs typeface="+mn-cs"/>
+      </a:defRPr>
+    </a:lvl1pPr>
+    <a:lvl2pPr marL="457200" algn="l" defTabSz="914400" rtl="0" eaLnBrk="1" latinLnBrk="0" hangingPunct="1">
+      <a:defRPr sz="1200" kern="1200">
+        <a:solidFill>
+          <a:schemeClr val="tx1"/>
+        </a:solidFill>
+        <a:latin typeface="+mn-lt"/>
+        <a:ea typeface="+mn-ea"/>
+        <a:cs typeface="+mn-cs"/>
+      </a:defRPr>
+    </a:lvl2pPr>
+    <a:lvl3pPr marL="914400" algn="l" defTabSz="914400" rtl="0" eaLnBrk="1" latinLnBrk="0" hangingPunct="1">
+      <a:defRPr sz="1200" kern="1200">
+        <a:solidFill>
+          <a:schemeClr val="tx1"/>
+        </a:solidFill>
+        <a:latin typeface="+mn-lt"/>
+        <a:ea typeface="+mn-ea"/>
+        <a:cs typeface="+mn-cs"/>
+      </a:defRPr>
+    </a:lvl3pPr>
+    <a:lvl4pPr marL="1371600" algn="l" defTabSz="914400" rtl="0" eaLnBrk="1" latinLnBrk="0" hangingPunct="1">
+      <a:defRPr sz="1200" kern="1200">
+        <a:solidFill>
+          <a:schemeClr val="tx1"/>
+        </a:solidFill>
+        <a:latin typeface="+mn-lt"/>
+        <a:ea typeface="+mn-ea"/>
+        <a:cs typeface="+mn-cs"/>
+      </a:defRPr>
+    </a:lvl4pPr>
+    <a:lvl5pPr marL="1828800" algn="l" defTabSz="914400" rtl="0" eaLnBrk="1" latinLnBrk="0" hangingPunct="1">
+      <a:defRPr sz="1200" kern="1200">
+        <a:solidFill>
+          <a:schemeClr val="tx1"/>
+        </a:solidFill>
+        <a:latin typeface="+mn-lt"/>
+        <a:ea typeface="+mn-ea"/>
+        <a:cs typeface="+mn-cs"/>
+      </a:defRPr>
+    </a:lvl5pPr>
+    <a:lvl6pPr marL="2286000" algn="l" defTabSz="914400" rtl="0" eaLnBrk="1" latinLnBrk="0" hangingPunct="1">
+      <a:defRPr sz="1200" kern="1200">
+        <a:solidFill>
+          <a:schemeClr val="tx1"/>
+        </a:solidFill>
+        <a:latin typeface="+mn-lt"/>
+        <a:ea typeface="+mn-ea"/>
+        <a:cs typeface="+mn-cs"/>
+      </a:defRPr>
+    </a:lvl6pPr>
+    <a:lvl7pPr marL="2743200" algn="l" defTabSz="914400" rtl="0" eaLnBrk="1" latinLnBrk="0" hangingPunct="1">
+      <a:defRPr sz="1200" kern="1200">
+        <a:solidFill>
+          <a:schemeClr val="tx1"/>
+        </a:solidFill>
+        <a:latin typeface="+mn-lt"/>
+        <a:ea typeface="+mn-ea"/>
+        <a:cs typeface="+mn-cs"/>
+      </a:defRPr>
+    </a:lvl7pPr>
+    <a:lvl8pPr marL="3200400" algn="l" defTabSz="914400" rtl="0" eaLnBrk="1" latinLnBrk="0" hangingPunct="1">
+      <a:defRPr sz="1200" kern="1200">
+        <a:solidFill>
+          <a:schemeClr val="tx1"/>
+        </a:solidFill>
+        <a:latin typeface="+mn-lt"/>
+        <a:ea typeface="+mn-ea"/>
+        <a:cs typeface="+mn-cs"/>
+      </a:defRPr>
+    </a:lvl8pPr>
+    <a:lvl9pPr marL="3657600" algn="l" defTabSz="914400" rtl="0" eaLnBrk="1" latinLnBrk="0" hangingPunct="1">
+      <a:defRPr sz="1200" kern="1200">
+        <a:solidFill>
+          <a:schemeClr val="tx1"/>
+        </a:solidFill>
+        <a:latin typeface="+mn-lt"/>
+        <a:ea typeface="+mn-ea"/>
+        <a:cs typeface="+mn-cs"/>
+      </a:defRPr>
+    </a:lvl9pPr>
+  </p:notesStyle>
+</p:notesMaster>
+</file>
+
 <file path=ppt/slideLayouts/slideLayout1.xml><?xml version="1.0" encoding="utf-8"?>
 <p:sldLayout xmlns:a="http://schemas.openxmlformats.org/drawingml/2006/main" xmlns:r="http://schemas.openxmlformats.org/officeDocument/2006/relationships" xmlns:p="http://schemas.openxmlformats.org/presentationml/2006/main" type="title" preserve="1">
   <p:cSld name="Title Slide">
@@ -16302,9 +16658,9 @@
           <a:bodyPr/>
           <a:lstStyle/>
           <a:p>
-            <a:fld id="{999A8DD2-C443-44AD-85B3-4CE72B962C5F}" type="datetimeFigureOut">
+            <a:fld id="{C6AF859B-7E1F-489F-A73D-998C3C89EE6A}" type="datetime1">
               <a:rPr lang="en-US" smtClean="0"/>
-              <a:t>6/11/2024</a:t>
+              <a:t>6/17/2024</a:t>
             </a:fld>
             <a:endParaRPr lang="en-US"/>
           </a:p>
@@ -16510,9 +16866,9 @@
           <a:bodyPr/>
           <a:lstStyle/>
           <a:p>
-            <a:fld id="{999A8DD2-C443-44AD-85B3-4CE72B962C5F}" type="datetimeFigureOut">
+            <a:fld id="{8276C204-5F8F-4607-9C23-BDECBAE2F177}" type="datetime1">
               <a:rPr lang="en-US" smtClean="0"/>
-              <a:t>6/11/2024</a:t>
+              <a:t>6/17/2024</a:t>
             </a:fld>
             <a:endParaRPr lang="en-US"/>
           </a:p>
@@ -16718,9 +17074,9 @@
           <a:bodyPr/>
           <a:lstStyle/>
           <a:p>
-            <a:fld id="{999A8DD2-C443-44AD-85B3-4CE72B962C5F}" type="datetimeFigureOut">
+            <a:fld id="{A6BF582D-C480-484A-A69F-620C9CCA885B}" type="datetime1">
               <a:rPr lang="en-US" smtClean="0"/>
-              <a:t>6/11/2024</a:t>
+              <a:t>6/17/2024</a:t>
             </a:fld>
             <a:endParaRPr lang="en-US"/>
           </a:p>
@@ -16916,9 +17272,9 @@
           <a:bodyPr/>
           <a:lstStyle/>
           <a:p>
-            <a:fld id="{999A8DD2-C443-44AD-85B3-4CE72B962C5F}" type="datetimeFigureOut">
+            <a:fld id="{656DD473-8AC0-4EB4-9E9A-CD00A4EF40CE}" type="datetime1">
               <a:rPr lang="en-US" smtClean="0"/>
-              <a:t>6/11/2024</a:t>
+              <a:t>6/17/2024</a:t>
             </a:fld>
             <a:endParaRPr lang="en-US"/>
           </a:p>
@@ -17194,9 +17550,9 @@
           <a:bodyPr/>
           <a:lstStyle/>
           <a:p>
-            <a:fld id="{999A8DD2-C443-44AD-85B3-4CE72B962C5F}" type="datetimeFigureOut">
+            <a:fld id="{CD75B89E-4F23-41F0-82AE-4D9C76155657}" type="datetime1">
               <a:rPr lang="en-US" smtClean="0"/>
-              <a:t>6/11/2024</a:t>
+              <a:t>6/17/2024</a:t>
             </a:fld>
             <a:endParaRPr lang="en-US"/>
           </a:p>
@@ -17466,9 +17822,9 @@
           <a:bodyPr/>
           <a:lstStyle/>
           <a:p>
-            <a:fld id="{999A8DD2-C443-44AD-85B3-4CE72B962C5F}" type="datetimeFigureOut">
+            <a:fld id="{82F3CE18-F0DD-41CB-9C53-845575CB3F2C}" type="datetime1">
               <a:rPr lang="en-US" smtClean="0"/>
-              <a:t>6/11/2024</a:t>
+              <a:t>6/17/2024</a:t>
             </a:fld>
             <a:endParaRPr lang="en-US"/>
           </a:p>
@@ -17890,9 +18246,9 @@
           <a:bodyPr/>
           <a:lstStyle/>
           <a:p>
-            <a:fld id="{999A8DD2-C443-44AD-85B3-4CE72B962C5F}" type="datetimeFigureOut">
+            <a:fld id="{6E89C257-FDE2-4B34-8462-97CD98FED562}" type="datetime1">
               <a:rPr lang="en-US" smtClean="0"/>
-              <a:t>6/11/2024</a:t>
+              <a:t>6/17/2024</a:t>
             </a:fld>
             <a:endParaRPr lang="en-US"/>
           </a:p>
@@ -18031,9 +18387,9 @@
           <a:bodyPr/>
           <a:lstStyle/>
           <a:p>
-            <a:fld id="{999A8DD2-C443-44AD-85B3-4CE72B962C5F}" type="datetimeFigureOut">
+            <a:fld id="{433D1319-4073-4501-A6FE-5C3517023197}" type="datetime1">
               <a:rPr lang="en-US" smtClean="0"/>
-              <a:t>6/11/2024</a:t>
+              <a:t>6/17/2024</a:t>
             </a:fld>
             <a:endParaRPr lang="en-US"/>
           </a:p>
@@ -18144,9 +18500,9 @@
           <a:bodyPr/>
           <a:lstStyle/>
           <a:p>
-            <a:fld id="{999A8DD2-C443-44AD-85B3-4CE72B962C5F}" type="datetimeFigureOut">
+            <a:fld id="{79D7D89F-F449-4944-965E-F39E6DA49C48}" type="datetime1">
               <a:rPr lang="en-US" smtClean="0"/>
-              <a:t>6/11/2024</a:t>
+              <a:t>6/17/2024</a:t>
             </a:fld>
             <a:endParaRPr lang="en-US"/>
           </a:p>
@@ -18463,9 +18819,9 @@
           <a:bodyPr/>
           <a:lstStyle/>
           <a:p>
-            <a:fld id="{999A8DD2-C443-44AD-85B3-4CE72B962C5F}" type="datetimeFigureOut">
+            <a:fld id="{68116DD6-A81E-4694-B247-D9CB2F5E43A6}" type="datetime1">
               <a:rPr lang="en-US" smtClean="0"/>
-              <a:t>6/11/2024</a:t>
+              <a:t>6/17/2024</a:t>
             </a:fld>
             <a:endParaRPr lang="en-US"/>
           </a:p>
@@ -18757,9 +19113,9 @@
           <a:bodyPr/>
           <a:lstStyle/>
           <a:p>
-            <a:fld id="{999A8DD2-C443-44AD-85B3-4CE72B962C5F}" type="datetimeFigureOut">
+            <a:fld id="{883FFA99-551B-45A3-8100-B3EEAC2D471E}" type="datetime1">
               <a:rPr lang="en-US" smtClean="0"/>
-              <a:t>6/11/2024</a:t>
+              <a:t>6/17/2024</a:t>
             </a:fld>
             <a:endParaRPr lang="en-US"/>
           </a:p>
@@ -18997,9 +19353,9 @@
             </a:lvl1pPr>
           </a:lstStyle>
           <a:p>
-            <a:fld id="{999A8DD2-C443-44AD-85B3-4CE72B962C5F}" type="datetimeFigureOut">
+            <a:fld id="{16B2086C-5757-4DB5-A0F2-B7934A67A4B3}" type="datetime1">
               <a:rPr lang="en-US" smtClean="0"/>
-              <a:t>6/11/2024</a:t>
+              <a:t>6/17/2024</a:t>
             </a:fld>
             <a:endParaRPr lang="en-US"/>
           </a:p>
@@ -19112,6 +19468,7 @@
     <p:sldLayoutId id="2147483678" r:id="rId10"/>
     <p:sldLayoutId id="2147483680" r:id="rId11"/>
   </p:sldLayoutIdLst>
+  <p:hf hdr="0" ftr="0" dt="0"/>
   <p:txStyles>
     <p:titleStyle>
       <a:lvl1pPr algn="l" defTabSz="914400" rtl="0" eaLnBrk="1" latinLnBrk="0" hangingPunct="1">
@@ -19800,6 +20157,472 @@
           <a:p>
             <a:r>
               <a:rPr lang="de-DE" dirty="0"/>
+              <a:t>Signalverarbeitung</a:t>
+            </a:r>
+            <a:br>
+              <a:rPr lang="de-DE" dirty="0"/>
+            </a:br>
+            <a:r>
+              <a:rPr lang="de-DE" dirty="0">
+                <a:solidFill>
+                  <a:schemeClr val="bg1">
+                    <a:lumMod val="65000"/>
+                  </a:schemeClr>
+                </a:solidFill>
+              </a:rPr>
+              <a:t>Schalldruckpegel - </a:t>
+            </a:r>
+            <a:r>
+              <a:rPr lang="de-DE" dirty="0" err="1">
+                <a:solidFill>
+                  <a:schemeClr val="bg1">
+                    <a:lumMod val="65000"/>
+                  </a:schemeClr>
+                </a:solidFill>
+              </a:rPr>
+              <a:t>dBSPL</a:t>
+            </a:r>
+            <a:endParaRPr lang="de-CH" dirty="0"/>
+          </a:p>
+        </p:txBody>
+      </p:sp>
+      <p:sp>
+        <p:nvSpPr>
+          <p:cNvPr id="7" name="Rechteck 6" descr="Magnifying glass">
+            <a:extLst>
+              <a:ext uri="{FF2B5EF4-FFF2-40B4-BE49-F238E27FC236}">
+                <a16:creationId xmlns:a16="http://schemas.microsoft.com/office/drawing/2014/main" id="{51895C97-3490-B0C6-79EA-18605F6F235F}"/>
+              </a:ext>
+            </a:extLst>
+          </p:cNvPr>
+          <p:cNvSpPr/>
+          <p:nvPr/>
+        </p:nvSpPr>
+        <p:spPr>
+          <a:xfrm>
+            <a:off x="11382000" y="0"/>
+            <a:ext cx="810000" cy="810000"/>
+          </a:xfrm>
+          <a:prstGeom prst="rect">
+            <a:avLst/>
+          </a:prstGeom>
+          <a:blipFill>
+            <a:blip r:embed="rId2">
+              <a:extLst>
+                <a:ext uri="{28A0092B-C50C-407E-A947-70E740481C1C}">
+                  <a14:useLocalDpi xmlns:a14="http://schemas.microsoft.com/office/drawing/2010/main" val="0"/>
+                </a:ext>
+                <a:ext uri="{96DAC541-7B7A-43D3-8B79-37D633B846F1}">
+                  <asvg:svgBlip xmlns:asvg="http://schemas.microsoft.com/office/drawing/2016/SVG/main" r:embed="rId3"/>
+                </a:ext>
+              </a:extLst>
+            </a:blip>
+            <a:stretch>
+              <a:fillRect/>
+            </a:stretch>
+          </a:blipFill>
+          <a:ln>
+            <a:noFill/>
+          </a:ln>
+        </p:spPr>
+        <p:style>
+          <a:lnRef idx="2">
+            <a:scrgbClr r="0" g="0" b="0"/>
+          </a:lnRef>
+          <a:fillRef idx="1">
+            <a:scrgbClr r="0" g="0" b="0"/>
+          </a:fillRef>
+          <a:effectRef idx="0">
+            <a:schemeClr val="accent4">
+              <a:hueOff val="0"/>
+              <a:satOff val="0"/>
+              <a:lumOff val="0"/>
+              <a:alphaOff val="0"/>
+            </a:schemeClr>
+          </a:effectRef>
+          <a:fontRef idx="minor">
+            <a:schemeClr val="lt1"/>
+          </a:fontRef>
+        </p:style>
+        <p:txBody>
+          <a:bodyPr/>
+          <a:lstStyle/>
+          <a:p>
+            <a:endParaRPr lang="de-CH"/>
+          </a:p>
+        </p:txBody>
+      </p:sp>
+      <p:pic>
+        <p:nvPicPr>
+          <p:cNvPr id="10" name="Grafik 9" descr="Ein Bild, das Screenshot, Schrift, Text, Reihe enthält.&#10;&#10;Automatisch generierte Beschreibung">
+            <a:extLst>
+              <a:ext uri="{FF2B5EF4-FFF2-40B4-BE49-F238E27FC236}">
+                <a16:creationId xmlns:a16="http://schemas.microsoft.com/office/drawing/2014/main" id="{F8F33E3C-6C81-81DE-9550-EC65A064C536}"/>
+              </a:ext>
+            </a:extLst>
+          </p:cNvPr>
+          <p:cNvPicPr>
+            <a:picLocks noChangeAspect="1"/>
+          </p:cNvPicPr>
+          <p:nvPr/>
+        </p:nvPicPr>
+        <p:blipFill>
+          <a:blip r:embed="rId4">
+            <a:extLst>
+              <a:ext uri="{28A0092B-C50C-407E-A947-70E740481C1C}">
+                <a14:useLocalDpi xmlns:a14="http://schemas.microsoft.com/office/drawing/2010/main" val="0"/>
+              </a:ext>
+            </a:extLst>
+          </a:blip>
+          <a:stretch>
+            <a:fillRect/>
+          </a:stretch>
+        </p:blipFill>
+        <p:spPr>
+          <a:xfrm>
+            <a:off x="493111" y="4760178"/>
+            <a:ext cx="10892652" cy="1420780"/>
+          </a:xfrm>
+          <a:prstGeom prst="rect">
+            <a:avLst/>
+          </a:prstGeom>
+        </p:spPr>
+      </p:pic>
+      <p:pic>
+        <p:nvPicPr>
+          <p:cNvPr id="3" name="Grafik 2" descr="Ein Bild, das Screenshot, Text, Diagramm, Quadrat enthält.&#10;&#10;Automatisch generierte Beschreibung">
+            <a:extLst>
+              <a:ext uri="{FF2B5EF4-FFF2-40B4-BE49-F238E27FC236}">
+                <a16:creationId xmlns:a16="http://schemas.microsoft.com/office/drawing/2014/main" id="{0BBD69BA-0726-30F1-CA12-853BA211B510}"/>
+              </a:ext>
+            </a:extLst>
+          </p:cNvPr>
+          <p:cNvPicPr>
+            <a:picLocks noChangeAspect="1"/>
+          </p:cNvPicPr>
+          <p:nvPr/>
+        </p:nvPicPr>
+        <p:blipFill rotWithShape="1">
+          <a:blip r:embed="rId5">
+            <a:extLst>
+              <a:ext uri="{28A0092B-C50C-407E-A947-70E740481C1C}">
+                <a14:useLocalDpi xmlns:a14="http://schemas.microsoft.com/office/drawing/2010/main" val="0"/>
+              </a:ext>
+            </a:extLst>
+          </a:blip>
+          <a:srcRect l="53104" t="44135" r="15713" b="28931"/>
+          <a:stretch/>
+        </p:blipFill>
+        <p:spPr>
+          <a:xfrm>
+            <a:off x="7919196" y="548640"/>
+            <a:ext cx="3347030" cy="1313229"/>
+          </a:xfrm>
+          <a:prstGeom prst="rect">
+            <a:avLst/>
+          </a:prstGeom>
+        </p:spPr>
+      </p:pic>
+      <p:sp>
+        <p:nvSpPr>
+          <p:cNvPr id="4" name="Rechteck 3">
+            <a:extLst>
+              <a:ext uri="{FF2B5EF4-FFF2-40B4-BE49-F238E27FC236}">
+                <a16:creationId xmlns:a16="http://schemas.microsoft.com/office/drawing/2014/main" id="{AD4012D2-8CD7-B9B3-E860-DFD9F22179F3}"/>
+              </a:ext>
+            </a:extLst>
+          </p:cNvPr>
+          <p:cNvSpPr/>
+          <p:nvPr/>
+        </p:nvSpPr>
+        <p:spPr>
+          <a:xfrm>
+            <a:off x="10392830" y="677042"/>
+            <a:ext cx="778961" cy="1056424"/>
+          </a:xfrm>
+          <a:prstGeom prst="rect">
+            <a:avLst/>
+          </a:prstGeom>
+          <a:noFill/>
+          <a:ln w="38100">
+            <a:solidFill>
+              <a:srgbClr val="FF0000"/>
+            </a:solidFill>
+          </a:ln>
+        </p:spPr>
+        <p:style>
+          <a:lnRef idx="2">
+            <a:schemeClr val="accent1">
+              <a:shade val="15000"/>
+            </a:schemeClr>
+          </a:lnRef>
+          <a:fillRef idx="1">
+            <a:schemeClr val="accent1"/>
+          </a:fillRef>
+          <a:effectRef idx="0">
+            <a:schemeClr val="accent1"/>
+          </a:effectRef>
+          <a:fontRef idx="minor">
+            <a:schemeClr val="lt1"/>
+          </a:fontRef>
+        </p:style>
+        <p:txBody>
+          <a:bodyPr rtlCol="0" anchor="ctr"/>
+          <a:lstStyle/>
+          <a:p>
+            <a:pPr algn="ctr"/>
+            <a:endParaRPr lang="de-CH"/>
+          </a:p>
+        </p:txBody>
+      </p:sp>
+      <mc:AlternateContent xmlns:mc="http://schemas.openxmlformats.org/markup-compatibility/2006" xmlns:a14="http://schemas.microsoft.com/office/drawing/2010/main">
+        <mc:Choice Requires="a14">
+          <p:sp>
+            <p:nvSpPr>
+              <p:cNvPr id="5" name="Textfeld 4">
+                <a:extLst>
+                  <a:ext uri="{FF2B5EF4-FFF2-40B4-BE49-F238E27FC236}">
+                    <a16:creationId xmlns:a16="http://schemas.microsoft.com/office/drawing/2014/main" id="{1FCBD3D4-F0E3-A702-CDA6-301D583FF9C2}"/>
+                  </a:ext>
+                </a:extLst>
+              </p:cNvPr>
+              <p:cNvSpPr txBox="1"/>
+              <p:nvPr/>
+            </p:nvSpPr>
+            <p:spPr>
+              <a:xfrm>
+                <a:off x="1684527" y="2760419"/>
+                <a:ext cx="8509820" cy="1337161"/>
+              </a:xfrm>
+              <a:prstGeom prst="rect">
+                <a:avLst/>
+              </a:prstGeom>
+              <a:noFill/>
+            </p:spPr>
+            <p:txBody>
+              <a:bodyPr wrap="square" rtlCol="0">
+                <a:spAutoFit/>
+              </a:bodyPr>
+              <a:lstStyle/>
+              <a:p>
+                <a:pPr/>
+                <a14:m>
+                  <m:oMathPara xmlns:m="http://schemas.openxmlformats.org/officeDocument/2006/math">
+                    <m:oMathParaPr>
+                      <m:jc m:val="centerGroup"/>
+                    </m:oMathParaPr>
+                    <m:oMath xmlns:m="http://schemas.openxmlformats.org/officeDocument/2006/math">
+                      <m:r>
+                        <a:rPr lang="de-DE" sz="3600" b="0" i="1" smtClean="0">
+                          <a:latin typeface="Cambria Math" panose="02040503050406030204" pitchFamily="18" charset="0"/>
+                        </a:rPr>
+                        <m:t>𝑑𝐵𝑆𝑃𝐿</m:t>
+                      </m:r>
+                      <m:r>
+                        <a:rPr lang="de-DE" sz="3600" b="0" i="1" smtClean="0">
+                          <a:latin typeface="Cambria Math" panose="02040503050406030204" pitchFamily="18" charset="0"/>
+                        </a:rPr>
+                        <m:t>=129.5+20⋅</m:t>
+                      </m:r>
+                      <m:sSub>
+                        <m:sSubPr>
+                          <m:ctrlPr>
+                            <a:rPr lang="de-DE" sz="3600" b="0" i="1" smtClean="0">
+                              <a:latin typeface="Cambria Math" panose="02040503050406030204" pitchFamily="18" charset="0"/>
+                            </a:rPr>
+                          </m:ctrlPr>
+                        </m:sSubPr>
+                        <m:e>
+                          <m:r>
+                            <m:rPr>
+                              <m:sty m:val="p"/>
+                            </m:rPr>
+                            <a:rPr lang="de-DE" sz="3600" b="0" i="0" smtClean="0">
+                              <a:latin typeface="Cambria Math" panose="02040503050406030204" pitchFamily="18" charset="0"/>
+                            </a:rPr>
+                            <m:t>log</m:t>
+                          </m:r>
+                        </m:e>
+                        <m:sub>
+                          <m:r>
+                            <a:rPr lang="de-DE" sz="3600" b="0" i="1" smtClean="0">
+                              <a:latin typeface="Cambria Math" panose="02040503050406030204" pitchFamily="18" charset="0"/>
+                            </a:rPr>
+                            <m:t>10</m:t>
+                          </m:r>
+                        </m:sub>
+                      </m:sSub>
+                      <m:d>
+                        <m:dPr>
+                          <m:ctrlPr>
+                            <a:rPr lang="de-DE" sz="3600" b="0" i="1" smtClean="0">
+                              <a:latin typeface="Cambria Math" panose="02040503050406030204" pitchFamily="18" charset="0"/>
+                            </a:rPr>
+                          </m:ctrlPr>
+                        </m:dPr>
+                        <m:e>
+                          <m:f>
+                            <m:fPr>
+                              <m:ctrlPr>
+                                <a:rPr lang="de-DE" sz="3600" b="0" i="1" smtClean="0">
+                                  <a:latin typeface="Cambria Math" panose="02040503050406030204" pitchFamily="18" charset="0"/>
+                                </a:rPr>
+                              </m:ctrlPr>
+                            </m:fPr>
+                            <m:num>
+                              <m:r>
+                                <a:rPr lang="de-DE" sz="3600" b="0" i="1" smtClean="0">
+                                  <a:latin typeface="Cambria Math" panose="02040503050406030204" pitchFamily="18" charset="0"/>
+                                </a:rPr>
+                                <m:t>𝑅𝑀𝑆</m:t>
+                              </m:r>
+                            </m:num>
+                            <m:den>
+                              <m:r>
+                                <a:rPr lang="de-DE" sz="3600" i="1">
+                                  <a:latin typeface="Cambria Math" panose="02040503050406030204" pitchFamily="18" charset="0"/>
+                                </a:rPr>
+                                <m:t>8388607</m:t>
+                              </m:r>
+                            </m:den>
+                          </m:f>
+                        </m:e>
+                      </m:d>
+                    </m:oMath>
+                  </m:oMathPara>
+                </a14:m>
+                <a:endParaRPr lang="de-CH" sz="3600" dirty="0"/>
+              </a:p>
+            </p:txBody>
+          </p:sp>
+        </mc:Choice>
+        <mc:Fallback xmlns="">
+          <p:sp>
+            <p:nvSpPr>
+              <p:cNvPr id="5" name="Textfeld 4">
+                <a:extLst>
+                  <a:ext uri="{FF2B5EF4-FFF2-40B4-BE49-F238E27FC236}">
+                    <a16:creationId xmlns:a16="http://schemas.microsoft.com/office/drawing/2014/main" id="{1FCBD3D4-F0E3-A702-CDA6-301D583FF9C2}"/>
+                  </a:ext>
+                </a:extLst>
+              </p:cNvPr>
+              <p:cNvSpPr txBox="1">
+                <a:spLocks noRot="1" noChangeAspect="1" noMove="1" noResize="1" noEditPoints="1" noAdjustHandles="1" noChangeArrowheads="1" noChangeShapeType="1" noTextEdit="1"/>
+              </p:cNvSpPr>
+              <p:nvPr/>
+            </p:nvSpPr>
+            <p:spPr>
+              <a:xfrm>
+                <a:off x="1684527" y="2760419"/>
+                <a:ext cx="8509820" cy="1337161"/>
+              </a:xfrm>
+              <a:prstGeom prst="rect">
+                <a:avLst/>
+              </a:prstGeom>
+              <a:blipFill>
+                <a:blip r:embed="rId6"/>
+                <a:stretch>
+                  <a:fillRect/>
+                </a:stretch>
+              </a:blipFill>
+            </p:spPr>
+            <p:txBody>
+              <a:bodyPr/>
+              <a:lstStyle/>
+              <a:p>
+                <a:r>
+                  <a:rPr lang="de-CH">
+                    <a:noFill/>
+                  </a:rPr>
+                  <a:t> </a:t>
+                </a:r>
+              </a:p>
+            </p:txBody>
+          </p:sp>
+        </mc:Fallback>
+      </mc:AlternateContent>
+      <p:sp>
+        <p:nvSpPr>
+          <p:cNvPr id="6" name="Foliennummernplatzhalter 5">
+            <a:extLst>
+              <a:ext uri="{FF2B5EF4-FFF2-40B4-BE49-F238E27FC236}">
+                <a16:creationId xmlns:a16="http://schemas.microsoft.com/office/drawing/2014/main" id="{6100F6BD-749C-EA90-7439-D0A970A089A4}"/>
+              </a:ext>
+            </a:extLst>
+          </p:cNvPr>
+          <p:cNvSpPr>
+            <a:spLocks noGrp="1"/>
+          </p:cNvSpPr>
+          <p:nvPr>
+            <p:ph type="sldNum" sz="quarter" idx="12"/>
+          </p:nvPr>
+        </p:nvSpPr>
+        <p:spPr/>
+        <p:txBody>
+          <a:bodyPr/>
+          <a:lstStyle/>
+          <a:p>
+            <a:fld id="{FA4FCA09-A334-4A38-8A78-E51DCD588AB3}" type="slidenum">
+              <a:rPr lang="en-US" smtClean="0"/>
+              <a:t>10</a:t>
+            </a:fld>
+            <a:endParaRPr lang="en-US"/>
+          </a:p>
+        </p:txBody>
+      </p:sp>
+    </p:spTree>
+    <p:extLst>
+      <p:ext uri="{BB962C8B-B14F-4D97-AF65-F5344CB8AC3E}">
+        <p14:creationId xmlns:p14="http://schemas.microsoft.com/office/powerpoint/2010/main" val="2406667049"/>
+      </p:ext>
+    </p:extLst>
+  </p:cSld>
+  <p:clrMapOvr>
+    <a:masterClrMapping/>
+  </p:clrMapOvr>
+</p:sld>
+</file>
+
+<file path=ppt/slides/slide11.xml><?xml version="1.0" encoding="utf-8"?>
+<p:sld xmlns:a="http://schemas.openxmlformats.org/drawingml/2006/main" xmlns:r="http://schemas.openxmlformats.org/officeDocument/2006/relationships" xmlns:p="http://schemas.openxmlformats.org/presentationml/2006/main">
+  <p:cSld>
+    <p:spTree>
+      <p:nvGrpSpPr>
+        <p:cNvPr id="1" name=""/>
+        <p:cNvGrpSpPr/>
+        <p:nvPr/>
+      </p:nvGrpSpPr>
+      <p:grpSpPr>
+        <a:xfrm>
+          <a:off x="0" y="0"/>
+          <a:ext cx="0" cy="0"/>
+          <a:chOff x="0" y="0"/>
+          <a:chExt cx="0" cy="0"/>
+        </a:xfrm>
+      </p:grpSpPr>
+      <p:sp>
+        <p:nvSpPr>
+          <p:cNvPr id="2" name="Titel 1">
+            <a:extLst>
+              <a:ext uri="{FF2B5EF4-FFF2-40B4-BE49-F238E27FC236}">
+                <a16:creationId xmlns:a16="http://schemas.microsoft.com/office/drawing/2014/main" id="{26778864-8D5C-5BAA-CCDC-344760A4F4EA}"/>
+              </a:ext>
+            </a:extLst>
+          </p:cNvPr>
+          <p:cNvSpPr>
+            <a:spLocks noGrp="1"/>
+          </p:cNvSpPr>
+          <p:nvPr>
+            <p:ph type="title"/>
+          </p:nvPr>
+        </p:nvSpPr>
+        <p:spPr/>
+        <p:txBody>
+          <a:bodyPr/>
+          <a:lstStyle/>
+          <a:p>
+            <a:r>
+              <a:rPr lang="de-DE" dirty="0"/>
               <a:t>Hardware</a:t>
             </a:r>
             <a:endParaRPr lang="de-CH" dirty="0"/>
@@ -20443,6 +21266,35 @@
           </a:p>
         </p:txBody>
       </p:sp>
+      <p:sp>
+        <p:nvSpPr>
+          <p:cNvPr id="3" name="Foliennummernplatzhalter 2">
+            <a:extLst>
+              <a:ext uri="{FF2B5EF4-FFF2-40B4-BE49-F238E27FC236}">
+                <a16:creationId xmlns:a16="http://schemas.microsoft.com/office/drawing/2014/main" id="{88A8663D-2080-8AE0-781A-3A5476FA89CF}"/>
+              </a:ext>
+            </a:extLst>
+          </p:cNvPr>
+          <p:cNvSpPr>
+            <a:spLocks noGrp="1"/>
+          </p:cNvSpPr>
+          <p:nvPr>
+            <p:ph type="sldNum" sz="quarter" idx="12"/>
+          </p:nvPr>
+        </p:nvSpPr>
+        <p:spPr/>
+        <p:txBody>
+          <a:bodyPr/>
+          <a:lstStyle/>
+          <a:p>
+            <a:fld id="{FA4FCA09-A334-4A38-8A78-E51DCD588AB3}" type="slidenum">
+              <a:rPr lang="en-US" smtClean="0"/>
+              <a:t>11</a:t>
+            </a:fld>
+            <a:endParaRPr lang="en-US"/>
+          </a:p>
+        </p:txBody>
+      </p:sp>
     </p:spTree>
     <p:extLst>
       <p:ext uri="{BB962C8B-B14F-4D97-AF65-F5344CB8AC3E}">
@@ -20456,7 +21308,7 @@
 </p:sld>
 </file>
 
-<file path=ppt/slides/slide11.xml><?xml version="1.0" encoding="utf-8"?>
+<file path=ppt/slides/slide12.xml><?xml version="1.0" encoding="utf-8"?>
 <p:sld xmlns:a="http://schemas.openxmlformats.org/drawingml/2006/main" xmlns:r="http://schemas.openxmlformats.org/officeDocument/2006/relationships" xmlns:p="http://schemas.openxmlformats.org/presentationml/2006/main">
   <p:cSld>
     <p:spTree>
@@ -21095,6 +21947,35 @@
           </a:p>
         </p:txBody>
       </p:sp>
+      <p:sp>
+        <p:nvSpPr>
+          <p:cNvPr id="5" name="Foliennummernplatzhalter 4">
+            <a:extLst>
+              <a:ext uri="{FF2B5EF4-FFF2-40B4-BE49-F238E27FC236}">
+                <a16:creationId xmlns:a16="http://schemas.microsoft.com/office/drawing/2014/main" id="{221ADBFF-A362-B5B9-B54A-8CB78A5EE089}"/>
+              </a:ext>
+            </a:extLst>
+          </p:cNvPr>
+          <p:cNvSpPr>
+            <a:spLocks noGrp="1"/>
+          </p:cNvSpPr>
+          <p:nvPr>
+            <p:ph type="sldNum" sz="quarter" idx="12"/>
+          </p:nvPr>
+        </p:nvSpPr>
+        <p:spPr/>
+        <p:txBody>
+          <a:bodyPr/>
+          <a:lstStyle/>
+          <a:p>
+            <a:fld id="{FA4FCA09-A334-4A38-8A78-E51DCD588AB3}" type="slidenum">
+              <a:rPr lang="en-US" smtClean="0"/>
+              <a:t>12</a:t>
+            </a:fld>
+            <a:endParaRPr lang="en-US"/>
+          </a:p>
+        </p:txBody>
+      </p:sp>
     </p:spTree>
     <p:extLst>
       <p:ext uri="{BB962C8B-B14F-4D97-AF65-F5344CB8AC3E}">
@@ -21108,7 +21989,7 @@
 </p:sld>
 </file>
 
-<file path=ppt/slides/slide12.xml><?xml version="1.0" encoding="utf-8"?>
+<file path=ppt/slides/slide13.xml><?xml version="1.0" encoding="utf-8"?>
 <p:sld xmlns:a="http://schemas.openxmlformats.org/drawingml/2006/main" xmlns:r="http://schemas.openxmlformats.org/officeDocument/2006/relationships" xmlns:p="http://schemas.openxmlformats.org/presentationml/2006/main">
   <p:cSld>
     <p:spTree>
@@ -21150,7 +22031,878 @@
               <a:rPr lang="de-DE" dirty="0"/>
               <a:t>Resultate</a:t>
             </a:r>
-            <a:endParaRPr lang="de-CH" dirty="0"/>
+            <a:br>
+              <a:rPr lang="de-DE" dirty="0"/>
+            </a:br>
+            <a:r>
+              <a:rPr lang="de-DE" dirty="0">
+                <a:solidFill>
+                  <a:schemeClr val="bg1">
+                    <a:lumMod val="65000"/>
+                  </a:schemeClr>
+                </a:solidFill>
+              </a:rPr>
+              <a:t>Rechenzeit</a:t>
+            </a:r>
+            <a:endParaRPr lang="de-CH" dirty="0">
+              <a:solidFill>
+                <a:schemeClr val="bg1">
+                  <a:lumMod val="65000"/>
+                </a:schemeClr>
+              </a:solidFill>
+            </a:endParaRPr>
+          </a:p>
+        </p:txBody>
+      </p:sp>
+      <p:sp>
+        <p:nvSpPr>
+          <p:cNvPr id="3" name="Rechteck 2">
+            <a:extLst>
+              <a:ext uri="{FF2B5EF4-FFF2-40B4-BE49-F238E27FC236}">
+                <a16:creationId xmlns:a16="http://schemas.microsoft.com/office/drawing/2014/main" id="{6D3BDCC0-8BE3-AF63-811A-809368D5BB62}"/>
+              </a:ext>
+            </a:extLst>
+          </p:cNvPr>
+          <p:cNvSpPr/>
+          <p:nvPr/>
+        </p:nvSpPr>
+        <p:spPr>
+          <a:xfrm>
+            <a:off x="11339847" y="0"/>
+            <a:ext cx="810000" cy="810000"/>
+          </a:xfrm>
+          <a:prstGeom prst="rect">
+            <a:avLst/>
+          </a:prstGeom>
+          <a:blipFill>
+            <a:blip r:embed="rId2">
+              <a:duotone>
+                <a:schemeClr val="accent2">
+                  <a:shade val="45000"/>
+                  <a:satMod val="135000"/>
+                </a:schemeClr>
+                <a:prstClr val="white"/>
+              </a:duotone>
+              <a:extLst>
+                <a:ext uri="{28A0092B-C50C-407E-A947-70E740481C1C}">
+                  <a14:useLocalDpi xmlns:a14="http://schemas.microsoft.com/office/drawing/2010/main" val="0"/>
+                </a:ext>
+              </a:extLst>
+            </a:blip>
+            <a:srcRect/>
+            <a:stretch>
+              <a:fillRect/>
+            </a:stretch>
+          </a:blipFill>
+          <a:ln>
+            <a:noFill/>
+          </a:ln>
+        </p:spPr>
+        <p:style>
+          <a:lnRef idx="2">
+            <a:scrgbClr r="0" g="0" b="0"/>
+          </a:lnRef>
+          <a:fillRef idx="1">
+            <a:scrgbClr r="0" g="0" b="0"/>
+          </a:fillRef>
+          <a:effectRef idx="0">
+            <a:schemeClr val="accent5">
+              <a:hueOff val="0"/>
+              <a:satOff val="0"/>
+              <a:lumOff val="0"/>
+              <a:alphaOff val="0"/>
+            </a:schemeClr>
+          </a:effectRef>
+          <a:fontRef idx="minor">
+            <a:schemeClr val="lt1"/>
+          </a:fontRef>
+        </p:style>
+        <p:txBody>
+          <a:bodyPr/>
+          <a:lstStyle/>
+          <a:p>
+            <a:endParaRPr lang="de-CH"/>
+          </a:p>
+        </p:txBody>
+      </p:sp>
+      <p:pic>
+        <p:nvPicPr>
+          <p:cNvPr id="7" name="Grafik 6">
+            <a:extLst>
+              <a:ext uri="{FF2B5EF4-FFF2-40B4-BE49-F238E27FC236}">
+                <a16:creationId xmlns:a16="http://schemas.microsoft.com/office/drawing/2014/main" id="{2D6CCFB5-BB39-2E26-2465-EB22C555EF4D}"/>
+              </a:ext>
+            </a:extLst>
+          </p:cNvPr>
+          <p:cNvPicPr>
+            <a:picLocks noChangeAspect="1"/>
+          </p:cNvPicPr>
+          <p:nvPr/>
+        </p:nvPicPr>
+        <p:blipFill>
+          <a:blip r:embed="rId3"/>
+          <a:stretch>
+            <a:fillRect/>
+          </a:stretch>
+        </p:blipFill>
+        <p:spPr>
+          <a:xfrm>
+            <a:off x="3328815" y="1715532"/>
+            <a:ext cx="5221242" cy="4642273"/>
+          </a:xfrm>
+          <a:prstGeom prst="rect">
+            <a:avLst/>
+          </a:prstGeom>
+        </p:spPr>
+      </p:pic>
+      <p:sp>
+        <p:nvSpPr>
+          <p:cNvPr id="4" name="Foliennummernplatzhalter 3">
+            <a:extLst>
+              <a:ext uri="{FF2B5EF4-FFF2-40B4-BE49-F238E27FC236}">
+                <a16:creationId xmlns:a16="http://schemas.microsoft.com/office/drawing/2014/main" id="{7B635B3A-7CF4-B1BF-09AC-5FF1D25576E4}"/>
+              </a:ext>
+            </a:extLst>
+          </p:cNvPr>
+          <p:cNvSpPr>
+            <a:spLocks noGrp="1"/>
+          </p:cNvSpPr>
+          <p:nvPr>
+            <p:ph type="sldNum" sz="quarter" idx="12"/>
+          </p:nvPr>
+        </p:nvSpPr>
+        <p:spPr/>
+        <p:txBody>
+          <a:bodyPr/>
+          <a:lstStyle/>
+          <a:p>
+            <a:fld id="{FA4FCA09-A334-4A38-8A78-E51DCD588AB3}" type="slidenum">
+              <a:rPr lang="en-US" smtClean="0"/>
+              <a:t>13</a:t>
+            </a:fld>
+            <a:endParaRPr lang="en-US"/>
+          </a:p>
+        </p:txBody>
+      </p:sp>
+    </p:spTree>
+    <p:extLst>
+      <p:ext uri="{BB962C8B-B14F-4D97-AF65-F5344CB8AC3E}">
+        <p14:creationId xmlns:p14="http://schemas.microsoft.com/office/powerpoint/2010/main" val="3465270031"/>
+      </p:ext>
+    </p:extLst>
+  </p:cSld>
+  <p:clrMapOvr>
+    <a:masterClrMapping/>
+  </p:clrMapOvr>
+</p:sld>
+</file>
+
+<file path=ppt/slides/slide14.xml><?xml version="1.0" encoding="utf-8"?>
+<p:sld xmlns:a="http://schemas.openxmlformats.org/drawingml/2006/main" xmlns:r="http://schemas.openxmlformats.org/officeDocument/2006/relationships" xmlns:p="http://schemas.openxmlformats.org/presentationml/2006/main">
+  <p:cSld>
+    <p:spTree>
+      <p:nvGrpSpPr>
+        <p:cNvPr id="1" name=""/>
+        <p:cNvGrpSpPr/>
+        <p:nvPr/>
+      </p:nvGrpSpPr>
+      <p:grpSpPr>
+        <a:xfrm>
+          <a:off x="0" y="0"/>
+          <a:ext cx="0" cy="0"/>
+          <a:chOff x="0" y="0"/>
+          <a:chExt cx="0" cy="0"/>
+        </a:xfrm>
+      </p:grpSpPr>
+      <p:sp>
+        <p:nvSpPr>
+          <p:cNvPr id="2" name="Titel 1">
+            <a:extLst>
+              <a:ext uri="{FF2B5EF4-FFF2-40B4-BE49-F238E27FC236}">
+                <a16:creationId xmlns:a16="http://schemas.microsoft.com/office/drawing/2014/main" id="{EC1FE7EE-7E78-7201-9C9F-49AC28E9D93F}"/>
+              </a:ext>
+            </a:extLst>
+          </p:cNvPr>
+          <p:cNvSpPr>
+            <a:spLocks noGrp="1"/>
+          </p:cNvSpPr>
+          <p:nvPr>
+            <p:ph type="title"/>
+          </p:nvPr>
+        </p:nvSpPr>
+        <p:spPr/>
+        <p:txBody>
+          <a:bodyPr/>
+          <a:lstStyle/>
+          <a:p>
+            <a:r>
+              <a:rPr lang="de-DE" dirty="0"/>
+              <a:t>Resultate</a:t>
+            </a:r>
+            <a:br>
+              <a:rPr lang="de-DE" dirty="0"/>
+            </a:br>
+            <a:r>
+              <a:rPr lang="de-DE" dirty="0">
+                <a:solidFill>
+                  <a:schemeClr val="bg1">
+                    <a:lumMod val="65000"/>
+                  </a:schemeClr>
+                </a:solidFill>
+              </a:rPr>
+              <a:t>Energie</a:t>
+            </a:r>
+            <a:endParaRPr lang="de-CH" dirty="0">
+              <a:solidFill>
+                <a:schemeClr val="bg1">
+                  <a:lumMod val="65000"/>
+                </a:schemeClr>
+              </a:solidFill>
+            </a:endParaRPr>
+          </a:p>
+        </p:txBody>
+      </p:sp>
+      <p:sp>
+        <p:nvSpPr>
+          <p:cNvPr id="3" name="Rechteck 2">
+            <a:extLst>
+              <a:ext uri="{FF2B5EF4-FFF2-40B4-BE49-F238E27FC236}">
+                <a16:creationId xmlns:a16="http://schemas.microsoft.com/office/drawing/2014/main" id="{6D3BDCC0-8BE3-AF63-811A-809368D5BB62}"/>
+              </a:ext>
+            </a:extLst>
+          </p:cNvPr>
+          <p:cNvSpPr/>
+          <p:nvPr/>
+        </p:nvSpPr>
+        <p:spPr>
+          <a:xfrm>
+            <a:off x="11339847" y="0"/>
+            <a:ext cx="810000" cy="810000"/>
+          </a:xfrm>
+          <a:prstGeom prst="rect">
+            <a:avLst/>
+          </a:prstGeom>
+          <a:blipFill>
+            <a:blip r:embed="rId2">
+              <a:duotone>
+                <a:schemeClr val="accent2">
+                  <a:shade val="45000"/>
+                  <a:satMod val="135000"/>
+                </a:schemeClr>
+                <a:prstClr val="white"/>
+              </a:duotone>
+              <a:extLst>
+                <a:ext uri="{28A0092B-C50C-407E-A947-70E740481C1C}">
+                  <a14:useLocalDpi xmlns:a14="http://schemas.microsoft.com/office/drawing/2010/main" val="0"/>
+                </a:ext>
+              </a:extLst>
+            </a:blip>
+            <a:srcRect/>
+            <a:stretch>
+              <a:fillRect/>
+            </a:stretch>
+          </a:blipFill>
+          <a:ln>
+            <a:noFill/>
+          </a:ln>
+        </p:spPr>
+        <p:style>
+          <a:lnRef idx="2">
+            <a:scrgbClr r="0" g="0" b="0"/>
+          </a:lnRef>
+          <a:fillRef idx="1">
+            <a:scrgbClr r="0" g="0" b="0"/>
+          </a:fillRef>
+          <a:effectRef idx="0">
+            <a:schemeClr val="accent5">
+              <a:hueOff val="0"/>
+              <a:satOff val="0"/>
+              <a:lumOff val="0"/>
+              <a:alphaOff val="0"/>
+            </a:schemeClr>
+          </a:effectRef>
+          <a:fontRef idx="minor">
+            <a:schemeClr val="lt1"/>
+          </a:fontRef>
+        </p:style>
+        <p:txBody>
+          <a:bodyPr/>
+          <a:lstStyle/>
+          <a:p>
+            <a:endParaRPr lang="de-CH"/>
+          </a:p>
+        </p:txBody>
+      </p:sp>
+      <p:pic>
+        <p:nvPicPr>
+          <p:cNvPr id="5" name="Grafik 4">
+            <a:extLst>
+              <a:ext uri="{FF2B5EF4-FFF2-40B4-BE49-F238E27FC236}">
+                <a16:creationId xmlns:a16="http://schemas.microsoft.com/office/drawing/2014/main" id="{9C0097EB-D300-73D9-055D-DF8BC01D665C}"/>
+              </a:ext>
+            </a:extLst>
+          </p:cNvPr>
+          <p:cNvPicPr>
+            <a:picLocks noChangeAspect="1"/>
+          </p:cNvPicPr>
+          <p:nvPr/>
+        </p:nvPicPr>
+        <p:blipFill>
+          <a:blip r:embed="rId3"/>
+          <a:stretch>
+            <a:fillRect/>
+          </a:stretch>
+        </p:blipFill>
+        <p:spPr>
+          <a:xfrm>
+            <a:off x="612648" y="1973453"/>
+            <a:ext cx="5289462" cy="3621101"/>
+          </a:xfrm>
+          <a:prstGeom prst="rect">
+            <a:avLst/>
+          </a:prstGeom>
+        </p:spPr>
+      </p:pic>
+      <p:pic>
+        <p:nvPicPr>
+          <p:cNvPr id="8" name="Grafik 7">
+            <a:extLst>
+              <a:ext uri="{FF2B5EF4-FFF2-40B4-BE49-F238E27FC236}">
+                <a16:creationId xmlns:a16="http://schemas.microsoft.com/office/drawing/2014/main" id="{C5F3F389-838A-6894-DA33-0A6A147C6B1B}"/>
+              </a:ext>
+            </a:extLst>
+          </p:cNvPr>
+          <p:cNvPicPr>
+            <a:picLocks noChangeAspect="1"/>
+          </p:cNvPicPr>
+          <p:nvPr/>
+        </p:nvPicPr>
+        <p:blipFill>
+          <a:blip r:embed="rId4"/>
+          <a:stretch>
+            <a:fillRect/>
+          </a:stretch>
+        </p:blipFill>
+        <p:spPr>
+          <a:xfrm>
+            <a:off x="5939437" y="1973452"/>
+            <a:ext cx="5455288" cy="3621101"/>
+          </a:xfrm>
+          <a:prstGeom prst="rect">
+            <a:avLst/>
+          </a:prstGeom>
+        </p:spPr>
+      </p:pic>
+      <p:sp>
+        <p:nvSpPr>
+          <p:cNvPr id="9" name="Inhaltsplatzhalter 2">
+            <a:extLst>
+              <a:ext uri="{FF2B5EF4-FFF2-40B4-BE49-F238E27FC236}">
+                <a16:creationId xmlns:a16="http://schemas.microsoft.com/office/drawing/2014/main" id="{D1CC15A7-C683-7563-5ACB-5DB8D6DCB9B9}"/>
+              </a:ext>
+            </a:extLst>
+          </p:cNvPr>
+          <p:cNvSpPr txBox="1">
+            <a:spLocks/>
+          </p:cNvSpPr>
+          <p:nvPr/>
+        </p:nvSpPr>
+        <p:spPr>
+          <a:xfrm>
+            <a:off x="641928" y="5725994"/>
+            <a:ext cx="5260181" cy="583365"/>
+          </a:xfrm>
+          <a:prstGeom prst="rect">
+            <a:avLst/>
+          </a:prstGeom>
+        </p:spPr>
+        <p:txBody>
+          <a:bodyPr vert="horz" lIns="91440" tIns="45720" rIns="91440" bIns="45720" rtlCol="0">
+            <a:normAutofit/>
+          </a:bodyPr>
+          <a:lstStyle>
+            <a:lvl1pPr marL="228600" indent="-228600" algn="l" defTabSz="914400" rtl="0" eaLnBrk="1" latinLnBrk="0" hangingPunct="1">
+              <a:lnSpc>
+                <a:spcPct val="120000"/>
+              </a:lnSpc>
+              <a:spcBef>
+                <a:spcPts val="1000"/>
+              </a:spcBef>
+              <a:buFont typeface="Arial" panose="020B0604020202020204" pitchFamily="34" charset="0"/>
+              <a:buChar char="•"/>
+              <a:defRPr sz="2000" kern="1200">
+                <a:solidFill>
+                  <a:schemeClr val="tx1"/>
+                </a:solidFill>
+                <a:latin typeface="+mn-lt"/>
+                <a:ea typeface="+mn-ea"/>
+                <a:cs typeface="+mn-cs"/>
+              </a:defRPr>
+            </a:lvl1pPr>
+            <a:lvl2pPr marL="457200" indent="-228600" algn="l" defTabSz="914400" rtl="0" eaLnBrk="1" latinLnBrk="0" hangingPunct="1">
+              <a:lnSpc>
+                <a:spcPct val="120000"/>
+              </a:lnSpc>
+              <a:spcBef>
+                <a:spcPts val="500"/>
+              </a:spcBef>
+              <a:buFont typeface="Arial" panose="020B0604020202020204" pitchFamily="34" charset="0"/>
+              <a:buChar char="•"/>
+              <a:defRPr sz="1800" kern="1200">
+                <a:solidFill>
+                  <a:schemeClr val="tx1"/>
+                </a:solidFill>
+                <a:latin typeface="+mn-lt"/>
+                <a:ea typeface="+mn-ea"/>
+                <a:cs typeface="+mn-cs"/>
+              </a:defRPr>
+            </a:lvl2pPr>
+            <a:lvl3pPr marL="685800" indent="-228600" algn="l" defTabSz="914400" rtl="0" eaLnBrk="1" latinLnBrk="0" hangingPunct="1">
+              <a:lnSpc>
+                <a:spcPct val="120000"/>
+              </a:lnSpc>
+              <a:spcBef>
+                <a:spcPts val="500"/>
+              </a:spcBef>
+              <a:buFont typeface="Arial" panose="020B0604020202020204" pitchFamily="34" charset="0"/>
+              <a:buChar char="•"/>
+              <a:defRPr sz="1600" kern="1200">
+                <a:solidFill>
+                  <a:schemeClr val="tx1"/>
+                </a:solidFill>
+                <a:latin typeface="+mn-lt"/>
+                <a:ea typeface="+mn-ea"/>
+                <a:cs typeface="+mn-cs"/>
+              </a:defRPr>
+            </a:lvl3pPr>
+            <a:lvl4pPr marL="914400" indent="-228600" algn="l" defTabSz="914400" rtl="0" eaLnBrk="1" latinLnBrk="0" hangingPunct="1">
+              <a:lnSpc>
+                <a:spcPct val="120000"/>
+              </a:lnSpc>
+              <a:spcBef>
+                <a:spcPts val="500"/>
+              </a:spcBef>
+              <a:buFont typeface="Arial" panose="020B0604020202020204" pitchFamily="34" charset="0"/>
+              <a:buChar char="•"/>
+              <a:defRPr sz="1400" kern="1200">
+                <a:solidFill>
+                  <a:schemeClr val="tx1"/>
+                </a:solidFill>
+                <a:latin typeface="+mn-lt"/>
+                <a:ea typeface="+mn-ea"/>
+                <a:cs typeface="+mn-cs"/>
+              </a:defRPr>
+            </a:lvl4pPr>
+            <a:lvl5pPr marL="1143000" indent="-228600" algn="l" defTabSz="914400" rtl="0" eaLnBrk="1" latinLnBrk="0" hangingPunct="1">
+              <a:lnSpc>
+                <a:spcPct val="120000"/>
+              </a:lnSpc>
+              <a:spcBef>
+                <a:spcPts val="500"/>
+              </a:spcBef>
+              <a:buFont typeface="Arial" panose="020B0604020202020204" pitchFamily="34" charset="0"/>
+              <a:buChar char="•"/>
+              <a:defRPr sz="1200" kern="1200">
+                <a:solidFill>
+                  <a:schemeClr val="tx1"/>
+                </a:solidFill>
+                <a:latin typeface="+mn-lt"/>
+                <a:ea typeface="+mn-ea"/>
+                <a:cs typeface="+mn-cs"/>
+              </a:defRPr>
+            </a:lvl5pPr>
+            <a:lvl6pPr marL="2514600" indent="-228600" algn="l" defTabSz="914400" rtl="0" eaLnBrk="1" latinLnBrk="0" hangingPunct="1">
+              <a:lnSpc>
+                <a:spcPct val="90000"/>
+              </a:lnSpc>
+              <a:spcBef>
+                <a:spcPts val="500"/>
+              </a:spcBef>
+              <a:buFont typeface="Arial" panose="020B0604020202020204" pitchFamily="34" charset="0"/>
+              <a:buChar char="•"/>
+              <a:defRPr sz="1800" kern="1200">
+                <a:solidFill>
+                  <a:schemeClr val="tx1"/>
+                </a:solidFill>
+                <a:latin typeface="+mn-lt"/>
+                <a:ea typeface="+mn-ea"/>
+                <a:cs typeface="+mn-cs"/>
+              </a:defRPr>
+            </a:lvl6pPr>
+            <a:lvl7pPr marL="2971800" indent="-228600" algn="l" defTabSz="914400" rtl="0" eaLnBrk="1" latinLnBrk="0" hangingPunct="1">
+              <a:lnSpc>
+                <a:spcPct val="90000"/>
+              </a:lnSpc>
+              <a:spcBef>
+                <a:spcPts val="500"/>
+              </a:spcBef>
+              <a:buFont typeface="Arial" panose="020B0604020202020204" pitchFamily="34" charset="0"/>
+              <a:buChar char="•"/>
+              <a:defRPr sz="1800" kern="1200">
+                <a:solidFill>
+                  <a:schemeClr val="tx1"/>
+                </a:solidFill>
+                <a:latin typeface="+mn-lt"/>
+                <a:ea typeface="+mn-ea"/>
+                <a:cs typeface="+mn-cs"/>
+              </a:defRPr>
+            </a:lvl7pPr>
+            <a:lvl8pPr marL="3429000" indent="-228600" algn="l" defTabSz="914400" rtl="0" eaLnBrk="1" latinLnBrk="0" hangingPunct="1">
+              <a:lnSpc>
+                <a:spcPct val="90000"/>
+              </a:lnSpc>
+              <a:spcBef>
+                <a:spcPts val="500"/>
+              </a:spcBef>
+              <a:buFont typeface="Arial" panose="020B0604020202020204" pitchFamily="34" charset="0"/>
+              <a:buChar char="•"/>
+              <a:defRPr sz="1800" kern="1200">
+                <a:solidFill>
+                  <a:schemeClr val="tx1"/>
+                </a:solidFill>
+                <a:latin typeface="+mn-lt"/>
+                <a:ea typeface="+mn-ea"/>
+                <a:cs typeface="+mn-cs"/>
+              </a:defRPr>
+            </a:lvl8pPr>
+            <a:lvl9pPr marL="3886200" indent="-228600" algn="l" defTabSz="914400" rtl="0" eaLnBrk="1" latinLnBrk="0" hangingPunct="1">
+              <a:lnSpc>
+                <a:spcPct val="90000"/>
+              </a:lnSpc>
+              <a:spcBef>
+                <a:spcPts val="500"/>
+              </a:spcBef>
+              <a:buFont typeface="Arial" panose="020B0604020202020204" pitchFamily="34" charset="0"/>
+              <a:buChar char="•"/>
+              <a:defRPr sz="1800" kern="1200">
+                <a:solidFill>
+                  <a:schemeClr val="tx1"/>
+                </a:solidFill>
+                <a:latin typeface="+mn-lt"/>
+                <a:ea typeface="+mn-ea"/>
+                <a:cs typeface="+mn-cs"/>
+              </a:defRPr>
+            </a:lvl9pPr>
+          </a:lstStyle>
+          <a:p>
+            <a:pPr marL="0" indent="0" algn="ctr">
+              <a:buNone/>
+            </a:pPr>
+            <a:r>
+              <a:rPr lang="de-DE" b="1" dirty="0"/>
+              <a:t>Berechnet</a:t>
+            </a:r>
+            <a:endParaRPr lang="de-CH" b="1" dirty="0"/>
+          </a:p>
+        </p:txBody>
+      </p:sp>
+      <p:sp>
+        <p:nvSpPr>
+          <p:cNvPr id="10" name="Inhaltsplatzhalter 2">
+            <a:extLst>
+              <a:ext uri="{FF2B5EF4-FFF2-40B4-BE49-F238E27FC236}">
+                <a16:creationId xmlns:a16="http://schemas.microsoft.com/office/drawing/2014/main" id="{F19D36C0-997F-DB86-D344-AC7270EBFF85}"/>
+              </a:ext>
+            </a:extLst>
+          </p:cNvPr>
+          <p:cNvSpPr txBox="1">
+            <a:spLocks/>
+          </p:cNvSpPr>
+          <p:nvPr/>
+        </p:nvSpPr>
+        <p:spPr>
+          <a:xfrm>
+            <a:off x="5939437" y="5725993"/>
+            <a:ext cx="5400410" cy="583365"/>
+          </a:xfrm>
+          <a:prstGeom prst="rect">
+            <a:avLst/>
+          </a:prstGeom>
+        </p:spPr>
+        <p:txBody>
+          <a:bodyPr vert="horz" lIns="91440" tIns="45720" rIns="91440" bIns="45720" rtlCol="0">
+            <a:normAutofit/>
+          </a:bodyPr>
+          <a:lstStyle>
+            <a:lvl1pPr marL="228600" indent="-228600" algn="l" defTabSz="914400" rtl="0" eaLnBrk="1" latinLnBrk="0" hangingPunct="1">
+              <a:lnSpc>
+                <a:spcPct val="120000"/>
+              </a:lnSpc>
+              <a:spcBef>
+                <a:spcPts val="1000"/>
+              </a:spcBef>
+              <a:buFont typeface="Arial" panose="020B0604020202020204" pitchFamily="34" charset="0"/>
+              <a:buChar char="•"/>
+              <a:defRPr sz="2000" kern="1200">
+                <a:solidFill>
+                  <a:schemeClr val="tx1"/>
+                </a:solidFill>
+                <a:latin typeface="+mn-lt"/>
+                <a:ea typeface="+mn-ea"/>
+                <a:cs typeface="+mn-cs"/>
+              </a:defRPr>
+            </a:lvl1pPr>
+            <a:lvl2pPr marL="457200" indent="-228600" algn="l" defTabSz="914400" rtl="0" eaLnBrk="1" latinLnBrk="0" hangingPunct="1">
+              <a:lnSpc>
+                <a:spcPct val="120000"/>
+              </a:lnSpc>
+              <a:spcBef>
+                <a:spcPts val="500"/>
+              </a:spcBef>
+              <a:buFont typeface="Arial" panose="020B0604020202020204" pitchFamily="34" charset="0"/>
+              <a:buChar char="•"/>
+              <a:defRPr sz="1800" kern="1200">
+                <a:solidFill>
+                  <a:schemeClr val="tx1"/>
+                </a:solidFill>
+                <a:latin typeface="+mn-lt"/>
+                <a:ea typeface="+mn-ea"/>
+                <a:cs typeface="+mn-cs"/>
+              </a:defRPr>
+            </a:lvl2pPr>
+            <a:lvl3pPr marL="685800" indent="-228600" algn="l" defTabSz="914400" rtl="0" eaLnBrk="1" latinLnBrk="0" hangingPunct="1">
+              <a:lnSpc>
+                <a:spcPct val="120000"/>
+              </a:lnSpc>
+              <a:spcBef>
+                <a:spcPts val="500"/>
+              </a:spcBef>
+              <a:buFont typeface="Arial" panose="020B0604020202020204" pitchFamily="34" charset="0"/>
+              <a:buChar char="•"/>
+              <a:defRPr sz="1600" kern="1200">
+                <a:solidFill>
+                  <a:schemeClr val="tx1"/>
+                </a:solidFill>
+                <a:latin typeface="+mn-lt"/>
+                <a:ea typeface="+mn-ea"/>
+                <a:cs typeface="+mn-cs"/>
+              </a:defRPr>
+            </a:lvl3pPr>
+            <a:lvl4pPr marL="914400" indent="-228600" algn="l" defTabSz="914400" rtl="0" eaLnBrk="1" latinLnBrk="0" hangingPunct="1">
+              <a:lnSpc>
+                <a:spcPct val="120000"/>
+              </a:lnSpc>
+              <a:spcBef>
+                <a:spcPts val="500"/>
+              </a:spcBef>
+              <a:buFont typeface="Arial" panose="020B0604020202020204" pitchFamily="34" charset="0"/>
+              <a:buChar char="•"/>
+              <a:defRPr sz="1400" kern="1200">
+                <a:solidFill>
+                  <a:schemeClr val="tx1"/>
+                </a:solidFill>
+                <a:latin typeface="+mn-lt"/>
+                <a:ea typeface="+mn-ea"/>
+                <a:cs typeface="+mn-cs"/>
+              </a:defRPr>
+            </a:lvl4pPr>
+            <a:lvl5pPr marL="1143000" indent="-228600" algn="l" defTabSz="914400" rtl="0" eaLnBrk="1" latinLnBrk="0" hangingPunct="1">
+              <a:lnSpc>
+                <a:spcPct val="120000"/>
+              </a:lnSpc>
+              <a:spcBef>
+                <a:spcPts val="500"/>
+              </a:spcBef>
+              <a:buFont typeface="Arial" panose="020B0604020202020204" pitchFamily="34" charset="0"/>
+              <a:buChar char="•"/>
+              <a:defRPr sz="1200" kern="1200">
+                <a:solidFill>
+                  <a:schemeClr val="tx1"/>
+                </a:solidFill>
+                <a:latin typeface="+mn-lt"/>
+                <a:ea typeface="+mn-ea"/>
+                <a:cs typeface="+mn-cs"/>
+              </a:defRPr>
+            </a:lvl5pPr>
+            <a:lvl6pPr marL="2514600" indent="-228600" algn="l" defTabSz="914400" rtl="0" eaLnBrk="1" latinLnBrk="0" hangingPunct="1">
+              <a:lnSpc>
+                <a:spcPct val="90000"/>
+              </a:lnSpc>
+              <a:spcBef>
+                <a:spcPts val="500"/>
+              </a:spcBef>
+              <a:buFont typeface="Arial" panose="020B0604020202020204" pitchFamily="34" charset="0"/>
+              <a:buChar char="•"/>
+              <a:defRPr sz="1800" kern="1200">
+                <a:solidFill>
+                  <a:schemeClr val="tx1"/>
+                </a:solidFill>
+                <a:latin typeface="+mn-lt"/>
+                <a:ea typeface="+mn-ea"/>
+                <a:cs typeface="+mn-cs"/>
+              </a:defRPr>
+            </a:lvl6pPr>
+            <a:lvl7pPr marL="2971800" indent="-228600" algn="l" defTabSz="914400" rtl="0" eaLnBrk="1" latinLnBrk="0" hangingPunct="1">
+              <a:lnSpc>
+                <a:spcPct val="90000"/>
+              </a:lnSpc>
+              <a:spcBef>
+                <a:spcPts val="500"/>
+              </a:spcBef>
+              <a:buFont typeface="Arial" panose="020B0604020202020204" pitchFamily="34" charset="0"/>
+              <a:buChar char="•"/>
+              <a:defRPr sz="1800" kern="1200">
+                <a:solidFill>
+                  <a:schemeClr val="tx1"/>
+                </a:solidFill>
+                <a:latin typeface="+mn-lt"/>
+                <a:ea typeface="+mn-ea"/>
+                <a:cs typeface="+mn-cs"/>
+              </a:defRPr>
+            </a:lvl7pPr>
+            <a:lvl8pPr marL="3429000" indent="-228600" algn="l" defTabSz="914400" rtl="0" eaLnBrk="1" latinLnBrk="0" hangingPunct="1">
+              <a:lnSpc>
+                <a:spcPct val="90000"/>
+              </a:lnSpc>
+              <a:spcBef>
+                <a:spcPts val="500"/>
+              </a:spcBef>
+              <a:buFont typeface="Arial" panose="020B0604020202020204" pitchFamily="34" charset="0"/>
+              <a:buChar char="•"/>
+              <a:defRPr sz="1800" kern="1200">
+                <a:solidFill>
+                  <a:schemeClr val="tx1"/>
+                </a:solidFill>
+                <a:latin typeface="+mn-lt"/>
+                <a:ea typeface="+mn-ea"/>
+                <a:cs typeface="+mn-cs"/>
+              </a:defRPr>
+            </a:lvl8pPr>
+            <a:lvl9pPr marL="3886200" indent="-228600" algn="l" defTabSz="914400" rtl="0" eaLnBrk="1" latinLnBrk="0" hangingPunct="1">
+              <a:lnSpc>
+                <a:spcPct val="90000"/>
+              </a:lnSpc>
+              <a:spcBef>
+                <a:spcPts val="500"/>
+              </a:spcBef>
+              <a:buFont typeface="Arial" panose="020B0604020202020204" pitchFamily="34" charset="0"/>
+              <a:buChar char="•"/>
+              <a:defRPr sz="1800" kern="1200">
+                <a:solidFill>
+                  <a:schemeClr val="tx1"/>
+                </a:solidFill>
+                <a:latin typeface="+mn-lt"/>
+                <a:ea typeface="+mn-ea"/>
+                <a:cs typeface="+mn-cs"/>
+              </a:defRPr>
+            </a:lvl9pPr>
+          </a:lstStyle>
+          <a:p>
+            <a:pPr marL="0" indent="0" algn="ctr">
+              <a:buNone/>
+            </a:pPr>
+            <a:r>
+              <a:rPr lang="de-DE" b="1" dirty="0"/>
+              <a:t>Gemessen</a:t>
+            </a:r>
+            <a:endParaRPr lang="de-CH" b="1" dirty="0"/>
+          </a:p>
+        </p:txBody>
+      </p:sp>
+      <p:sp>
+        <p:nvSpPr>
+          <p:cNvPr id="4" name="Foliennummernplatzhalter 3">
+            <a:extLst>
+              <a:ext uri="{FF2B5EF4-FFF2-40B4-BE49-F238E27FC236}">
+                <a16:creationId xmlns:a16="http://schemas.microsoft.com/office/drawing/2014/main" id="{A81FC0BB-5996-D018-EADB-03BADF1CCB34}"/>
+              </a:ext>
+            </a:extLst>
+          </p:cNvPr>
+          <p:cNvSpPr>
+            <a:spLocks noGrp="1"/>
+          </p:cNvSpPr>
+          <p:nvPr>
+            <p:ph type="sldNum" sz="quarter" idx="12"/>
+          </p:nvPr>
+        </p:nvSpPr>
+        <p:spPr/>
+        <p:txBody>
+          <a:bodyPr/>
+          <a:lstStyle/>
+          <a:p>
+            <a:fld id="{FA4FCA09-A334-4A38-8A78-E51DCD588AB3}" type="slidenum">
+              <a:rPr lang="en-US" smtClean="0"/>
+              <a:t>14</a:t>
+            </a:fld>
+            <a:endParaRPr lang="en-US"/>
+          </a:p>
+        </p:txBody>
+      </p:sp>
+    </p:spTree>
+    <p:extLst>
+      <p:ext uri="{BB962C8B-B14F-4D97-AF65-F5344CB8AC3E}">
+        <p14:creationId xmlns:p14="http://schemas.microsoft.com/office/powerpoint/2010/main" val="2364098664"/>
+      </p:ext>
+    </p:extLst>
+  </p:cSld>
+  <p:clrMapOvr>
+    <a:masterClrMapping/>
+  </p:clrMapOvr>
+</p:sld>
+</file>
+
+<file path=ppt/slides/slide15.xml><?xml version="1.0" encoding="utf-8"?>
+<p:sld xmlns:a="http://schemas.openxmlformats.org/drawingml/2006/main" xmlns:r="http://schemas.openxmlformats.org/officeDocument/2006/relationships" xmlns:p="http://schemas.openxmlformats.org/presentationml/2006/main">
+  <p:cSld>
+    <p:spTree>
+      <p:nvGrpSpPr>
+        <p:cNvPr id="1" name=""/>
+        <p:cNvGrpSpPr/>
+        <p:nvPr/>
+      </p:nvGrpSpPr>
+      <p:grpSpPr>
+        <a:xfrm>
+          <a:off x="0" y="0"/>
+          <a:ext cx="0" cy="0"/>
+          <a:chOff x="0" y="0"/>
+          <a:chExt cx="0" cy="0"/>
+        </a:xfrm>
+      </p:grpSpPr>
+      <p:sp>
+        <p:nvSpPr>
+          <p:cNvPr id="2" name="Titel 1">
+            <a:extLst>
+              <a:ext uri="{FF2B5EF4-FFF2-40B4-BE49-F238E27FC236}">
+                <a16:creationId xmlns:a16="http://schemas.microsoft.com/office/drawing/2014/main" id="{EC1FE7EE-7E78-7201-9C9F-49AC28E9D93F}"/>
+              </a:ext>
+            </a:extLst>
+          </p:cNvPr>
+          <p:cNvSpPr>
+            <a:spLocks noGrp="1"/>
+          </p:cNvSpPr>
+          <p:nvPr>
+            <p:ph type="title"/>
+          </p:nvPr>
+        </p:nvSpPr>
+        <p:spPr/>
+        <p:txBody>
+          <a:bodyPr/>
+          <a:lstStyle/>
+          <a:p>
+            <a:r>
+              <a:rPr lang="de-DE" dirty="0"/>
+              <a:t>Resultate</a:t>
+            </a:r>
+            <a:br>
+              <a:rPr lang="de-DE" dirty="0"/>
+            </a:br>
+            <a:r>
+              <a:rPr lang="de-DE" dirty="0">
+                <a:solidFill>
+                  <a:schemeClr val="bg1">
+                    <a:lumMod val="65000"/>
+                  </a:schemeClr>
+                </a:solidFill>
+              </a:rPr>
+              <a:t>Mikrofon</a:t>
+            </a:r>
+            <a:endParaRPr lang="de-CH" dirty="0">
+              <a:solidFill>
+                <a:schemeClr val="bg1">
+                  <a:lumMod val="65000"/>
+                </a:schemeClr>
+              </a:solidFill>
+            </a:endParaRPr>
           </a:p>
         </p:txBody>
       </p:sp>
@@ -21178,8 +22930,8 @@
         </p:blipFill>
         <p:spPr>
           <a:xfrm>
-            <a:off x="6244678" y="1624228"/>
-            <a:ext cx="5701115" cy="4889775"/>
+            <a:off x="6244679" y="1740150"/>
+            <a:ext cx="5632031" cy="4830523"/>
           </a:xfrm>
         </p:spPr>
       </p:pic>
@@ -21205,7 +22957,7 @@
         </p:blipFill>
         <p:spPr>
           <a:xfrm>
-            <a:off x="612647" y="1567558"/>
+            <a:off x="612648" y="1680898"/>
             <a:ext cx="5632031" cy="4889775"/>
           </a:xfrm>
           <a:prstGeom prst="rect">
@@ -21284,10 +23036,80 @@
           </a:p>
         </p:txBody>
       </p:sp>
+      <p:sp>
+        <p:nvSpPr>
+          <p:cNvPr id="4" name="Textfeld 3">
+            <a:extLst>
+              <a:ext uri="{FF2B5EF4-FFF2-40B4-BE49-F238E27FC236}">
+                <a16:creationId xmlns:a16="http://schemas.microsoft.com/office/drawing/2014/main" id="{4F1DC9AF-5412-54DA-4CDC-B892C1EE10F2}"/>
+              </a:ext>
+            </a:extLst>
+          </p:cNvPr>
+          <p:cNvSpPr txBox="1"/>
+          <p:nvPr/>
+        </p:nvSpPr>
+        <p:spPr>
+          <a:xfrm>
+            <a:off x="4264928" y="2505379"/>
+            <a:ext cx="1831072" cy="307777"/>
+          </a:xfrm>
+          <a:prstGeom prst="rect">
+            <a:avLst/>
+          </a:prstGeom>
+          <a:noFill/>
+        </p:spPr>
+        <p:txBody>
+          <a:bodyPr wrap="square" rtlCol="0">
+            <a:spAutoFit/>
+          </a:bodyPr>
+          <a:lstStyle/>
+          <a:p>
+            <a:pPr algn="ctr"/>
+            <a:r>
+              <a:rPr lang="de-CH" sz="1400" dirty="0">
+                <a:latin typeface="Arial Narrow" panose="020B0606020202030204" pitchFamily="34" charset="0"/>
+              </a:rPr>
+              <a:t>Helmholtz-Effekt</a:t>
+            </a:r>
+            <a:endParaRPr lang="de-CH" dirty="0">
+              <a:latin typeface="Arial Narrow" panose="020B0606020202030204" pitchFamily="34" charset="0"/>
+            </a:endParaRPr>
+          </a:p>
+        </p:txBody>
+      </p:sp>
+      <p:sp>
+        <p:nvSpPr>
+          <p:cNvPr id="6" name="Foliennummernplatzhalter 5">
+            <a:extLst>
+              <a:ext uri="{FF2B5EF4-FFF2-40B4-BE49-F238E27FC236}">
+                <a16:creationId xmlns:a16="http://schemas.microsoft.com/office/drawing/2014/main" id="{D36F8151-2DE1-72FD-8C26-9D35B438D455}"/>
+              </a:ext>
+            </a:extLst>
+          </p:cNvPr>
+          <p:cNvSpPr>
+            <a:spLocks noGrp="1"/>
+          </p:cNvSpPr>
+          <p:nvPr>
+            <p:ph type="sldNum" sz="quarter" idx="12"/>
+          </p:nvPr>
+        </p:nvSpPr>
+        <p:spPr/>
+        <p:txBody>
+          <a:bodyPr/>
+          <a:lstStyle/>
+          <a:p>
+            <a:fld id="{FA4FCA09-A334-4A38-8A78-E51DCD588AB3}" type="slidenum">
+              <a:rPr lang="en-US" smtClean="0"/>
+              <a:t>15</a:t>
+            </a:fld>
+            <a:endParaRPr lang="en-US"/>
+          </a:p>
+        </p:txBody>
+      </p:sp>
     </p:spTree>
     <p:extLst>
       <p:ext uri="{BB962C8B-B14F-4D97-AF65-F5344CB8AC3E}">
-        <p14:creationId xmlns:p14="http://schemas.microsoft.com/office/powerpoint/2010/main" val="3465270031"/>
+        <p14:creationId xmlns:p14="http://schemas.microsoft.com/office/powerpoint/2010/main" val="1439188682"/>
       </p:ext>
     </p:extLst>
   </p:cSld>
@@ -21297,7 +23119,7 @@
 </p:sld>
 </file>
 
-<file path=ppt/slides/slide13.xml><?xml version="1.0" encoding="utf-8"?>
+<file path=ppt/slides/slide16.xml><?xml version="1.0" encoding="utf-8"?>
 <p:sld xmlns:a="http://schemas.openxmlformats.org/drawingml/2006/main" xmlns:r="http://schemas.openxmlformats.org/officeDocument/2006/relationships" xmlns:p="http://schemas.openxmlformats.org/presentationml/2006/main">
   <p:cSld>
     <p:spTree>
@@ -21339,6 +23161,19 @@
               <a:rPr lang="de-DE" dirty="0"/>
               <a:t>Resultate</a:t>
             </a:r>
+            <a:br>
+              <a:rPr lang="de-DE" dirty="0"/>
+            </a:br>
+            <a:r>
+              <a:rPr lang="de-DE" dirty="0">
+                <a:solidFill>
+                  <a:schemeClr val="bg1">
+                    <a:lumMod val="65000"/>
+                  </a:schemeClr>
+                </a:solidFill>
+              </a:rPr>
+              <a:t>Mikrofon</a:t>
+            </a:r>
             <a:endParaRPr lang="de-CH" dirty="0"/>
           </a:p>
         </p:txBody>
@@ -21367,7 +23202,7 @@
         </p:blipFill>
         <p:spPr>
           <a:xfrm>
-            <a:off x="6123607" y="1278193"/>
+            <a:off x="6123608" y="1680898"/>
             <a:ext cx="5510960" cy="4864135"/>
           </a:xfrm>
         </p:spPr>
@@ -21394,7 +23229,7 @@
         </p:blipFill>
         <p:spPr>
           <a:xfrm>
-            <a:off x="612647" y="1278194"/>
+            <a:off x="612648" y="1680899"/>
             <a:ext cx="5510960" cy="4847303"/>
           </a:xfrm>
           <a:prstGeom prst="rect">
@@ -21473,6 +23308,35 @@
           </a:p>
         </p:txBody>
       </p:sp>
+      <p:sp>
+        <p:nvSpPr>
+          <p:cNvPr id="4" name="Foliennummernplatzhalter 3">
+            <a:extLst>
+              <a:ext uri="{FF2B5EF4-FFF2-40B4-BE49-F238E27FC236}">
+                <a16:creationId xmlns:a16="http://schemas.microsoft.com/office/drawing/2014/main" id="{1234C78C-DA5D-904D-3C0D-8354415592A8}"/>
+              </a:ext>
+            </a:extLst>
+          </p:cNvPr>
+          <p:cNvSpPr>
+            <a:spLocks noGrp="1"/>
+          </p:cNvSpPr>
+          <p:nvPr>
+            <p:ph type="sldNum" sz="quarter" idx="12"/>
+          </p:nvPr>
+        </p:nvSpPr>
+        <p:spPr/>
+        <p:txBody>
+          <a:bodyPr/>
+          <a:lstStyle/>
+          <a:p>
+            <a:fld id="{FA4FCA09-A334-4A38-8A78-E51DCD588AB3}" type="slidenum">
+              <a:rPr lang="en-US" smtClean="0"/>
+              <a:t>16</a:t>
+            </a:fld>
+            <a:endParaRPr lang="en-US"/>
+          </a:p>
+        </p:txBody>
+      </p:sp>
     </p:spTree>
     <p:extLst>
       <p:ext uri="{BB962C8B-B14F-4D97-AF65-F5344CB8AC3E}">
@@ -21486,7 +23350,7 @@
 </p:sld>
 </file>
 
-<file path=ppt/slides/slide14.xml><?xml version="1.0" encoding="utf-8"?>
+<file path=ppt/slides/slide17.xml><?xml version="1.0" encoding="utf-8"?>
 <p:sld xmlns:a="http://schemas.openxmlformats.org/drawingml/2006/main" xmlns:r="http://schemas.openxmlformats.org/officeDocument/2006/relationships" xmlns:p="http://schemas.openxmlformats.org/presentationml/2006/main">
   <p:cSld>
     <p:spTree>
@@ -21526,7 +23390,7 @@
           <a:p>
             <a:r>
               <a:rPr lang="de-DE" dirty="0"/>
-              <a:t>Probleme</a:t>
+              <a:t>Fallstricke</a:t>
             </a:r>
             <a:br>
               <a:rPr lang="de-DE" dirty="0"/>
@@ -21657,6 +23521,35 @@
           </a:p>
         </p:txBody>
       </p:sp>
+      <p:sp>
+        <p:nvSpPr>
+          <p:cNvPr id="3" name="Foliennummernplatzhalter 2">
+            <a:extLst>
+              <a:ext uri="{FF2B5EF4-FFF2-40B4-BE49-F238E27FC236}">
+                <a16:creationId xmlns:a16="http://schemas.microsoft.com/office/drawing/2014/main" id="{9DA37076-686F-CF57-84BF-DDDECAC42A8E}"/>
+              </a:ext>
+            </a:extLst>
+          </p:cNvPr>
+          <p:cNvSpPr>
+            <a:spLocks noGrp="1"/>
+          </p:cNvSpPr>
+          <p:nvPr>
+            <p:ph type="sldNum" sz="quarter" idx="12"/>
+          </p:nvPr>
+        </p:nvSpPr>
+        <p:spPr/>
+        <p:txBody>
+          <a:bodyPr/>
+          <a:lstStyle/>
+          <a:p>
+            <a:fld id="{FA4FCA09-A334-4A38-8A78-E51DCD588AB3}" type="slidenum">
+              <a:rPr lang="en-US" smtClean="0"/>
+              <a:t>17</a:t>
+            </a:fld>
+            <a:endParaRPr lang="en-US"/>
+          </a:p>
+        </p:txBody>
+      </p:sp>
     </p:spTree>
     <p:extLst>
       <p:ext uri="{BB962C8B-B14F-4D97-AF65-F5344CB8AC3E}">
@@ -21670,7 +23563,7 @@
 </p:sld>
 </file>
 
-<file path=ppt/slides/slide15.xml><?xml version="1.0" encoding="utf-8"?>
+<file path=ppt/slides/slide18.xml><?xml version="1.0" encoding="utf-8"?>
 <p:sld xmlns:a="http://schemas.openxmlformats.org/drawingml/2006/main" xmlns:r="http://schemas.openxmlformats.org/officeDocument/2006/relationships" xmlns:p="http://schemas.openxmlformats.org/presentationml/2006/main">
   <p:cSld>
     <p:spTree>
@@ -21710,7 +23603,7 @@
           <a:p>
             <a:r>
               <a:rPr lang="de-DE" dirty="0"/>
-              <a:t>Probleme</a:t>
+              <a:t>Fallstricke</a:t>
             </a:r>
             <a:br>
               <a:rPr lang="de-DE" dirty="0"/>
@@ -21888,6 +23781,35 @@
           </a:p>
         </p:txBody>
       </p:sp>
+      <p:sp>
+        <p:nvSpPr>
+          <p:cNvPr id="3" name="Foliennummernplatzhalter 2">
+            <a:extLst>
+              <a:ext uri="{FF2B5EF4-FFF2-40B4-BE49-F238E27FC236}">
+                <a16:creationId xmlns:a16="http://schemas.microsoft.com/office/drawing/2014/main" id="{288F0E40-541D-B7F6-1E69-71BB22C3347D}"/>
+              </a:ext>
+            </a:extLst>
+          </p:cNvPr>
+          <p:cNvSpPr>
+            <a:spLocks noGrp="1"/>
+          </p:cNvSpPr>
+          <p:nvPr>
+            <p:ph type="sldNum" sz="quarter" idx="12"/>
+          </p:nvPr>
+        </p:nvSpPr>
+        <p:spPr/>
+        <p:txBody>
+          <a:bodyPr/>
+          <a:lstStyle/>
+          <a:p>
+            <a:fld id="{FA4FCA09-A334-4A38-8A78-E51DCD588AB3}" type="slidenum">
+              <a:rPr lang="en-US" smtClean="0"/>
+              <a:t>18</a:t>
+            </a:fld>
+            <a:endParaRPr lang="en-US"/>
+          </a:p>
+        </p:txBody>
+      </p:sp>
     </p:spTree>
     <p:extLst>
       <p:ext uri="{BB962C8B-B14F-4D97-AF65-F5344CB8AC3E}">
@@ -21901,7 +23823,7 @@
 </p:sld>
 </file>
 
-<file path=ppt/slides/slide16.xml><?xml version="1.0" encoding="utf-8"?>
+<file path=ppt/slides/slide19.xml><?xml version="1.0" encoding="utf-8"?>
 <p:sld xmlns:a="http://schemas.openxmlformats.org/drawingml/2006/main" xmlns:r="http://schemas.openxmlformats.org/officeDocument/2006/relationships" xmlns:p="http://schemas.openxmlformats.org/presentationml/2006/main">
   <p:cSld>
     <p:spTree>
@@ -21967,6 +23889,12 @@
         <p:txBody>
           <a:bodyPr/>
           <a:lstStyle/>
+          <a:p>
+            <a:r>
+              <a:rPr lang="de-DE" dirty="0"/>
+              <a:t>Ziele wurden erreicht</a:t>
+            </a:r>
+          </a:p>
           <a:p>
             <a:r>
               <a:rPr lang="de-DE" dirty="0"/>
@@ -22107,6 +24035,35 @@
           </a:prstGeom>
         </p:spPr>
       </p:pic>
+      <p:sp>
+        <p:nvSpPr>
+          <p:cNvPr id="5" name="Foliennummernplatzhalter 4">
+            <a:extLst>
+              <a:ext uri="{FF2B5EF4-FFF2-40B4-BE49-F238E27FC236}">
+                <a16:creationId xmlns:a16="http://schemas.microsoft.com/office/drawing/2014/main" id="{6B0A46C4-63C0-2BFA-D1B5-13BDA13B0C1F}"/>
+              </a:ext>
+            </a:extLst>
+          </p:cNvPr>
+          <p:cNvSpPr>
+            <a:spLocks noGrp="1"/>
+          </p:cNvSpPr>
+          <p:nvPr>
+            <p:ph type="sldNum" sz="quarter" idx="12"/>
+          </p:nvPr>
+        </p:nvSpPr>
+        <p:spPr/>
+        <p:txBody>
+          <a:bodyPr/>
+          <a:lstStyle/>
+          <a:p>
+            <a:fld id="{FA4FCA09-A334-4A38-8A78-E51DCD588AB3}" type="slidenum">
+              <a:rPr lang="en-US" smtClean="0"/>
+              <a:t>19</a:t>
+            </a:fld>
+            <a:endParaRPr lang="en-US"/>
+          </a:p>
+        </p:txBody>
+      </p:sp>
     </p:spTree>
     <p:extLst>
       <p:ext uri="{BB962C8B-B14F-4D97-AF65-F5344CB8AC3E}">
@@ -22120,7 +24077,220 @@
 </p:sld>
 </file>
 
-<file path=ppt/slides/slide17.xml><?xml version="1.0" encoding="utf-8"?>
+<file path=ppt/slides/slide2.xml><?xml version="1.0" encoding="utf-8"?>
+<p:sld xmlns:a="http://schemas.openxmlformats.org/drawingml/2006/main" xmlns:r="http://schemas.openxmlformats.org/officeDocument/2006/relationships" xmlns:p="http://schemas.openxmlformats.org/presentationml/2006/main">
+  <p:cSld>
+    <p:bg>
+      <p:bgPr>
+        <a:solidFill>
+          <a:schemeClr val="bg1"/>
+        </a:solidFill>
+        <a:effectLst/>
+      </p:bgPr>
+    </p:bg>
+    <p:spTree>
+      <p:nvGrpSpPr>
+        <p:cNvPr id="1" name=""/>
+        <p:cNvGrpSpPr/>
+        <p:nvPr/>
+      </p:nvGrpSpPr>
+      <p:grpSpPr>
+        <a:xfrm>
+          <a:off x="0" y="0"/>
+          <a:ext cx="0" cy="0"/>
+          <a:chOff x="0" y="0"/>
+          <a:chExt cx="0" cy="0"/>
+        </a:xfrm>
+      </p:grpSpPr>
+      <p:sp>
+        <p:nvSpPr>
+          <p:cNvPr id="16" name="Rectangle 13">
+            <a:extLst>
+              <a:ext uri="{FF2B5EF4-FFF2-40B4-BE49-F238E27FC236}">
+                <a16:creationId xmlns:a16="http://schemas.microsoft.com/office/drawing/2014/main" id="{353CF00F-82D0-0DBA-75D5-1D01B4526C68}"/>
+              </a:ext>
+              <a:ext uri="{C183D7F6-B498-43B3-948B-1728B52AA6E4}">
+                <adec:decorative xmlns:adec="http://schemas.microsoft.com/office/drawing/2017/decorative" val="1"/>
+              </a:ext>
+            </a:extLst>
+          </p:cNvPr>
+          <p:cNvSpPr>
+            <a:spLocks noGrp="1" noRot="1" noChangeAspect="1" noMove="1" noResize="1" noEditPoints="1" noAdjustHandles="1" noChangeArrowheads="1" noChangeShapeType="1" noTextEdit="1"/>
+          </p:cNvSpPr>
+          <p:nvPr>
+            <p:extLst>
+              <p:ext uri="{386F3935-93C4-4BCD-93E2-E3B085C9AB24}">
+                <p16:designElem xmlns:p16="http://schemas.microsoft.com/office/powerpoint/2015/main" val="1"/>
+              </p:ext>
+            </p:extLst>
+          </p:nvPr>
+        </p:nvSpPr>
+        <p:spPr>
+          <a:xfrm>
+            <a:off x="0" y="0"/>
+            <a:ext cx="12192000" cy="6858000"/>
+          </a:xfrm>
+          <a:prstGeom prst="rect">
+            <a:avLst/>
+          </a:prstGeom>
+          <a:solidFill>
+            <a:schemeClr val="bg1"/>
+          </a:solidFill>
+          <a:ln w="12700" cap="flat" cmpd="sng" algn="ctr">
+            <a:noFill/>
+            <a:prstDash val="solid"/>
+            <a:miter lim="800000"/>
+          </a:ln>
+          <a:effectLst/>
+          <a:extLst>
+            <a:ext uri="{91240B29-F687-4F45-9708-019B960494DF}">
+              <a14:hiddenLine xmlns:a14="http://schemas.microsoft.com/office/drawing/2010/main" w="12700" cap="flat" cmpd="sng" algn="ctr">
+                <a:solidFill>
+                  <a:schemeClr val="accent1">
+                    <a:shade val="15000"/>
+                  </a:schemeClr>
+                </a:solidFill>
+                <a:prstDash val="solid"/>
+                <a:miter lim="800000"/>
+              </a14:hiddenLine>
+            </a:ext>
+          </a:extLst>
+        </p:spPr>
+        <p:style>
+          <a:lnRef idx="2">
+            <a:schemeClr val="accent1">
+              <a:shade val="15000"/>
+            </a:schemeClr>
+          </a:lnRef>
+          <a:fillRef idx="1">
+            <a:schemeClr val="accent1"/>
+          </a:fillRef>
+          <a:effectRef idx="0">
+            <a:schemeClr val="accent1"/>
+          </a:effectRef>
+          <a:fontRef idx="minor">
+            <a:schemeClr val="lt1"/>
+          </a:fontRef>
+        </p:style>
+        <p:txBody>
+          <a:bodyPr rtlCol="0" anchor="ctr"/>
+          <a:lstStyle/>
+          <a:p>
+            <a:pPr algn="ctr"/>
+            <a:endParaRPr lang="en-US" dirty="0"/>
+          </a:p>
+        </p:txBody>
+      </p:sp>
+      <p:sp>
+        <p:nvSpPr>
+          <p:cNvPr id="2" name="Titel 1">
+            <a:extLst>
+              <a:ext uri="{FF2B5EF4-FFF2-40B4-BE49-F238E27FC236}">
+                <a16:creationId xmlns:a16="http://schemas.microsoft.com/office/drawing/2014/main" id="{076D7296-2D45-EEE2-C4C3-A33212718E6D}"/>
+              </a:ext>
+            </a:extLst>
+          </p:cNvPr>
+          <p:cNvSpPr>
+            <a:spLocks noGrp="1"/>
+          </p:cNvSpPr>
+          <p:nvPr>
+            <p:ph type="title"/>
+          </p:nvPr>
+        </p:nvSpPr>
+        <p:spPr>
+          <a:xfrm>
+            <a:off x="612648" y="548640"/>
+            <a:ext cx="10945037" cy="1133856"/>
+          </a:xfrm>
+        </p:spPr>
+        <p:txBody>
+          <a:bodyPr anchor="t">
+            <a:normAutofit/>
+          </a:bodyPr>
+          <a:lstStyle/>
+          <a:p>
+            <a:r>
+              <a:rPr lang="de-DE" dirty="0"/>
+              <a:t>Ablauf</a:t>
+            </a:r>
+            <a:endParaRPr lang="de-CH" dirty="0"/>
+          </a:p>
+        </p:txBody>
+      </p:sp>
+      <p:graphicFrame>
+        <p:nvGraphicFramePr>
+          <p:cNvPr id="5" name="Inhaltsplatzhalter 2">
+            <a:extLst>
+              <a:ext uri="{FF2B5EF4-FFF2-40B4-BE49-F238E27FC236}">
+                <a16:creationId xmlns:a16="http://schemas.microsoft.com/office/drawing/2014/main" id="{0725848B-A7AB-447A-F097-2A6F623FA7C1}"/>
+              </a:ext>
+            </a:extLst>
+          </p:cNvPr>
+          <p:cNvGraphicFramePr>
+            <a:graphicFrameLocks noGrp="1"/>
+          </p:cNvGraphicFramePr>
+          <p:nvPr>
+            <p:ph idx="1"/>
+            <p:extLst>
+              <p:ext uri="{D42A27DB-BD31-4B8C-83A1-F6EECF244321}">
+                <p14:modId xmlns:p14="http://schemas.microsoft.com/office/powerpoint/2010/main" val="4160395302"/>
+              </p:ext>
+            </p:extLst>
+          </p:nvPr>
+        </p:nvGraphicFramePr>
+        <p:xfrm>
+          <a:off x="612648" y="1881051"/>
+          <a:ext cx="10945037" cy="4414354"/>
+        </p:xfrm>
+        <a:graphic>
+          <a:graphicData uri="http://schemas.openxmlformats.org/drawingml/2006/diagram">
+            <dgm:relIds xmlns:dgm="http://schemas.openxmlformats.org/drawingml/2006/diagram" xmlns:r="http://schemas.openxmlformats.org/officeDocument/2006/relationships" r:dm="rId2" r:lo="rId3" r:qs="rId4" r:cs="rId5"/>
+          </a:graphicData>
+        </a:graphic>
+      </p:graphicFrame>
+      <p:sp>
+        <p:nvSpPr>
+          <p:cNvPr id="3" name="Foliennummernplatzhalter 2">
+            <a:extLst>
+              <a:ext uri="{FF2B5EF4-FFF2-40B4-BE49-F238E27FC236}">
+                <a16:creationId xmlns:a16="http://schemas.microsoft.com/office/drawing/2014/main" id="{7BD4D52D-9D8F-F2E5-6DF9-1C941345735C}"/>
+              </a:ext>
+            </a:extLst>
+          </p:cNvPr>
+          <p:cNvSpPr>
+            <a:spLocks noGrp="1"/>
+          </p:cNvSpPr>
+          <p:nvPr>
+            <p:ph type="sldNum" sz="quarter" idx="12"/>
+          </p:nvPr>
+        </p:nvSpPr>
+        <p:spPr/>
+        <p:txBody>
+          <a:bodyPr/>
+          <a:lstStyle/>
+          <a:p>
+            <a:fld id="{FA4FCA09-A334-4A38-8A78-E51DCD588AB3}" type="slidenum">
+              <a:rPr lang="en-US" smtClean="0"/>
+              <a:t>2</a:t>
+            </a:fld>
+            <a:endParaRPr lang="en-US"/>
+          </a:p>
+        </p:txBody>
+      </p:sp>
+    </p:spTree>
+    <p:extLst>
+      <p:ext uri="{BB962C8B-B14F-4D97-AF65-F5344CB8AC3E}">
+        <p14:creationId xmlns:p14="http://schemas.microsoft.com/office/powerpoint/2010/main" val="2294292502"/>
+      </p:ext>
+    </p:extLst>
+  </p:cSld>
+  <p:clrMapOvr>
+    <a:masterClrMapping/>
+  </p:clrMapOvr>
+</p:sld>
+</file>
+
+<file path=ppt/slides/slide20.xml><?xml version="1.0" encoding="utf-8"?>
 <p:sld xmlns:a="http://schemas.openxmlformats.org/drawingml/2006/main" xmlns:r="http://schemas.openxmlformats.org/officeDocument/2006/relationships" xmlns:p="http://schemas.openxmlformats.org/presentationml/2006/main">
   <p:cSld>
     <p:bg>
@@ -22374,6 +24544,35 @@
           </a:p>
         </p:txBody>
       </p:sp>
+      <p:sp>
+        <p:nvSpPr>
+          <p:cNvPr id="2" name="Foliennummernplatzhalter 1">
+            <a:extLst>
+              <a:ext uri="{FF2B5EF4-FFF2-40B4-BE49-F238E27FC236}">
+                <a16:creationId xmlns:a16="http://schemas.microsoft.com/office/drawing/2014/main" id="{47A090EC-714D-BDB4-F64D-E078F99E63DA}"/>
+              </a:ext>
+            </a:extLst>
+          </p:cNvPr>
+          <p:cNvSpPr>
+            <a:spLocks noGrp="1"/>
+          </p:cNvSpPr>
+          <p:nvPr>
+            <p:ph type="sldNum" sz="quarter" idx="12"/>
+          </p:nvPr>
+        </p:nvSpPr>
+        <p:spPr/>
+        <p:txBody>
+          <a:bodyPr/>
+          <a:lstStyle/>
+          <a:p>
+            <a:fld id="{FA4FCA09-A334-4A38-8A78-E51DCD588AB3}" type="slidenum">
+              <a:rPr lang="en-US" smtClean="0"/>
+              <a:t>20</a:t>
+            </a:fld>
+            <a:endParaRPr lang="en-US"/>
+          </a:p>
+        </p:txBody>
+      </p:sp>
     </p:spTree>
     <p:extLst>
       <p:ext uri="{BB962C8B-B14F-4D97-AF65-F5344CB8AC3E}">
@@ -22387,7 +24586,7 @@
 </p:sld>
 </file>
 
-<file path=ppt/slides/slide18.xml><?xml version="1.0" encoding="utf-8"?>
+<file path=ppt/slides/slide21.xml><?xml version="1.0" encoding="utf-8"?>
 <p:sld xmlns:a="http://schemas.openxmlformats.org/drawingml/2006/main" xmlns:r="http://schemas.openxmlformats.org/officeDocument/2006/relationships" xmlns:p="http://schemas.openxmlformats.org/presentationml/2006/main">
   <p:cSld>
     <p:spTree>
@@ -22505,129 +24704,12 @@
           </a:p>
         </p:txBody>
       </p:sp>
-    </p:spTree>
-    <p:extLst>
-      <p:ext uri="{BB962C8B-B14F-4D97-AF65-F5344CB8AC3E}">
-        <p14:creationId xmlns:p14="http://schemas.microsoft.com/office/powerpoint/2010/main" val="2557689025"/>
-      </p:ext>
-    </p:extLst>
-  </p:cSld>
-  <p:clrMapOvr>
-    <a:masterClrMapping/>
-  </p:clrMapOvr>
-</p:sld>
-</file>
-
-<file path=ppt/slides/slide2.xml><?xml version="1.0" encoding="utf-8"?>
-<p:sld xmlns:a="http://schemas.openxmlformats.org/drawingml/2006/main" xmlns:r="http://schemas.openxmlformats.org/officeDocument/2006/relationships" xmlns:p="http://schemas.openxmlformats.org/presentationml/2006/main">
-  <p:cSld>
-    <p:bg>
-      <p:bgPr>
-        <a:solidFill>
-          <a:schemeClr val="bg1"/>
-        </a:solidFill>
-        <a:effectLst/>
-      </p:bgPr>
-    </p:bg>
-    <p:spTree>
-      <p:nvGrpSpPr>
-        <p:cNvPr id="1" name=""/>
-        <p:cNvGrpSpPr/>
-        <p:nvPr/>
-      </p:nvGrpSpPr>
-      <p:grpSpPr>
-        <a:xfrm>
-          <a:off x="0" y="0"/>
-          <a:ext cx="0" cy="0"/>
-          <a:chOff x="0" y="0"/>
-          <a:chExt cx="0" cy="0"/>
-        </a:xfrm>
-      </p:grpSpPr>
       <p:sp>
         <p:nvSpPr>
-          <p:cNvPr id="16" name="Rectangle 13">
+          <p:cNvPr id="4" name="Foliennummernplatzhalter 3">
             <a:extLst>
               <a:ext uri="{FF2B5EF4-FFF2-40B4-BE49-F238E27FC236}">
-                <a16:creationId xmlns:a16="http://schemas.microsoft.com/office/drawing/2014/main" id="{353CF00F-82D0-0DBA-75D5-1D01B4526C68}"/>
-              </a:ext>
-              <a:ext uri="{C183D7F6-B498-43B3-948B-1728B52AA6E4}">
-                <adec:decorative xmlns:adec="http://schemas.microsoft.com/office/drawing/2017/decorative" val="1"/>
-              </a:ext>
-            </a:extLst>
-          </p:cNvPr>
-          <p:cNvSpPr>
-            <a:spLocks noGrp="1" noRot="1" noChangeAspect="1" noMove="1" noResize="1" noEditPoints="1" noAdjustHandles="1" noChangeArrowheads="1" noChangeShapeType="1" noTextEdit="1"/>
-          </p:cNvSpPr>
-          <p:nvPr>
-            <p:extLst>
-              <p:ext uri="{386F3935-93C4-4BCD-93E2-E3B085C9AB24}">
-                <p16:designElem xmlns:p16="http://schemas.microsoft.com/office/powerpoint/2015/main" val="1"/>
-              </p:ext>
-            </p:extLst>
-          </p:nvPr>
-        </p:nvSpPr>
-        <p:spPr>
-          <a:xfrm>
-            <a:off x="0" y="0"/>
-            <a:ext cx="12192000" cy="6858000"/>
-          </a:xfrm>
-          <a:prstGeom prst="rect">
-            <a:avLst/>
-          </a:prstGeom>
-          <a:solidFill>
-            <a:schemeClr val="bg1"/>
-          </a:solidFill>
-          <a:ln w="12700" cap="flat" cmpd="sng" algn="ctr">
-            <a:noFill/>
-            <a:prstDash val="solid"/>
-            <a:miter lim="800000"/>
-          </a:ln>
-          <a:effectLst/>
-          <a:extLst>
-            <a:ext uri="{91240B29-F687-4F45-9708-019B960494DF}">
-              <a14:hiddenLine xmlns:a14="http://schemas.microsoft.com/office/drawing/2010/main" w="12700" cap="flat" cmpd="sng" algn="ctr">
-                <a:solidFill>
-                  <a:schemeClr val="accent1">
-                    <a:shade val="15000"/>
-                  </a:schemeClr>
-                </a:solidFill>
-                <a:prstDash val="solid"/>
-                <a:miter lim="800000"/>
-              </a14:hiddenLine>
-            </a:ext>
-          </a:extLst>
-        </p:spPr>
-        <p:style>
-          <a:lnRef idx="2">
-            <a:schemeClr val="accent1">
-              <a:shade val="15000"/>
-            </a:schemeClr>
-          </a:lnRef>
-          <a:fillRef idx="1">
-            <a:schemeClr val="accent1"/>
-          </a:fillRef>
-          <a:effectRef idx="0">
-            <a:schemeClr val="accent1"/>
-          </a:effectRef>
-          <a:fontRef idx="minor">
-            <a:schemeClr val="lt1"/>
-          </a:fontRef>
-        </p:style>
-        <p:txBody>
-          <a:bodyPr rtlCol="0" anchor="ctr"/>
-          <a:lstStyle/>
-          <a:p>
-            <a:pPr algn="ctr"/>
-            <a:endParaRPr lang="en-US" dirty="0"/>
-          </a:p>
-        </p:txBody>
-      </p:sp>
-      <p:sp>
-        <p:nvSpPr>
-          <p:cNvPr id="2" name="Titel 1">
-            <a:extLst>
-              <a:ext uri="{FF2B5EF4-FFF2-40B4-BE49-F238E27FC236}">
-                <a16:creationId xmlns:a16="http://schemas.microsoft.com/office/drawing/2014/main" id="{076D7296-2D45-EEE2-C4C3-A33212718E6D}"/>
+                <a16:creationId xmlns:a16="http://schemas.microsoft.com/office/drawing/2014/main" id="{63D2C9B5-3A14-9F5E-31F8-6AFD675AB493}"/>
               </a:ext>
             </a:extLst>
           </p:cNvPr>
@@ -22635,64 +24717,26 @@
             <a:spLocks noGrp="1"/>
           </p:cNvSpPr>
           <p:nvPr>
-            <p:ph type="title"/>
+            <p:ph type="sldNum" sz="quarter" idx="12"/>
           </p:nvPr>
         </p:nvSpPr>
-        <p:spPr>
-          <a:xfrm>
-            <a:off x="612648" y="548640"/>
-            <a:ext cx="10945037" cy="1133856"/>
-          </a:xfrm>
-        </p:spPr>
+        <p:spPr/>
         <p:txBody>
-          <a:bodyPr anchor="t">
-            <a:normAutofit/>
-          </a:bodyPr>
+          <a:bodyPr/>
           <a:lstStyle/>
           <a:p>
-            <a:r>
-              <a:rPr lang="de-DE" dirty="0"/>
-              <a:t>Ablauf</a:t>
-            </a:r>
-            <a:endParaRPr lang="de-CH" dirty="0"/>
+            <a:fld id="{FA4FCA09-A334-4A38-8A78-E51DCD588AB3}" type="slidenum">
+              <a:rPr lang="en-US" smtClean="0"/>
+              <a:t>21</a:t>
+            </a:fld>
+            <a:endParaRPr lang="en-US"/>
           </a:p>
         </p:txBody>
       </p:sp>
-      <p:graphicFrame>
-        <p:nvGraphicFramePr>
-          <p:cNvPr id="5" name="Inhaltsplatzhalter 2">
-            <a:extLst>
-              <a:ext uri="{FF2B5EF4-FFF2-40B4-BE49-F238E27FC236}">
-                <a16:creationId xmlns:a16="http://schemas.microsoft.com/office/drawing/2014/main" id="{0725848B-A7AB-447A-F097-2A6F623FA7C1}"/>
-              </a:ext>
-            </a:extLst>
-          </p:cNvPr>
-          <p:cNvGraphicFramePr>
-            <a:graphicFrameLocks noGrp="1"/>
-          </p:cNvGraphicFramePr>
-          <p:nvPr>
-            <p:ph idx="1"/>
-            <p:extLst>
-              <p:ext uri="{D42A27DB-BD31-4B8C-83A1-F6EECF244321}">
-                <p14:modId xmlns:p14="http://schemas.microsoft.com/office/powerpoint/2010/main" val="2107402117"/>
-              </p:ext>
-            </p:extLst>
-          </p:nvPr>
-        </p:nvGraphicFramePr>
-        <p:xfrm>
-          <a:off x="612648" y="1881051"/>
-          <a:ext cx="10945037" cy="4414354"/>
-        </p:xfrm>
-        <a:graphic>
-          <a:graphicData uri="http://schemas.openxmlformats.org/drawingml/2006/diagram">
-            <dgm:relIds xmlns:dgm="http://schemas.openxmlformats.org/drawingml/2006/diagram" xmlns:r="http://schemas.openxmlformats.org/officeDocument/2006/relationships" r:dm="rId2" r:lo="rId3" r:qs="rId4" r:cs="rId5"/>
-          </a:graphicData>
-        </a:graphic>
-      </p:graphicFrame>
     </p:spTree>
     <p:extLst>
       <p:ext uri="{BB962C8B-B14F-4D97-AF65-F5344CB8AC3E}">
-        <p14:creationId xmlns:p14="http://schemas.microsoft.com/office/powerpoint/2010/main" val="2294292502"/>
+        <p14:creationId xmlns:p14="http://schemas.microsoft.com/office/powerpoint/2010/main" val="2557689025"/>
       </p:ext>
     </p:extLst>
   </p:cSld>
@@ -23136,6 +25180,35 @@
           </a:p>
         </p:txBody>
       </p:sp>
+      <p:sp>
+        <p:nvSpPr>
+          <p:cNvPr id="3" name="Foliennummernplatzhalter 2">
+            <a:extLst>
+              <a:ext uri="{FF2B5EF4-FFF2-40B4-BE49-F238E27FC236}">
+                <a16:creationId xmlns:a16="http://schemas.microsoft.com/office/drawing/2014/main" id="{4D6CB741-10F9-D55E-8DDE-188B1039BCD5}"/>
+              </a:ext>
+            </a:extLst>
+          </p:cNvPr>
+          <p:cNvSpPr>
+            <a:spLocks noGrp="1"/>
+          </p:cNvSpPr>
+          <p:nvPr>
+            <p:ph type="sldNum" sz="quarter" idx="12"/>
+          </p:nvPr>
+        </p:nvSpPr>
+        <p:spPr/>
+        <p:txBody>
+          <a:bodyPr/>
+          <a:lstStyle/>
+          <a:p>
+            <a:fld id="{FA4FCA09-A334-4A38-8A78-E51DCD588AB3}" type="slidenum">
+              <a:rPr lang="en-US" smtClean="0"/>
+              <a:t>3</a:t>
+            </a:fld>
+            <a:endParaRPr lang="en-US"/>
+          </a:p>
+        </p:txBody>
+      </p:sp>
     </p:spTree>
     <p:extLst>
       <p:ext uri="{BB962C8B-B14F-4D97-AF65-F5344CB8AC3E}">
@@ -23380,6 +25453,35 @@
           </a:prstGeom>
         </p:spPr>
       </p:pic>
+      <p:sp>
+        <p:nvSpPr>
+          <p:cNvPr id="5" name="Foliennummernplatzhalter 4">
+            <a:extLst>
+              <a:ext uri="{FF2B5EF4-FFF2-40B4-BE49-F238E27FC236}">
+                <a16:creationId xmlns:a16="http://schemas.microsoft.com/office/drawing/2014/main" id="{271E03BA-B113-F53D-5308-ECC5CFC85443}"/>
+              </a:ext>
+            </a:extLst>
+          </p:cNvPr>
+          <p:cNvSpPr>
+            <a:spLocks noGrp="1"/>
+          </p:cNvSpPr>
+          <p:nvPr>
+            <p:ph type="sldNum" sz="quarter" idx="12"/>
+          </p:nvPr>
+        </p:nvSpPr>
+        <p:spPr/>
+        <p:txBody>
+          <a:bodyPr/>
+          <a:lstStyle/>
+          <a:p>
+            <a:fld id="{FA4FCA09-A334-4A38-8A78-E51DCD588AB3}" type="slidenum">
+              <a:rPr lang="en-US" smtClean="0"/>
+              <a:t>4</a:t>
+            </a:fld>
+            <a:endParaRPr lang="en-US"/>
+          </a:p>
+        </p:txBody>
+      </p:sp>
     </p:spTree>
     <p:extLst>
       <p:ext uri="{BB962C8B-B14F-4D97-AF65-F5344CB8AC3E}">
@@ -23439,40 +25541,6 @@
           </a:p>
         </p:txBody>
       </p:sp>
-      <p:pic>
-        <p:nvPicPr>
-          <p:cNvPr id="7" name="Inhaltsplatzhalter 6">
-            <a:extLst>
-              <a:ext uri="{FF2B5EF4-FFF2-40B4-BE49-F238E27FC236}">
-                <a16:creationId xmlns:a16="http://schemas.microsoft.com/office/drawing/2014/main" id="{22DF9F3A-4BF7-FE7D-8F52-53D0A4D0DCFA}"/>
-              </a:ext>
-            </a:extLst>
-          </p:cNvPr>
-          <p:cNvPicPr>
-            <a:picLocks noGrp="1" noChangeAspect="1"/>
-          </p:cNvPicPr>
-          <p:nvPr>
-            <p:ph idx="1"/>
-          </p:nvPr>
-        </p:nvPicPr>
-        <p:blipFill>
-          <a:blip r:embed="rId2">
-            <a:extLst>
-              <a:ext uri="{28A0092B-C50C-407E-A947-70E740481C1C}">
-                <a14:useLocalDpi xmlns:a14="http://schemas.microsoft.com/office/drawing/2010/main" val="0"/>
-              </a:ext>
-            </a:extLst>
-          </a:blip>
-          <a:srcRect/>
-          <a:stretch/>
-        </p:blipFill>
-        <p:spPr>
-          <a:xfrm>
-            <a:off x="1958929" y="1114769"/>
-            <a:ext cx="8274142" cy="5539989"/>
-          </a:xfrm>
-        </p:spPr>
-      </p:pic>
       <p:sp>
         <p:nvSpPr>
           <p:cNvPr id="9" name="Rechteck 8" descr="Magnifying glass">
@@ -23494,13 +25562,13 @@
             <a:avLst/>
           </a:prstGeom>
           <a:blipFill>
-            <a:blip r:embed="rId3">
+            <a:blip r:embed="rId2">
               <a:extLst>
                 <a:ext uri="{28A0092B-C50C-407E-A947-70E740481C1C}">
                   <a14:useLocalDpi xmlns:a14="http://schemas.microsoft.com/office/drawing/2010/main" val="0"/>
                 </a:ext>
                 <a:ext uri="{96DAC541-7B7A-43D3-8B79-37D633B846F1}">
-                  <asvg:svgBlip xmlns:asvg="http://schemas.microsoft.com/office/drawing/2016/SVG/main" r:embed="rId4"/>
+                  <asvg:svgBlip xmlns:asvg="http://schemas.microsoft.com/office/drawing/2016/SVG/main" r:embed="rId3"/>
                 </a:ext>
               </a:extLst>
             </a:blip>
@@ -23536,6 +25604,71 @@
           <a:lstStyle/>
           <a:p>
             <a:endParaRPr lang="de-CH"/>
+          </a:p>
+        </p:txBody>
+      </p:sp>
+      <p:pic>
+        <p:nvPicPr>
+          <p:cNvPr id="4" name="Grafik 3" descr="Ein Bild, das Text, Screenshot, Schrift, Design enthält.&#10;&#10;Automatisch generierte Beschreibung">
+            <a:extLst>
+              <a:ext uri="{FF2B5EF4-FFF2-40B4-BE49-F238E27FC236}">
+                <a16:creationId xmlns:a16="http://schemas.microsoft.com/office/drawing/2014/main" id="{1A4DFFC7-6C44-EAC1-EAFE-66F58E583EE2}"/>
+              </a:ext>
+            </a:extLst>
+          </p:cNvPr>
+          <p:cNvPicPr>
+            <a:picLocks noChangeAspect="1"/>
+          </p:cNvPicPr>
+          <p:nvPr/>
+        </p:nvPicPr>
+        <p:blipFill>
+          <a:blip r:embed="rId4">
+            <a:extLst>
+              <a:ext uri="{28A0092B-C50C-407E-A947-70E740481C1C}">
+                <a14:useLocalDpi xmlns:a14="http://schemas.microsoft.com/office/drawing/2010/main" val="0"/>
+              </a:ext>
+            </a:extLst>
+          </a:blip>
+          <a:stretch>
+            <a:fillRect/>
+          </a:stretch>
+        </p:blipFill>
+        <p:spPr>
+          <a:xfrm>
+            <a:off x="1840988" y="897599"/>
+            <a:ext cx="8510023" cy="5697924"/>
+          </a:xfrm>
+          <a:prstGeom prst="rect">
+            <a:avLst/>
+          </a:prstGeom>
+        </p:spPr>
+      </p:pic>
+      <p:sp>
+        <p:nvSpPr>
+          <p:cNvPr id="3" name="Foliennummernplatzhalter 2">
+            <a:extLst>
+              <a:ext uri="{FF2B5EF4-FFF2-40B4-BE49-F238E27FC236}">
+                <a16:creationId xmlns:a16="http://schemas.microsoft.com/office/drawing/2014/main" id="{AA4B9868-5615-AEB6-51D7-60B41D209A85}"/>
+              </a:ext>
+            </a:extLst>
+          </p:cNvPr>
+          <p:cNvSpPr>
+            <a:spLocks noGrp="1"/>
+          </p:cNvSpPr>
+          <p:nvPr>
+            <p:ph type="sldNum" sz="quarter" idx="12"/>
+          </p:nvPr>
+        </p:nvSpPr>
+        <p:spPr/>
+        <p:txBody>
+          <a:bodyPr/>
+          <a:lstStyle/>
+          <a:p>
+            <a:fld id="{FA4FCA09-A334-4A38-8A78-E51DCD588AB3}" type="slidenum">
+              <a:rPr lang="en-US" smtClean="0"/>
+              <a:t>5</a:t>
+            </a:fld>
+            <a:endParaRPr lang="en-US"/>
           </a:p>
         </p:txBody>
       </p:sp>
@@ -23719,6 +25852,35 @@
           </a:prstGeom>
         </p:spPr>
       </p:pic>
+      <p:sp>
+        <p:nvSpPr>
+          <p:cNvPr id="3" name="Foliennummernplatzhalter 2">
+            <a:extLst>
+              <a:ext uri="{FF2B5EF4-FFF2-40B4-BE49-F238E27FC236}">
+                <a16:creationId xmlns:a16="http://schemas.microsoft.com/office/drawing/2014/main" id="{FFF270CE-47EF-3DF0-FD9E-9ABE074D9831}"/>
+              </a:ext>
+            </a:extLst>
+          </p:cNvPr>
+          <p:cNvSpPr>
+            <a:spLocks noGrp="1"/>
+          </p:cNvSpPr>
+          <p:nvPr>
+            <p:ph type="sldNum" sz="quarter" idx="12"/>
+          </p:nvPr>
+        </p:nvSpPr>
+        <p:spPr/>
+        <p:txBody>
+          <a:bodyPr/>
+          <a:lstStyle/>
+          <a:p>
+            <a:fld id="{FA4FCA09-A334-4A38-8A78-E51DCD588AB3}" type="slidenum">
+              <a:rPr lang="en-US" smtClean="0"/>
+              <a:t>6</a:t>
+            </a:fld>
+            <a:endParaRPr lang="en-US"/>
+          </a:p>
+        </p:txBody>
+      </p:sp>
     </p:spTree>
     <p:extLst>
       <p:ext uri="{BB962C8B-B14F-4D97-AF65-F5344CB8AC3E}">
@@ -23863,31 +26025,6 @@
           </a:p>
         </p:txBody>
       </p:sp>
-      <p:sp>
-        <p:nvSpPr>
-          <p:cNvPr id="5" name="Inhaltsplatzhalter 4">
-            <a:extLst>
-              <a:ext uri="{FF2B5EF4-FFF2-40B4-BE49-F238E27FC236}">
-                <a16:creationId xmlns:a16="http://schemas.microsoft.com/office/drawing/2014/main" id="{02059052-3B83-BE69-9665-60048065B6F7}"/>
-              </a:ext>
-            </a:extLst>
-          </p:cNvPr>
-          <p:cNvSpPr>
-            <a:spLocks noGrp="1"/>
-          </p:cNvSpPr>
-          <p:nvPr>
-            <p:ph idx="1"/>
-          </p:nvPr>
-        </p:nvSpPr>
-        <p:spPr/>
-        <p:txBody>
-          <a:bodyPr/>
-          <a:lstStyle/>
-          <a:p>
-            <a:endParaRPr lang="de-CH" dirty="0"/>
-          </a:p>
-        </p:txBody>
-      </p:sp>
       <p:pic>
         <p:nvPicPr>
           <p:cNvPr id="6" name="Grafik 5" descr="Ein Bild, das Reihe, Text, Diagramm, parallel enthält.&#10;&#10;Automatisch generierte Beschreibung">
@@ -23924,6 +26061,70 @@
           </a:prstGeom>
         </p:spPr>
       </p:pic>
+      <p:pic>
+        <p:nvPicPr>
+          <p:cNvPr id="3" name="Grafik 2" descr="Ein Bild, das Screenshot, Text, Diagramm, Quadrat enthält.&#10;&#10;Automatisch generierte Beschreibung">
+            <a:extLst>
+              <a:ext uri="{FF2B5EF4-FFF2-40B4-BE49-F238E27FC236}">
+                <a16:creationId xmlns:a16="http://schemas.microsoft.com/office/drawing/2014/main" id="{D6FF781C-9C7D-F2B4-0BB0-A15E541FAB1C}"/>
+              </a:ext>
+            </a:extLst>
+          </p:cNvPr>
+          <p:cNvPicPr>
+            <a:picLocks noChangeAspect="1"/>
+          </p:cNvPicPr>
+          <p:nvPr/>
+        </p:nvPicPr>
+        <p:blipFill rotWithShape="1">
+          <a:blip r:embed="rId5">
+            <a:extLst>
+              <a:ext uri="{28A0092B-C50C-407E-A947-70E740481C1C}">
+                <a14:useLocalDpi xmlns:a14="http://schemas.microsoft.com/office/drawing/2010/main" val="0"/>
+              </a:ext>
+            </a:extLst>
+          </a:blip>
+          <a:srcRect l="14611" t="24368" r="52177" b="9756"/>
+          <a:stretch/>
+        </p:blipFill>
+        <p:spPr>
+          <a:xfrm>
+            <a:off x="8318244" y="405000"/>
+            <a:ext cx="2582562" cy="2326770"/>
+          </a:xfrm>
+          <a:prstGeom prst="rect">
+            <a:avLst/>
+          </a:prstGeom>
+        </p:spPr>
+      </p:pic>
+      <p:sp>
+        <p:nvSpPr>
+          <p:cNvPr id="7" name="Foliennummernplatzhalter 6">
+            <a:extLst>
+              <a:ext uri="{FF2B5EF4-FFF2-40B4-BE49-F238E27FC236}">
+                <a16:creationId xmlns:a16="http://schemas.microsoft.com/office/drawing/2014/main" id="{EB42FE15-45C5-3B2B-6319-CE05AD360932}"/>
+              </a:ext>
+            </a:extLst>
+          </p:cNvPr>
+          <p:cNvSpPr>
+            <a:spLocks noGrp="1"/>
+          </p:cNvSpPr>
+          <p:nvPr>
+            <p:ph type="sldNum" sz="quarter" idx="12"/>
+          </p:nvPr>
+        </p:nvSpPr>
+        <p:spPr/>
+        <p:txBody>
+          <a:bodyPr/>
+          <a:lstStyle/>
+          <a:p>
+            <a:fld id="{FA4FCA09-A334-4A38-8A78-E51DCD588AB3}" type="slidenum">
+              <a:rPr lang="en-US" smtClean="0"/>
+              <a:t>7</a:t>
+            </a:fld>
+            <a:endParaRPr lang="en-US"/>
+          </a:p>
+        </p:txBody>
+      </p:sp>
     </p:spTree>
     <p:extLst>
       <p:ext uri="{BB962C8B-B14F-4D97-AF65-F5344CB8AC3E}">
@@ -24170,6 +26371,122 @@
           </a:fontRef>
         </p:style>
       </p:cxnSp>
+      <p:pic>
+        <p:nvPicPr>
+          <p:cNvPr id="5" name="Grafik 4" descr="Ein Bild, das Screenshot, Text, Diagramm, Quadrat enthält.&#10;&#10;Automatisch generierte Beschreibung">
+            <a:extLst>
+              <a:ext uri="{FF2B5EF4-FFF2-40B4-BE49-F238E27FC236}">
+                <a16:creationId xmlns:a16="http://schemas.microsoft.com/office/drawing/2014/main" id="{CD67249F-3976-C314-F4E4-7404CF3E9144}"/>
+              </a:ext>
+            </a:extLst>
+          </p:cNvPr>
+          <p:cNvPicPr>
+            <a:picLocks noChangeAspect="1"/>
+          </p:cNvPicPr>
+          <p:nvPr/>
+        </p:nvPicPr>
+        <p:blipFill rotWithShape="1">
+          <a:blip r:embed="rId6">
+            <a:extLst>
+              <a:ext uri="{28A0092B-C50C-407E-A947-70E740481C1C}">
+                <a14:useLocalDpi xmlns:a14="http://schemas.microsoft.com/office/drawing/2010/main" val="0"/>
+              </a:ext>
+            </a:extLst>
+          </a:blip>
+          <a:srcRect l="53104" t="44135" r="15713" b="28931"/>
+          <a:stretch/>
+        </p:blipFill>
+        <p:spPr>
+          <a:xfrm>
+            <a:off x="7919196" y="548640"/>
+            <a:ext cx="3347030" cy="1313229"/>
+          </a:xfrm>
+          <a:prstGeom prst="rect">
+            <a:avLst/>
+          </a:prstGeom>
+        </p:spPr>
+      </p:pic>
+      <p:sp>
+        <p:nvSpPr>
+          <p:cNvPr id="6" name="Rechteck 5">
+            <a:extLst>
+              <a:ext uri="{FF2B5EF4-FFF2-40B4-BE49-F238E27FC236}">
+                <a16:creationId xmlns:a16="http://schemas.microsoft.com/office/drawing/2014/main" id="{B59D0BD5-64A7-DB51-B759-20EE03C8EB37}"/>
+              </a:ext>
+            </a:extLst>
+          </p:cNvPr>
+          <p:cNvSpPr/>
+          <p:nvPr/>
+        </p:nvSpPr>
+        <p:spPr>
+          <a:xfrm>
+            <a:off x="8083685" y="680936"/>
+            <a:ext cx="778961" cy="1056424"/>
+          </a:xfrm>
+          <a:prstGeom prst="rect">
+            <a:avLst/>
+          </a:prstGeom>
+          <a:noFill/>
+          <a:ln w="38100">
+            <a:solidFill>
+              <a:srgbClr val="FF0000"/>
+            </a:solidFill>
+          </a:ln>
+        </p:spPr>
+        <p:style>
+          <a:lnRef idx="2">
+            <a:schemeClr val="accent1">
+              <a:shade val="15000"/>
+            </a:schemeClr>
+          </a:lnRef>
+          <a:fillRef idx="1">
+            <a:schemeClr val="accent1"/>
+          </a:fillRef>
+          <a:effectRef idx="0">
+            <a:schemeClr val="accent1"/>
+          </a:effectRef>
+          <a:fontRef idx="minor">
+            <a:schemeClr val="lt1"/>
+          </a:fontRef>
+        </p:style>
+        <p:txBody>
+          <a:bodyPr rtlCol="0" anchor="ctr"/>
+          <a:lstStyle/>
+          <a:p>
+            <a:pPr algn="ctr"/>
+            <a:endParaRPr lang="de-CH"/>
+          </a:p>
+        </p:txBody>
+      </p:sp>
+      <p:sp>
+        <p:nvSpPr>
+          <p:cNvPr id="8" name="Foliennummernplatzhalter 7">
+            <a:extLst>
+              <a:ext uri="{FF2B5EF4-FFF2-40B4-BE49-F238E27FC236}">
+                <a16:creationId xmlns:a16="http://schemas.microsoft.com/office/drawing/2014/main" id="{17D9AB6D-1F82-C3C5-6991-9744F7BD4016}"/>
+              </a:ext>
+            </a:extLst>
+          </p:cNvPr>
+          <p:cNvSpPr>
+            <a:spLocks noGrp="1"/>
+          </p:cNvSpPr>
+          <p:nvPr>
+            <p:ph type="sldNum" sz="quarter" idx="12"/>
+          </p:nvPr>
+        </p:nvSpPr>
+        <p:spPr/>
+        <p:txBody>
+          <a:bodyPr/>
+          <a:lstStyle/>
+          <a:p>
+            <a:fld id="{FA4FCA09-A334-4A38-8A78-E51DCD588AB3}" type="slidenum">
+              <a:rPr lang="en-US" smtClean="0"/>
+              <a:t>8</a:t>
+            </a:fld>
+            <a:endParaRPr lang="en-US"/>
+          </a:p>
+        </p:txBody>
+      </p:sp>
     </p:spTree>
     <p:extLst>
       <p:ext uri="{BB962C8B-B14F-4D97-AF65-F5344CB8AC3E}">
@@ -24416,6 +26733,122 @@
           </a:graphicData>
         </a:graphic>
       </p:graphicFrame>
+      <p:pic>
+        <p:nvPicPr>
+          <p:cNvPr id="3" name="Grafik 2" descr="Ein Bild, das Screenshot, Text, Diagramm, Quadrat enthält.&#10;&#10;Automatisch generierte Beschreibung">
+            <a:extLst>
+              <a:ext uri="{FF2B5EF4-FFF2-40B4-BE49-F238E27FC236}">
+                <a16:creationId xmlns:a16="http://schemas.microsoft.com/office/drawing/2014/main" id="{29A25601-4B08-48A8-56CB-3CD64EFF28E3}"/>
+              </a:ext>
+            </a:extLst>
+          </p:cNvPr>
+          <p:cNvPicPr>
+            <a:picLocks noChangeAspect="1"/>
+          </p:cNvPicPr>
+          <p:nvPr/>
+        </p:nvPicPr>
+        <p:blipFill rotWithShape="1">
+          <a:blip r:embed="rId6">
+            <a:extLst>
+              <a:ext uri="{28A0092B-C50C-407E-A947-70E740481C1C}">
+                <a14:useLocalDpi xmlns:a14="http://schemas.microsoft.com/office/drawing/2010/main" val="0"/>
+              </a:ext>
+            </a:extLst>
+          </a:blip>
+          <a:srcRect l="53104" t="44135" r="15713" b="28931"/>
+          <a:stretch/>
+        </p:blipFill>
+        <p:spPr>
+          <a:xfrm>
+            <a:off x="7919196" y="548640"/>
+            <a:ext cx="3347030" cy="1313229"/>
+          </a:xfrm>
+          <a:prstGeom prst="rect">
+            <a:avLst/>
+          </a:prstGeom>
+        </p:spPr>
+      </p:pic>
+      <p:sp>
+        <p:nvSpPr>
+          <p:cNvPr id="5" name="Rechteck 4">
+            <a:extLst>
+              <a:ext uri="{FF2B5EF4-FFF2-40B4-BE49-F238E27FC236}">
+                <a16:creationId xmlns:a16="http://schemas.microsoft.com/office/drawing/2014/main" id="{72EF7607-91B8-D352-80A4-00254AC5AA92}"/>
+              </a:ext>
+            </a:extLst>
+          </p:cNvPr>
+          <p:cNvSpPr/>
+          <p:nvPr/>
+        </p:nvSpPr>
+        <p:spPr>
+          <a:xfrm>
+            <a:off x="9238400" y="677042"/>
+            <a:ext cx="778961" cy="1056424"/>
+          </a:xfrm>
+          <a:prstGeom prst="rect">
+            <a:avLst/>
+          </a:prstGeom>
+          <a:noFill/>
+          <a:ln w="38100">
+            <a:solidFill>
+              <a:srgbClr val="FF0000"/>
+            </a:solidFill>
+          </a:ln>
+        </p:spPr>
+        <p:style>
+          <a:lnRef idx="2">
+            <a:schemeClr val="accent1">
+              <a:shade val="15000"/>
+            </a:schemeClr>
+          </a:lnRef>
+          <a:fillRef idx="1">
+            <a:schemeClr val="accent1"/>
+          </a:fillRef>
+          <a:effectRef idx="0">
+            <a:schemeClr val="accent1"/>
+          </a:effectRef>
+          <a:fontRef idx="minor">
+            <a:schemeClr val="lt1"/>
+          </a:fontRef>
+        </p:style>
+        <p:txBody>
+          <a:bodyPr rtlCol="0" anchor="ctr"/>
+          <a:lstStyle/>
+          <a:p>
+            <a:pPr algn="ctr"/>
+            <a:endParaRPr lang="de-CH"/>
+          </a:p>
+        </p:txBody>
+      </p:sp>
+      <p:sp>
+        <p:nvSpPr>
+          <p:cNvPr id="8" name="Foliennummernplatzhalter 7">
+            <a:extLst>
+              <a:ext uri="{FF2B5EF4-FFF2-40B4-BE49-F238E27FC236}">
+                <a16:creationId xmlns:a16="http://schemas.microsoft.com/office/drawing/2014/main" id="{3E849C29-4BF8-F440-B1D1-0434F76C8BE2}"/>
+              </a:ext>
+            </a:extLst>
+          </p:cNvPr>
+          <p:cNvSpPr>
+            <a:spLocks noGrp="1"/>
+          </p:cNvSpPr>
+          <p:nvPr>
+            <p:ph type="sldNum" sz="quarter" idx="12"/>
+          </p:nvPr>
+        </p:nvSpPr>
+        <p:spPr/>
+        <p:txBody>
+          <a:bodyPr/>
+          <a:lstStyle/>
+          <a:p>
+            <a:fld id="{FA4FCA09-A334-4A38-8A78-E51DCD588AB3}" type="slidenum">
+              <a:rPr lang="en-US" smtClean="0"/>
+              <a:t>9</a:t>
+            </a:fld>
+            <a:endParaRPr lang="en-US"/>
+          </a:p>
+        </p:txBody>
+      </p:sp>
     </p:spTree>
     <p:extLst>
       <p:ext uri="{BB962C8B-B14F-4D97-AF65-F5344CB8AC3E}">
@@ -24628,4 +27061,319 @@
     </a:ext>
   </a:extLst>
 </a:theme>
+</file>
+
+<file path=ppt/theme/theme2.xml><?xml version="1.0" encoding="utf-8"?>
+<a:theme xmlns:a="http://schemas.openxmlformats.org/drawingml/2006/main" name="Office">
+  <a:themeElements>
+    <a:clrScheme name="Office">
+      <a:dk1>
+        <a:sysClr val="windowText" lastClr="000000"/>
+      </a:dk1>
+      <a:lt1>
+        <a:sysClr val="window" lastClr="FFFFFF"/>
+      </a:lt1>
+      <a:dk2>
+        <a:srgbClr val="0E2841"/>
+      </a:dk2>
+      <a:lt2>
+        <a:srgbClr val="E8E8E8"/>
+      </a:lt2>
+      <a:accent1>
+        <a:srgbClr val="156082"/>
+      </a:accent1>
+      <a:accent2>
+        <a:srgbClr val="E97132"/>
+      </a:accent2>
+      <a:accent3>
+        <a:srgbClr val="196B24"/>
+      </a:accent3>
+      <a:accent4>
+        <a:srgbClr val="0F9ED5"/>
+      </a:accent4>
+      <a:accent5>
+        <a:srgbClr val="A02B93"/>
+      </a:accent5>
+      <a:accent6>
+        <a:srgbClr val="4EA72E"/>
+      </a:accent6>
+      <a:hlink>
+        <a:srgbClr val="467886"/>
+      </a:hlink>
+      <a:folHlink>
+        <a:srgbClr val="96607D"/>
+      </a:folHlink>
+    </a:clrScheme>
+    <a:fontScheme name="Office">
+      <a:majorFont>
+        <a:latin typeface="Aptos Display" panose="02110004020202020204"/>
+        <a:ea typeface=""/>
+        <a:cs typeface=""/>
+        <a:font script="Jpan" typeface="游ゴシック Light"/>
+        <a:font script="Hang" typeface="맑은 고딕"/>
+        <a:font script="Hans" typeface="等线 Light"/>
+        <a:font script="Hant" typeface="新細明體"/>
+        <a:font script="Arab" typeface="Times New Roman"/>
+        <a:font script="Hebr" typeface="Times New Roman"/>
+        <a:font script="Thai" typeface="Angsana New"/>
+        <a:font script="Ethi" typeface="Nyala"/>
+        <a:font script="Beng" typeface="Vrinda"/>
+        <a:font script="Gujr" typeface="Shruti"/>
+        <a:font script="Khmr" typeface="MoolBoran"/>
+        <a:font script="Knda" typeface="Tunga"/>
+        <a:font script="Guru" typeface="Raavi"/>
+        <a:font script="Cans" typeface="Euphemia"/>
+        <a:font script="Cher" typeface="Plantagenet Cherokee"/>
+        <a:font script="Yiii" typeface="Microsoft Yi Baiti"/>
+        <a:font script="Tibt" typeface="Microsoft Himalaya"/>
+        <a:font script="Thaa" typeface="MV Boli"/>
+        <a:font script="Deva" typeface="Mangal"/>
+        <a:font script="Telu" typeface="Gautami"/>
+        <a:font script="Taml" typeface="Latha"/>
+        <a:font script="Syrc" typeface="Estrangelo Edessa"/>
+        <a:font script="Orya" typeface="Kalinga"/>
+        <a:font script="Mlym" typeface="Kartika"/>
+        <a:font script="Laoo" typeface="DokChampa"/>
+        <a:font script="Sinh" typeface="Iskoola Pota"/>
+        <a:font script="Mong" typeface="Mongolian Baiti"/>
+        <a:font script="Viet" typeface="Times New Roman"/>
+        <a:font script="Uigh" typeface="Microsoft Uighur"/>
+        <a:font script="Geor" typeface="Sylfaen"/>
+        <a:font script="Armn" typeface="Arial"/>
+        <a:font script="Bugi" typeface="Leelawadee UI"/>
+        <a:font script="Bopo" typeface="Microsoft JhengHei"/>
+        <a:font script="Java" typeface="Javanese Text"/>
+        <a:font script="Lisu" typeface="Segoe UI"/>
+        <a:font script="Mymr" typeface="Myanmar Text"/>
+        <a:font script="Nkoo" typeface="Ebrima"/>
+        <a:font script="Olck" typeface="Nirmala UI"/>
+        <a:font script="Osma" typeface="Ebrima"/>
+        <a:font script="Phag" typeface="Phagspa"/>
+        <a:font script="Syrn" typeface="Estrangelo Edessa"/>
+        <a:font script="Syrj" typeface="Estrangelo Edessa"/>
+        <a:font script="Syre" typeface="Estrangelo Edessa"/>
+        <a:font script="Sora" typeface="Nirmala UI"/>
+        <a:font script="Tale" typeface="Microsoft Tai Le"/>
+        <a:font script="Talu" typeface="Microsoft New Tai Lue"/>
+        <a:font script="Tfng" typeface="Ebrima"/>
+      </a:majorFont>
+      <a:minorFont>
+        <a:latin typeface="Aptos" panose="02110004020202020204"/>
+        <a:ea typeface=""/>
+        <a:cs typeface=""/>
+        <a:font script="Jpan" typeface="游ゴシック"/>
+        <a:font script="Hang" typeface="맑은 고딕"/>
+        <a:font script="Hans" typeface="等线"/>
+        <a:font script="Hant" typeface="新細明體"/>
+        <a:font script="Arab" typeface="Arial"/>
+        <a:font script="Hebr" typeface="Arial"/>
+        <a:font script="Thai" typeface="Cordia New"/>
+        <a:font script="Ethi" typeface="Nyala"/>
+        <a:font script="Beng" typeface="Vrinda"/>
+        <a:font script="Gujr" typeface="Shruti"/>
+        <a:font script="Khmr" typeface="DaunPenh"/>
+        <a:font script="Knda" typeface="Tunga"/>
+        <a:font script="Guru" typeface="Raavi"/>
+        <a:font script="Cans" typeface="Euphemia"/>
+        <a:font script="Cher" typeface="Plantagenet Cherokee"/>
+        <a:font script="Yiii" typeface="Microsoft Yi Baiti"/>
+        <a:font script="Tibt" typeface="Microsoft Himalaya"/>
+        <a:font script="Thaa" typeface="MV Boli"/>
+        <a:font script="Deva" typeface="Mangal"/>
+        <a:font script="Telu" typeface="Gautami"/>
+        <a:font script="Taml" typeface="Latha"/>
+        <a:font script="Syrc" typeface="Estrangelo Edessa"/>
+        <a:font script="Orya" typeface="Kalinga"/>
+        <a:font script="Mlym" typeface="Kartika"/>
+        <a:font script="Laoo" typeface="DokChampa"/>
+        <a:font script="Sinh" typeface="Iskoola Pota"/>
+        <a:font script="Mong" typeface="Mongolian Baiti"/>
+        <a:font script="Viet" typeface="Arial"/>
+        <a:font script="Uigh" typeface="Microsoft Uighur"/>
+        <a:font script="Geor" typeface="Sylfaen"/>
+        <a:font script="Armn" typeface="Arial"/>
+        <a:font script="Bugi" typeface="Leelawadee UI"/>
+        <a:font script="Bopo" typeface="Microsoft JhengHei"/>
+        <a:font script="Java" typeface="Javanese Text"/>
+        <a:font script="Lisu" typeface="Segoe UI"/>
+        <a:font script="Mymr" typeface="Myanmar Text"/>
+        <a:font script="Nkoo" typeface="Ebrima"/>
+        <a:font script="Olck" typeface="Nirmala UI"/>
+        <a:font script="Osma" typeface="Ebrima"/>
+        <a:font script="Phag" typeface="Phagspa"/>
+        <a:font script="Syrn" typeface="Estrangelo Edessa"/>
+        <a:font script="Syrj" typeface="Estrangelo Edessa"/>
+        <a:font script="Syre" typeface="Estrangelo Edessa"/>
+        <a:font script="Sora" typeface="Nirmala UI"/>
+        <a:font script="Tale" typeface="Microsoft Tai Le"/>
+        <a:font script="Talu" typeface="Microsoft New Tai Lue"/>
+        <a:font script="Tfng" typeface="Ebrima"/>
+      </a:minorFont>
+    </a:fontScheme>
+    <a:fmtScheme name="Office">
+      <a:fillStyleLst>
+        <a:solidFill>
+          <a:schemeClr val="phClr"/>
+        </a:solidFill>
+        <a:gradFill rotWithShape="1">
+          <a:gsLst>
+            <a:gs pos="0">
+              <a:schemeClr val="phClr">
+                <a:lumMod val="110000"/>
+                <a:satMod val="105000"/>
+                <a:tint val="67000"/>
+              </a:schemeClr>
+            </a:gs>
+            <a:gs pos="50000">
+              <a:schemeClr val="phClr">
+                <a:lumMod val="105000"/>
+                <a:satMod val="103000"/>
+                <a:tint val="73000"/>
+              </a:schemeClr>
+            </a:gs>
+            <a:gs pos="100000">
+              <a:schemeClr val="phClr">
+                <a:lumMod val="105000"/>
+                <a:satMod val="109000"/>
+                <a:tint val="81000"/>
+              </a:schemeClr>
+            </a:gs>
+          </a:gsLst>
+          <a:lin ang="5400000" scaled="0"/>
+        </a:gradFill>
+        <a:gradFill rotWithShape="1">
+          <a:gsLst>
+            <a:gs pos="0">
+              <a:schemeClr val="phClr">
+                <a:satMod val="103000"/>
+                <a:lumMod val="102000"/>
+                <a:tint val="94000"/>
+              </a:schemeClr>
+            </a:gs>
+            <a:gs pos="50000">
+              <a:schemeClr val="phClr">
+                <a:satMod val="110000"/>
+                <a:lumMod val="100000"/>
+                <a:shade val="100000"/>
+              </a:schemeClr>
+            </a:gs>
+            <a:gs pos="100000">
+              <a:schemeClr val="phClr">
+                <a:lumMod val="99000"/>
+                <a:satMod val="120000"/>
+                <a:shade val="78000"/>
+              </a:schemeClr>
+            </a:gs>
+          </a:gsLst>
+          <a:lin ang="5400000" scaled="0"/>
+        </a:gradFill>
+      </a:fillStyleLst>
+      <a:lnStyleLst>
+        <a:ln w="12700" cap="flat" cmpd="sng" algn="ctr">
+          <a:solidFill>
+            <a:schemeClr val="phClr"/>
+          </a:solidFill>
+          <a:prstDash val="solid"/>
+          <a:miter lim="800000"/>
+        </a:ln>
+        <a:ln w="19050" cap="flat" cmpd="sng" algn="ctr">
+          <a:solidFill>
+            <a:schemeClr val="phClr"/>
+          </a:solidFill>
+          <a:prstDash val="solid"/>
+          <a:miter lim="800000"/>
+        </a:ln>
+        <a:ln w="25400" cap="flat" cmpd="sng" algn="ctr">
+          <a:solidFill>
+            <a:schemeClr val="phClr"/>
+          </a:solidFill>
+          <a:prstDash val="solid"/>
+          <a:miter lim="800000"/>
+        </a:ln>
+      </a:lnStyleLst>
+      <a:effectStyleLst>
+        <a:effectStyle>
+          <a:effectLst/>
+        </a:effectStyle>
+        <a:effectStyle>
+          <a:effectLst/>
+        </a:effectStyle>
+        <a:effectStyle>
+          <a:effectLst>
+            <a:outerShdw blurRad="57150" dist="19050" dir="5400000" algn="ctr" rotWithShape="0">
+              <a:srgbClr val="000000">
+                <a:alpha val="63000"/>
+              </a:srgbClr>
+            </a:outerShdw>
+          </a:effectLst>
+        </a:effectStyle>
+      </a:effectStyleLst>
+      <a:bgFillStyleLst>
+        <a:solidFill>
+          <a:schemeClr val="phClr"/>
+        </a:solidFill>
+        <a:solidFill>
+          <a:schemeClr val="phClr">
+            <a:tint val="95000"/>
+            <a:satMod val="170000"/>
+          </a:schemeClr>
+        </a:solidFill>
+        <a:gradFill rotWithShape="1">
+          <a:gsLst>
+            <a:gs pos="0">
+              <a:schemeClr val="phClr">
+                <a:tint val="93000"/>
+                <a:satMod val="150000"/>
+                <a:shade val="98000"/>
+                <a:lumMod val="102000"/>
+              </a:schemeClr>
+            </a:gs>
+            <a:gs pos="50000">
+              <a:schemeClr val="phClr">
+                <a:tint val="98000"/>
+                <a:satMod val="130000"/>
+                <a:shade val="90000"/>
+                <a:lumMod val="103000"/>
+              </a:schemeClr>
+            </a:gs>
+            <a:gs pos="100000">
+              <a:schemeClr val="phClr">
+                <a:shade val="63000"/>
+                <a:satMod val="120000"/>
+              </a:schemeClr>
+            </a:gs>
+          </a:gsLst>
+          <a:lin ang="5400000" scaled="0"/>
+        </a:gradFill>
+      </a:bgFillStyleLst>
+    </a:fmtScheme>
+  </a:themeElements>
+  <a:objectDefaults>
+    <a:lnDef>
+      <a:spPr/>
+      <a:bodyPr/>
+      <a:lstStyle/>
+      <a:style>
+        <a:lnRef idx="2">
+          <a:schemeClr val="accent1"/>
+        </a:lnRef>
+        <a:fillRef idx="0">
+          <a:schemeClr val="accent1"/>
+        </a:fillRef>
+        <a:effectRef idx="1">
+          <a:schemeClr val="accent1"/>
+        </a:effectRef>
+        <a:fontRef idx="minor">
+          <a:schemeClr val="tx1"/>
+        </a:fontRef>
+      </a:style>
+    </a:lnDef>
+  </a:objectDefaults>
+  <a:extraClrSchemeLst/>
+  <a:extLst>
+    <a:ext uri="{05A4C25C-085E-4340-85A3-A5531E510DB2}">
+      <thm15:themeFamily xmlns:thm15="http://schemas.microsoft.com/office/thememl/2012/main" name="Office Theme" id="{2E142A2C-CD16-42D6-873A-C26D2A0506FA}" vid="{1BDDFF52-6CD6-40A5-AB3C-68EB2F1E4D0A}"/>
+    </a:ext>
+  </a:extLst>
+</a:theme>
 </file>
--- a/Dokumentation/presentation/BAT-EIT-FS24-Präs-Nicora-1507146.pptx
+++ b/Dokumentation/presentation/BAT-EIT-FS24-Präs-Nicora-1507146.pptx
@@ -16239,7 +16239,7 @@
           <a:p>
             <a:fld id="{0B057291-6A98-4620-889F-D0A5C794DD50}" type="datetimeFigureOut">
               <a:rPr lang="de-CH" smtClean="0"/>
-              <a:t>17.06.2024</a:t>
+              <a:t>18.06.2024</a:t>
             </a:fld>
             <a:endParaRPr lang="de-CH"/>
           </a:p>
@@ -16660,7 +16660,7 @@
           <a:p>
             <a:fld id="{C6AF859B-7E1F-489F-A73D-998C3C89EE6A}" type="datetime1">
               <a:rPr lang="en-US" smtClean="0"/>
-              <a:t>6/17/2024</a:t>
+              <a:t>6/18/2024</a:t>
             </a:fld>
             <a:endParaRPr lang="en-US"/>
           </a:p>
@@ -16868,7 +16868,7 @@
           <a:p>
             <a:fld id="{8276C204-5F8F-4607-9C23-BDECBAE2F177}" type="datetime1">
               <a:rPr lang="en-US" smtClean="0"/>
-              <a:t>6/17/2024</a:t>
+              <a:t>6/18/2024</a:t>
             </a:fld>
             <a:endParaRPr lang="en-US"/>
           </a:p>
@@ -17076,7 +17076,7 @@
           <a:p>
             <a:fld id="{A6BF582D-C480-484A-A69F-620C9CCA885B}" type="datetime1">
               <a:rPr lang="en-US" smtClean="0"/>
-              <a:t>6/17/2024</a:t>
+              <a:t>6/18/2024</a:t>
             </a:fld>
             <a:endParaRPr lang="en-US"/>
           </a:p>
@@ -17274,7 +17274,7 @@
           <a:p>
             <a:fld id="{656DD473-8AC0-4EB4-9E9A-CD00A4EF40CE}" type="datetime1">
               <a:rPr lang="en-US" smtClean="0"/>
-              <a:t>6/17/2024</a:t>
+              <a:t>6/18/2024</a:t>
             </a:fld>
             <a:endParaRPr lang="en-US"/>
           </a:p>
@@ -17552,7 +17552,7 @@
           <a:p>
             <a:fld id="{CD75B89E-4F23-41F0-82AE-4D9C76155657}" type="datetime1">
               <a:rPr lang="en-US" smtClean="0"/>
-              <a:t>6/17/2024</a:t>
+              <a:t>6/18/2024</a:t>
             </a:fld>
             <a:endParaRPr lang="en-US"/>
           </a:p>
@@ -17824,7 +17824,7 @@
           <a:p>
             <a:fld id="{82F3CE18-F0DD-41CB-9C53-845575CB3F2C}" type="datetime1">
               <a:rPr lang="en-US" smtClean="0"/>
-              <a:t>6/17/2024</a:t>
+              <a:t>6/18/2024</a:t>
             </a:fld>
             <a:endParaRPr lang="en-US"/>
           </a:p>
@@ -18248,7 +18248,7 @@
           <a:p>
             <a:fld id="{6E89C257-FDE2-4B34-8462-97CD98FED562}" type="datetime1">
               <a:rPr lang="en-US" smtClean="0"/>
-              <a:t>6/17/2024</a:t>
+              <a:t>6/18/2024</a:t>
             </a:fld>
             <a:endParaRPr lang="en-US"/>
           </a:p>
@@ -18389,7 +18389,7 @@
           <a:p>
             <a:fld id="{433D1319-4073-4501-A6FE-5C3517023197}" type="datetime1">
               <a:rPr lang="en-US" smtClean="0"/>
-              <a:t>6/17/2024</a:t>
+              <a:t>6/18/2024</a:t>
             </a:fld>
             <a:endParaRPr lang="en-US"/>
           </a:p>
@@ -18502,7 +18502,7 @@
           <a:p>
             <a:fld id="{79D7D89F-F449-4944-965E-F39E6DA49C48}" type="datetime1">
               <a:rPr lang="en-US" smtClean="0"/>
-              <a:t>6/17/2024</a:t>
+              <a:t>6/18/2024</a:t>
             </a:fld>
             <a:endParaRPr lang="en-US"/>
           </a:p>
@@ -18821,7 +18821,7 @@
           <a:p>
             <a:fld id="{68116DD6-A81E-4694-B247-D9CB2F5E43A6}" type="datetime1">
               <a:rPr lang="en-US" smtClean="0"/>
-              <a:t>6/17/2024</a:t>
+              <a:t>6/18/2024</a:t>
             </a:fld>
             <a:endParaRPr lang="en-US"/>
           </a:p>
@@ -19115,7 +19115,7 @@
           <a:p>
             <a:fld id="{883FFA99-551B-45A3-8100-B3EEAC2D471E}" type="datetime1">
               <a:rPr lang="en-US" smtClean="0"/>
-              <a:t>6/17/2024</a:t>
+              <a:t>6/18/2024</a:t>
             </a:fld>
             <a:endParaRPr lang="en-US"/>
           </a:p>
@@ -19355,7 +19355,7 @@
           <a:p>
             <a:fld id="{16B2086C-5757-4DB5-A0F2-B7934A67A4B3}" type="datetime1">
               <a:rPr lang="en-US" smtClean="0"/>
-              <a:t>6/17/2024</a:t>
+              <a:t>6/18/2024</a:t>
             </a:fld>
             <a:endParaRPr lang="en-US"/>
           </a:p>
@@ -24587,7 +24587,7 @@
 </file>
 
 <file path=ppt/slides/slide21.xml><?xml version="1.0" encoding="utf-8"?>
-<p:sld xmlns:a="http://schemas.openxmlformats.org/drawingml/2006/main" xmlns:r="http://schemas.openxmlformats.org/officeDocument/2006/relationships" xmlns:p="http://schemas.openxmlformats.org/presentationml/2006/main">
+<p:sld xmlns:a="http://schemas.openxmlformats.org/drawingml/2006/main" xmlns:r="http://schemas.openxmlformats.org/officeDocument/2006/relationships" xmlns:p="http://schemas.openxmlformats.org/presentationml/2006/main" show="0">
   <p:cSld>
     <p:spTree>
       <p:nvGrpSpPr>
